--- a/20240621 EAD Update (Mixed Prelim).pptx
+++ b/20240621 EAD Update (Mixed Prelim).pptx
@@ -6,13 +6,10 @@
   </p:sldMasterIdLst>
   <p:sldIdLst>
     <p:sldId id="256" r:id="rId2"/>
-    <p:sldId id="257" r:id="rId3"/>
-    <p:sldId id="258" r:id="rId4"/>
-    <p:sldId id="259" r:id="rId5"/>
-    <p:sldId id="260" r:id="rId6"/>
-    <p:sldId id="261" r:id="rId7"/>
-    <p:sldId id="262" r:id="rId8"/>
-    <p:sldId id="263" r:id="rId9"/>
+    <p:sldId id="367" r:id="rId3"/>
+    <p:sldId id="364" r:id="rId4"/>
+    <p:sldId id="365" r:id="rId5"/>
+    <p:sldId id="366" r:id="rId6"/>
   </p:sldIdLst>
   <p:sldSz cx="12192000" cy="6858000"/>
   <p:notesSz cx="6858000" cy="9144000"/>
@@ -266,7 +263,7 @@
           <a:p>
             <a:fld id="{9E0FCFD6-FF58-4173-9A24-3CED4CAA6438}" type="datetimeFigureOut">
               <a:rPr lang="en-US" smtClean="0"/>
-              <a:t>4/4/2024</a:t>
+              <a:t>6/21/2024</a:t>
             </a:fld>
             <a:endParaRPr lang="en-US"/>
           </a:p>
@@ -464,7 +461,7 @@
           <a:p>
             <a:fld id="{9E0FCFD6-FF58-4173-9A24-3CED4CAA6438}" type="datetimeFigureOut">
               <a:rPr lang="en-US" smtClean="0"/>
-              <a:t>4/4/2024</a:t>
+              <a:t>6/21/2024</a:t>
             </a:fld>
             <a:endParaRPr lang="en-US"/>
           </a:p>
@@ -672,7 +669,7 @@
           <a:p>
             <a:fld id="{9E0FCFD6-FF58-4173-9A24-3CED4CAA6438}" type="datetimeFigureOut">
               <a:rPr lang="en-US" smtClean="0"/>
-              <a:t>4/4/2024</a:t>
+              <a:t>6/21/2024</a:t>
             </a:fld>
             <a:endParaRPr lang="en-US"/>
           </a:p>
@@ -870,7 +867,7 @@
           <a:p>
             <a:fld id="{9E0FCFD6-FF58-4173-9A24-3CED4CAA6438}" type="datetimeFigureOut">
               <a:rPr lang="en-US" smtClean="0"/>
-              <a:t>4/4/2024</a:t>
+              <a:t>6/21/2024</a:t>
             </a:fld>
             <a:endParaRPr lang="en-US"/>
           </a:p>
@@ -1145,7 +1142,7 @@
           <a:p>
             <a:fld id="{9E0FCFD6-FF58-4173-9A24-3CED4CAA6438}" type="datetimeFigureOut">
               <a:rPr lang="en-US" smtClean="0"/>
-              <a:t>4/4/2024</a:t>
+              <a:t>6/21/2024</a:t>
             </a:fld>
             <a:endParaRPr lang="en-US"/>
           </a:p>
@@ -1410,7 +1407,7 @@
           <a:p>
             <a:fld id="{9E0FCFD6-FF58-4173-9A24-3CED4CAA6438}" type="datetimeFigureOut">
               <a:rPr lang="en-US" smtClean="0"/>
-              <a:t>4/4/2024</a:t>
+              <a:t>6/21/2024</a:t>
             </a:fld>
             <a:endParaRPr lang="en-US"/>
           </a:p>
@@ -1822,7 +1819,7 @@
           <a:p>
             <a:fld id="{9E0FCFD6-FF58-4173-9A24-3CED4CAA6438}" type="datetimeFigureOut">
               <a:rPr lang="en-US" smtClean="0"/>
-              <a:t>4/4/2024</a:t>
+              <a:t>6/21/2024</a:t>
             </a:fld>
             <a:endParaRPr lang="en-US"/>
           </a:p>
@@ -1963,7 +1960,7 @@
           <a:p>
             <a:fld id="{9E0FCFD6-FF58-4173-9A24-3CED4CAA6438}" type="datetimeFigureOut">
               <a:rPr lang="en-US" smtClean="0"/>
-              <a:t>4/4/2024</a:t>
+              <a:t>6/21/2024</a:t>
             </a:fld>
             <a:endParaRPr lang="en-US"/>
           </a:p>
@@ -2076,7 +2073,7 @@
           <a:p>
             <a:fld id="{9E0FCFD6-FF58-4173-9A24-3CED4CAA6438}" type="datetimeFigureOut">
               <a:rPr lang="en-US" smtClean="0"/>
-              <a:t>4/4/2024</a:t>
+              <a:t>6/21/2024</a:t>
             </a:fld>
             <a:endParaRPr lang="en-US"/>
           </a:p>
@@ -2387,7 +2384,7 @@
           <a:p>
             <a:fld id="{9E0FCFD6-FF58-4173-9A24-3CED4CAA6438}" type="datetimeFigureOut">
               <a:rPr lang="en-US" smtClean="0"/>
-              <a:t>4/4/2024</a:t>
+              <a:t>6/21/2024</a:t>
             </a:fld>
             <a:endParaRPr lang="en-US"/>
           </a:p>
@@ -2675,7 +2672,7 @@
           <a:p>
             <a:fld id="{9E0FCFD6-FF58-4173-9A24-3CED4CAA6438}" type="datetimeFigureOut">
               <a:rPr lang="en-US" smtClean="0"/>
-              <a:t>4/4/2024</a:t>
+              <a:t>6/21/2024</a:t>
             </a:fld>
             <a:endParaRPr lang="en-US"/>
           </a:p>
@@ -2916,7 +2913,7 @@
           <a:p>
             <a:fld id="{9E0FCFD6-FF58-4173-9A24-3CED4CAA6438}" type="datetimeFigureOut">
               <a:rPr lang="en-US" smtClean="0"/>
-              <a:t>4/4/2024</a:t>
+              <a:t>6/21/2024</a:t>
             </a:fld>
             <a:endParaRPr lang="en-US"/>
           </a:p>
@@ -3356,7 +3353,7 @@
           <a:p>
             <a:r>
               <a:rPr lang="en-US" dirty="0"/>
-              <a:t>New plots summary</a:t>
+              <a:t>Binary mixtures</a:t>
             </a:r>
           </a:p>
         </p:txBody>
@@ -3384,19 +3381,7 @@
           <a:p>
             <a:r>
               <a:rPr lang="en-US" dirty="0"/>
-              <a:t>04/02/2024</a:t>
-            </a:r>
-          </a:p>
-          <a:p>
-            <a:r>
-              <a:rPr lang="en-US" dirty="0"/>
-              <a:t>Figure 5 in EAD Draft 4</a:t>
-            </a:r>
-          </a:p>
-          <a:p>
-            <a:r>
-              <a:rPr lang="en-US" dirty="0"/>
-              <a:t>Takashi NLH</a:t>
+              <a:t>06/21/2024</a:t>
             </a:r>
           </a:p>
         </p:txBody>
@@ -3431,49 +3416,12 @@
           <a:chExt cx="0" cy="0"/>
         </a:xfrm>
       </p:grpSpPr>
-      <p:sp>
-        <p:nvSpPr>
-          <p:cNvPr id="2" name="Title 1">
-            <a:extLst>
-              <a:ext uri="{FF2B5EF4-FFF2-40B4-BE49-F238E27FC236}">
-                <a16:creationId xmlns:a16="http://schemas.microsoft.com/office/drawing/2014/main" id="{9849FDEC-0C04-061E-3229-83C9B8F71247}"/>
-              </a:ext>
-            </a:extLst>
-          </p:cNvPr>
-          <p:cNvSpPr>
-            <a:spLocks noGrp="1"/>
-          </p:cNvSpPr>
-          <p:nvPr>
-            <p:ph type="title"/>
-          </p:nvPr>
-        </p:nvSpPr>
-        <p:spPr>
-          <a:xfrm>
-            <a:off x="16400" y="0"/>
-            <a:ext cx="10515600" cy="1325563"/>
-          </a:xfrm>
-        </p:spPr>
-        <p:txBody>
-          <a:bodyPr/>
-          <a:lstStyle/>
-          <a:p>
-            <a:r>
-              <a:rPr lang="en-US" dirty="0" err="1"/>
-              <a:t>Mshuf</a:t>
-            </a:r>
-            <a:r>
-              <a:rPr lang="en-US" dirty="0"/>
-              <a:t> Charge distributions</a:t>
-            </a:r>
-          </a:p>
-        </p:txBody>
-      </p:sp>
       <p:pic>
         <p:nvPicPr>
-          <p:cNvPr id="4" name="Picture 6">
-            <a:extLst>
-              <a:ext uri="{FF2B5EF4-FFF2-40B4-BE49-F238E27FC236}">
-                <a16:creationId xmlns:a16="http://schemas.microsoft.com/office/drawing/2014/main" id="{6125D75F-5FEC-508D-2A8E-2CC7E3B7E3D2}"/>
+          <p:cNvPr id="1028" name="Picture 4">
+            <a:extLst>
+              <a:ext uri="{FF2B5EF4-FFF2-40B4-BE49-F238E27FC236}">
+                <a16:creationId xmlns:a16="http://schemas.microsoft.com/office/drawing/2014/main" id="{8DA841C7-4DF7-A4C0-5D1F-CD003DA97833}"/>
               </a:ext>
             </a:extLst>
           </p:cNvPr>
@@ -3497,8 +3445,8 @@
         </p:blipFill>
         <p:spPr bwMode="auto">
           <a:xfrm>
-            <a:off x="7572617" y="80075"/>
-            <a:ext cx="2819897" cy="2099021"/>
+            <a:off x="1611967" y="1789300"/>
+            <a:ext cx="4313704" cy="3149386"/>
           </a:xfrm>
           <a:prstGeom prst="rect">
             <a:avLst/>
@@ -3515,164 +3463,42 @@
           </a:extLst>
         </p:spPr>
       </p:pic>
-      <p:pic>
-        <p:nvPicPr>
-          <p:cNvPr id="7" name="Picture 10">
-            <a:extLst>
-              <a:ext uri="{FF2B5EF4-FFF2-40B4-BE49-F238E27FC236}">
-                <a16:creationId xmlns:a16="http://schemas.microsoft.com/office/drawing/2014/main" id="{DC882245-7785-56B9-2B77-2D6D6867FD7B}"/>
-              </a:ext>
-            </a:extLst>
-          </p:cNvPr>
-          <p:cNvPicPr>
-            <a:picLocks noChangeAspect="1" noChangeArrowheads="1"/>
-          </p:cNvPicPr>
-          <p:nvPr/>
-        </p:nvPicPr>
-        <p:blipFill>
-          <a:blip r:embed="rId3">
-            <a:extLst>
-              <a:ext uri="{28A0092B-C50C-407E-A947-70E740481C1C}">
-                <a14:useLocalDpi xmlns:a14="http://schemas.microsoft.com/office/drawing/2010/main" val="0"/>
-              </a:ext>
-            </a:extLst>
-          </a:blip>
-          <a:srcRect/>
-          <a:stretch>
-            <a:fillRect/>
-          </a:stretch>
-        </p:blipFill>
-        <p:spPr bwMode="auto">
-          <a:xfrm>
-            <a:off x="7573445" y="1968683"/>
-            <a:ext cx="2819069" cy="2101566"/>
-          </a:xfrm>
-          <a:prstGeom prst="rect">
-            <a:avLst/>
-          </a:prstGeom>
-          <a:noFill/>
-          <a:extLst>
-            <a:ext uri="{909E8E84-426E-40DD-AFC4-6F175D3DCCD1}">
-              <a14:hiddenFill xmlns:a14="http://schemas.microsoft.com/office/drawing/2010/main">
-                <a:solidFill>
-                  <a:srgbClr val="FFFFFF"/>
-                </a:solidFill>
-              </a14:hiddenFill>
-            </a:ext>
-          </a:extLst>
-        </p:spPr>
-      </p:pic>
-      <p:pic>
-        <p:nvPicPr>
-          <p:cNvPr id="10" name="Picture 12">
-            <a:extLst>
-              <a:ext uri="{FF2B5EF4-FFF2-40B4-BE49-F238E27FC236}">
-                <a16:creationId xmlns:a16="http://schemas.microsoft.com/office/drawing/2014/main" id="{BED78BA1-F71D-0C3D-EB7D-2295B6AB29CA}"/>
-              </a:ext>
-            </a:extLst>
-          </p:cNvPr>
-          <p:cNvPicPr>
-            <a:picLocks noChangeAspect="1" noChangeArrowheads="1"/>
-          </p:cNvPicPr>
-          <p:nvPr/>
-        </p:nvPicPr>
-        <p:blipFill>
-          <a:blip r:embed="rId4">
-            <a:extLst>
-              <a:ext uri="{28A0092B-C50C-407E-A947-70E740481C1C}">
-                <a14:useLocalDpi xmlns:a14="http://schemas.microsoft.com/office/drawing/2010/main" val="0"/>
-              </a:ext>
-            </a:extLst>
-          </a:blip>
-          <a:srcRect/>
-          <a:stretch>
-            <a:fillRect/>
-          </a:stretch>
-        </p:blipFill>
-        <p:spPr bwMode="auto">
-          <a:xfrm>
-            <a:off x="7569198" y="3845718"/>
-            <a:ext cx="2823316" cy="2101566"/>
-          </a:xfrm>
-          <a:prstGeom prst="rect">
-            <a:avLst/>
-          </a:prstGeom>
-          <a:noFill/>
-          <a:extLst>
-            <a:ext uri="{909E8E84-426E-40DD-AFC4-6F175D3DCCD1}">
-              <a14:hiddenFill xmlns:a14="http://schemas.microsoft.com/office/drawing/2010/main">
-                <a:solidFill>
-                  <a:srgbClr val="FFFFFF"/>
-                </a:solidFill>
-              </a14:hiddenFill>
-            </a:ext>
-          </a:extLst>
-        </p:spPr>
-      </p:pic>
-      <p:pic>
-        <p:nvPicPr>
-          <p:cNvPr id="12" name="Picture 2">
-            <a:extLst>
-              <a:ext uri="{FF2B5EF4-FFF2-40B4-BE49-F238E27FC236}">
-                <a16:creationId xmlns:a16="http://schemas.microsoft.com/office/drawing/2014/main" id="{1EEA3F67-0CE5-B533-E75C-328EF67D43B1}"/>
-              </a:ext>
-            </a:extLst>
-          </p:cNvPr>
-          <p:cNvPicPr>
-            <a:picLocks noChangeAspect="1" noChangeArrowheads="1"/>
-          </p:cNvPicPr>
-          <p:nvPr/>
-        </p:nvPicPr>
-        <p:blipFill rotWithShape="1">
-          <a:blip r:embed="rId5">
-            <a:extLst>
-              <a:ext uri="{28A0092B-C50C-407E-A947-70E740481C1C}">
-                <a14:useLocalDpi xmlns:a14="http://schemas.microsoft.com/office/drawing/2010/main" val="0"/>
-              </a:ext>
-            </a:extLst>
-          </a:blip>
-          <a:srcRect l="29723" t="55984" r="36065"/>
-          <a:stretch/>
-        </p:blipFill>
-        <p:spPr bwMode="auto">
-          <a:xfrm>
-            <a:off x="1791325" y="1692928"/>
-            <a:ext cx="3474943" cy="4019845"/>
-          </a:xfrm>
-          <a:prstGeom prst="rect">
-            <a:avLst/>
-          </a:prstGeom>
-          <a:noFill/>
-          <a:ln>
-            <a:noFill/>
-          </a:ln>
-          <a:extLst>
-            <a:ext uri="{909E8E84-426E-40DD-AFC4-6F175D3DCCD1}">
-              <a14:hiddenFill xmlns:a14="http://schemas.microsoft.com/office/drawing/2010/main">
-                <a:solidFill>
-                  <a:srgbClr val="FFFFFF"/>
-                </a:solidFill>
-              </a14:hiddenFill>
-            </a:ext>
-            <a:ext uri="{91240B29-F687-4F45-9708-019B960494DF}">
-              <a14:hiddenLine xmlns:a14="http://schemas.microsoft.com/office/drawing/2010/main" w="9525">
-                <a:solidFill>
-                  <a:srgbClr val="000000"/>
-                </a:solidFill>
-                <a:miter lim="800000"/>
-                <a:headEnd/>
-                <a:tailEnd/>
-              </a14:hiddenLine>
-            </a:ext>
-          </a:extLst>
-        </p:spPr>
-      </p:pic>
+      <p:sp>
+        <p:nvSpPr>
+          <p:cNvPr id="2" name="Title 1">
+            <a:extLst>
+              <a:ext uri="{FF2B5EF4-FFF2-40B4-BE49-F238E27FC236}">
+                <a16:creationId xmlns:a16="http://schemas.microsoft.com/office/drawing/2014/main" id="{68B0E29D-7A55-5006-F3FD-A71941302411}"/>
+              </a:ext>
+            </a:extLst>
+          </p:cNvPr>
+          <p:cNvSpPr>
+            <a:spLocks noGrp="1"/>
+          </p:cNvSpPr>
+          <p:nvPr>
+            <p:ph type="title"/>
+          </p:nvPr>
+        </p:nvSpPr>
+        <p:spPr/>
+        <p:txBody>
+          <a:bodyPr>
+            <a:normAutofit/>
+          </a:bodyPr>
+          <a:lstStyle/>
+          <a:p>
+            <a:r>
+              <a:rPr lang="en-US" sz="3600" dirty="0"/>
+              <a:t>New lines on density profiles (each component)</a:t>
+            </a:r>
+          </a:p>
+        </p:txBody>
+      </p:sp>
       <p:cxnSp>
         <p:nvCxnSpPr>
-          <p:cNvPr id="14" name="Straight Arrow Connector 13">
-            <a:extLst>
-              <a:ext uri="{FF2B5EF4-FFF2-40B4-BE49-F238E27FC236}">
-                <a16:creationId xmlns:a16="http://schemas.microsoft.com/office/drawing/2014/main" id="{F8474910-F9AC-43D2-4485-E1F39BA39803}"/>
+          <p:cNvPr id="6" name="Straight Arrow Connector 5">
+            <a:extLst>
+              <a:ext uri="{FF2B5EF4-FFF2-40B4-BE49-F238E27FC236}">
+                <a16:creationId xmlns:a16="http://schemas.microsoft.com/office/drawing/2014/main" id="{34F1AAD3-B1D8-4C97-007C-4986F49C6ECF}"/>
               </a:ext>
             </a:extLst>
           </p:cNvPr>
@@ -3680,9 +3506,9 @@
           <p:nvPr/>
         </p:nvCxnSpPr>
         <p:spPr>
-          <a:xfrm flipV="1">
-            <a:off x="5593976" y="1400031"/>
-            <a:ext cx="1407459" cy="744038"/>
+          <a:xfrm flipH="1">
+            <a:off x="2841811" y="3027817"/>
+            <a:ext cx="717177" cy="753035"/>
           </a:xfrm>
           <a:prstGeom prst="straightConnector1">
             <a:avLst/>
@@ -3706,12 +3532,47 @@
           </a:fontRef>
         </p:style>
       </p:cxnSp>
+      <p:sp>
+        <p:nvSpPr>
+          <p:cNvPr id="7" name="TextBox 6">
+            <a:extLst>
+              <a:ext uri="{FF2B5EF4-FFF2-40B4-BE49-F238E27FC236}">
+                <a16:creationId xmlns:a16="http://schemas.microsoft.com/office/drawing/2014/main" id="{D36A93D8-E6C4-BCBE-B98A-D85E0D7553B0}"/>
+              </a:ext>
+            </a:extLst>
+          </p:cNvPr>
+          <p:cNvSpPr txBox="1"/>
+          <p:nvPr/>
+        </p:nvSpPr>
+        <p:spPr>
+          <a:xfrm>
+            <a:off x="2680447" y="2641073"/>
+            <a:ext cx="3182470" cy="369332"/>
+          </a:xfrm>
+          <a:prstGeom prst="rect">
+            <a:avLst/>
+          </a:prstGeom>
+          <a:noFill/>
+        </p:spPr>
+        <p:txBody>
+          <a:bodyPr wrap="square" rtlCol="0">
+            <a:spAutoFit/>
+          </a:bodyPr>
+          <a:lstStyle/>
+          <a:p>
+            <a:r>
+              <a:rPr lang="en-US" dirty="0"/>
+              <a:t>Overall (density of NFM + NFL)</a:t>
+            </a:r>
+          </a:p>
+        </p:txBody>
+      </p:sp>
       <p:cxnSp>
         <p:nvCxnSpPr>
-          <p:cNvPr id="15" name="Straight Arrow Connector 14">
-            <a:extLst>
-              <a:ext uri="{FF2B5EF4-FFF2-40B4-BE49-F238E27FC236}">
-                <a16:creationId xmlns:a16="http://schemas.microsoft.com/office/drawing/2014/main" id="{025838E3-B8E4-1659-179A-F2BB538C6188}"/>
+          <p:cNvPr id="8" name="Straight Arrow Connector 7">
+            <a:extLst>
+              <a:ext uri="{FF2B5EF4-FFF2-40B4-BE49-F238E27FC236}">
+                <a16:creationId xmlns:a16="http://schemas.microsoft.com/office/drawing/2014/main" id="{FE335DA9-42FD-1307-A73C-78AD44EB99BA}"/>
               </a:ext>
             </a:extLst>
           </p:cNvPr>
@@ -3721,9 +3582,9 @@
           <p:nvPr/>
         </p:nvCxnSpPr>
         <p:spPr>
-          <a:xfrm flipV="1">
-            <a:off x="5689096" y="2966498"/>
-            <a:ext cx="1457275" cy="364709"/>
+          <a:xfrm flipH="1">
+            <a:off x="5925671" y="2312671"/>
+            <a:ext cx="869576" cy="0"/>
           </a:xfrm>
           <a:prstGeom prst="straightConnector1">
             <a:avLst/>
@@ -3747,12 +3608,47 @@
           </a:fontRef>
         </p:style>
       </p:cxnSp>
+      <p:sp>
+        <p:nvSpPr>
+          <p:cNvPr id="10" name="TextBox 9">
+            <a:extLst>
+              <a:ext uri="{FF2B5EF4-FFF2-40B4-BE49-F238E27FC236}">
+                <a16:creationId xmlns:a16="http://schemas.microsoft.com/office/drawing/2014/main" id="{D48B7048-6194-0404-4B84-D788AEAF4A44}"/>
+              </a:ext>
+            </a:extLst>
+          </p:cNvPr>
+          <p:cNvSpPr txBox="1"/>
+          <p:nvPr/>
+        </p:nvSpPr>
+        <p:spPr>
+          <a:xfrm>
+            <a:off x="6931397" y="1995613"/>
+            <a:ext cx="4086226" cy="646331"/>
+          </a:xfrm>
+          <a:prstGeom prst="rect">
+            <a:avLst/>
+          </a:prstGeom>
+          <a:noFill/>
+        </p:spPr>
+        <p:txBody>
+          <a:bodyPr wrap="square" rtlCol="0">
+            <a:spAutoFit/>
+          </a:bodyPr>
+          <a:lstStyle/>
+          <a:p>
+            <a:r>
+              <a:rPr lang="en-US" dirty="0"/>
+              <a:t>Grafting density of each subunit (here, M = 0.015 c/nm2 &amp; L = 0.015 c/nm2)</a:t>
+            </a:r>
+          </a:p>
+        </p:txBody>
+      </p:sp>
       <p:cxnSp>
         <p:nvCxnSpPr>
-          <p:cNvPr id="16" name="Straight Arrow Connector 15">
-            <a:extLst>
-              <a:ext uri="{FF2B5EF4-FFF2-40B4-BE49-F238E27FC236}">
-                <a16:creationId xmlns:a16="http://schemas.microsoft.com/office/drawing/2014/main" id="{C67EA2EB-4DB7-C5D7-3286-9E6EA8495F12}"/>
+          <p:cNvPr id="11" name="Straight Arrow Connector 10">
+            <a:extLst>
+              <a:ext uri="{FF2B5EF4-FFF2-40B4-BE49-F238E27FC236}">
+                <a16:creationId xmlns:a16="http://schemas.microsoft.com/office/drawing/2014/main" id="{2D59E239-1005-9AED-D742-4AC99E420237}"/>
               </a:ext>
             </a:extLst>
           </p:cNvPr>
@@ -3762,9 +3658,9 @@
           <p:nvPr/>
         </p:nvCxnSpPr>
         <p:spPr>
-          <a:xfrm>
-            <a:off x="5593976" y="4398889"/>
-            <a:ext cx="1552395" cy="433087"/>
+          <a:xfrm flipV="1">
+            <a:off x="1524000" y="3825675"/>
+            <a:ext cx="986118" cy="241353"/>
           </a:xfrm>
           <a:prstGeom prst="straightConnector1">
             <a:avLst/>
@@ -3790,10 +3686,10 @@
       </p:cxnSp>
       <p:sp>
         <p:nvSpPr>
-          <p:cNvPr id="22" name="TextBox 21">
-            <a:extLst>
-              <a:ext uri="{FF2B5EF4-FFF2-40B4-BE49-F238E27FC236}">
-                <a16:creationId xmlns:a16="http://schemas.microsoft.com/office/drawing/2014/main" id="{33AC43B4-3141-CE5E-7E1F-544652340AB3}"/>
+          <p:cNvPr id="15" name="TextBox 14">
+            <a:extLst>
+              <a:ext uri="{FF2B5EF4-FFF2-40B4-BE49-F238E27FC236}">
+                <a16:creationId xmlns:a16="http://schemas.microsoft.com/office/drawing/2014/main" id="{17D4CFA9-4DDF-0504-BC50-AF35A686317A}"/>
               </a:ext>
             </a:extLst>
           </p:cNvPr>
@@ -3802,8 +3698,8 @@
         </p:nvSpPr>
         <p:spPr>
           <a:xfrm>
-            <a:off x="5911252" y="1135705"/>
-            <a:ext cx="851647" cy="369332"/>
+            <a:off x="304799" y="4045981"/>
+            <a:ext cx="1936377" cy="369332"/>
           </a:xfrm>
           <a:prstGeom prst="rect">
             <a:avLst/>
@@ -3811,25 +3707,24 @@
           <a:noFill/>
         </p:spPr>
         <p:txBody>
-          <a:bodyPr wrap="square" rtlCol="0">
+          <a:bodyPr wrap="square">
             <a:spAutoFit/>
           </a:bodyPr>
           <a:lstStyle/>
           <a:p>
-            <a:pPr algn="ctr"/>
             <a:r>
               <a:rPr lang="en-US" dirty="0"/>
-              <a:t>N = 9</a:t>
-            </a:r>
-          </a:p>
-        </p:txBody>
-      </p:sp>
-      <p:sp>
-        <p:nvSpPr>
-          <p:cNvPr id="23" name="TextBox 22">
-            <a:extLst>
-              <a:ext uri="{FF2B5EF4-FFF2-40B4-BE49-F238E27FC236}">
-                <a16:creationId xmlns:a16="http://schemas.microsoft.com/office/drawing/2014/main" id="{AD9866BC-F1ED-B35C-43C5-CCF9EB73836B}"/>
+              <a:t>Density of NFL</a:t>
+            </a:r>
+          </a:p>
+        </p:txBody>
+      </p:sp>
+      <p:sp>
+        <p:nvSpPr>
+          <p:cNvPr id="16" name="TextBox 15">
+            <a:extLst>
+              <a:ext uri="{FF2B5EF4-FFF2-40B4-BE49-F238E27FC236}">
+                <a16:creationId xmlns:a16="http://schemas.microsoft.com/office/drawing/2014/main" id="{88631C30-EF3E-F05B-F8D4-66B1364EF6C5}"/>
               </a:ext>
             </a:extLst>
           </p:cNvPr>
@@ -3838,8 +3733,8 @@
         </p:nvSpPr>
         <p:spPr>
           <a:xfrm>
-            <a:off x="6016817" y="2522698"/>
-            <a:ext cx="851647" cy="369332"/>
+            <a:off x="2335305" y="4906074"/>
+            <a:ext cx="1936377" cy="369332"/>
           </a:xfrm>
           <a:prstGeom prst="rect">
             <a:avLst/>
@@ -3847,169 +3742,24 @@
           <a:noFill/>
         </p:spPr>
         <p:txBody>
-          <a:bodyPr wrap="square" rtlCol="0">
+          <a:bodyPr wrap="square">
             <a:spAutoFit/>
           </a:bodyPr>
           <a:lstStyle/>
           <a:p>
-            <a:pPr algn="ctr"/>
             <a:r>
               <a:rPr lang="en-US" dirty="0"/>
-              <a:t>N = 7</a:t>
-            </a:r>
-          </a:p>
-        </p:txBody>
-      </p:sp>
-      <p:sp>
-        <p:nvSpPr>
-          <p:cNvPr id="24" name="TextBox 23">
-            <a:extLst>
-              <a:ext uri="{FF2B5EF4-FFF2-40B4-BE49-F238E27FC236}">
-                <a16:creationId xmlns:a16="http://schemas.microsoft.com/office/drawing/2014/main" id="{59E4F66B-F29B-556B-467B-7C2FAB2F091D}"/>
-              </a:ext>
-            </a:extLst>
-          </p:cNvPr>
-          <p:cNvSpPr txBox="1"/>
-          <p:nvPr/>
-        </p:nvSpPr>
-        <p:spPr>
-          <a:xfrm>
-            <a:off x="5944349" y="4079168"/>
-            <a:ext cx="851647" cy="369332"/>
-          </a:xfrm>
-          <a:prstGeom prst="rect">
-            <a:avLst/>
-          </a:prstGeom>
-          <a:noFill/>
-        </p:spPr>
-        <p:txBody>
-          <a:bodyPr wrap="square" rtlCol="0">
-            <a:spAutoFit/>
-          </a:bodyPr>
-          <a:lstStyle/>
-          <a:p>
-            <a:pPr algn="ctr"/>
-            <a:r>
-              <a:rPr lang="en-US" dirty="0"/>
-              <a:t>N = 8</a:t>
-            </a:r>
-          </a:p>
-        </p:txBody>
-      </p:sp>
-      <p:sp>
-        <p:nvSpPr>
-          <p:cNvPr id="25" name="TextBox 24">
-            <a:extLst>
-              <a:ext uri="{FF2B5EF4-FFF2-40B4-BE49-F238E27FC236}">
-                <a16:creationId xmlns:a16="http://schemas.microsoft.com/office/drawing/2014/main" id="{024C77C5-EDE7-9C1B-652B-8201E3572F65}"/>
-              </a:ext>
-            </a:extLst>
-          </p:cNvPr>
-          <p:cNvSpPr txBox="1"/>
-          <p:nvPr/>
-        </p:nvSpPr>
-        <p:spPr>
-          <a:xfrm>
-            <a:off x="10815342" y="830422"/>
-            <a:ext cx="681317" cy="369332"/>
-          </a:xfrm>
-          <a:prstGeom prst="rect">
-            <a:avLst/>
-          </a:prstGeom>
-          <a:noFill/>
-        </p:spPr>
-        <p:txBody>
-          <a:bodyPr wrap="square" rtlCol="0">
-            <a:spAutoFit/>
-          </a:bodyPr>
-          <a:lstStyle/>
-          <a:p>
-            <a:pPr algn="ctr"/>
-            <a:r>
-              <a:rPr lang="en-US" dirty="0"/>
-              <a:t>NFM</a:t>
-            </a:r>
-          </a:p>
-        </p:txBody>
-      </p:sp>
-      <p:sp>
-        <p:nvSpPr>
-          <p:cNvPr id="26" name="TextBox 25">
-            <a:extLst>
-              <a:ext uri="{FF2B5EF4-FFF2-40B4-BE49-F238E27FC236}">
-                <a16:creationId xmlns:a16="http://schemas.microsoft.com/office/drawing/2014/main" id="{437F98B2-89F5-DE77-CE9C-4164DBE8DB76}"/>
-              </a:ext>
-            </a:extLst>
-          </p:cNvPr>
-          <p:cNvSpPr txBox="1"/>
-          <p:nvPr/>
-        </p:nvSpPr>
-        <p:spPr>
-          <a:xfrm>
-            <a:off x="10815342" y="2760332"/>
-            <a:ext cx="681317" cy="369332"/>
-          </a:xfrm>
-          <a:prstGeom prst="rect">
-            <a:avLst/>
-          </a:prstGeom>
-          <a:noFill/>
-        </p:spPr>
-        <p:txBody>
-          <a:bodyPr wrap="square" rtlCol="0">
-            <a:spAutoFit/>
-          </a:bodyPr>
-          <a:lstStyle/>
-          <a:p>
-            <a:pPr algn="ctr"/>
-            <a:r>
-              <a:rPr lang="en-US" dirty="0"/>
-              <a:t>S1</a:t>
-            </a:r>
-          </a:p>
-        </p:txBody>
-      </p:sp>
-      <p:sp>
-        <p:nvSpPr>
-          <p:cNvPr id="27" name="TextBox 26">
-            <a:extLst>
-              <a:ext uri="{FF2B5EF4-FFF2-40B4-BE49-F238E27FC236}">
-                <a16:creationId xmlns:a16="http://schemas.microsoft.com/office/drawing/2014/main" id="{4507D81C-E9D4-B9BA-13DE-9B73A0F1BE71}"/>
-              </a:ext>
-            </a:extLst>
-          </p:cNvPr>
-          <p:cNvSpPr txBox="1"/>
-          <p:nvPr/>
-        </p:nvSpPr>
-        <p:spPr>
-          <a:xfrm>
-            <a:off x="10815341" y="4548394"/>
-            <a:ext cx="681317" cy="369332"/>
-          </a:xfrm>
-          <a:prstGeom prst="rect">
-            <a:avLst/>
-          </a:prstGeom>
-          <a:noFill/>
-        </p:spPr>
-        <p:txBody>
-          <a:bodyPr wrap="square" rtlCol="0">
-            <a:spAutoFit/>
-          </a:bodyPr>
-          <a:lstStyle/>
-          <a:p>
-            <a:pPr algn="ctr"/>
-            <a:r>
-              <a:rPr lang="en-US" dirty="0"/>
-              <a:t>S2</a:t>
+              <a:t>Density of NFL</a:t>
             </a:r>
           </a:p>
         </p:txBody>
       </p:sp>
       <p:cxnSp>
         <p:nvCxnSpPr>
-          <p:cNvPr id="6" name="Straight Arrow Connector 5">
-            <a:extLst>
-              <a:ext uri="{FF2B5EF4-FFF2-40B4-BE49-F238E27FC236}">
-                <a16:creationId xmlns:a16="http://schemas.microsoft.com/office/drawing/2014/main" id="{386F5D88-AE42-5222-3AF8-645C5D3D80AA}"/>
+          <p:cNvPr id="17" name="Straight Arrow Connector 16">
+            <a:extLst>
+              <a:ext uri="{FF2B5EF4-FFF2-40B4-BE49-F238E27FC236}">
+                <a16:creationId xmlns:a16="http://schemas.microsoft.com/office/drawing/2014/main" id="{4818D4C9-FC11-C2FD-7348-C849F7318DE7}"/>
               </a:ext>
             </a:extLst>
           </p:cNvPr>
@@ -4019,9 +3769,9 @@
           <p:nvPr/>
         </p:nvCxnSpPr>
         <p:spPr>
-          <a:xfrm>
-            <a:off x="5827808" y="6123101"/>
-            <a:ext cx="1390281" cy="0"/>
+          <a:xfrm flipV="1">
+            <a:off x="3015782" y="4172696"/>
+            <a:ext cx="0" cy="665991"/>
           </a:xfrm>
           <a:prstGeom prst="straightConnector1">
             <a:avLst/>
@@ -4047,10 +3797,10 @@
       </p:cxnSp>
       <p:sp>
         <p:nvSpPr>
-          <p:cNvPr id="9" name="TextBox 8">
-            <a:extLst>
-              <a:ext uri="{FF2B5EF4-FFF2-40B4-BE49-F238E27FC236}">
-                <a16:creationId xmlns:a16="http://schemas.microsoft.com/office/drawing/2014/main" id="{A3BB6C0E-E968-C6DF-D55D-6A4848BB05A9}"/>
+          <p:cNvPr id="21" name="TextBox 20">
+            <a:extLst>
+              <a:ext uri="{FF2B5EF4-FFF2-40B4-BE49-F238E27FC236}">
+                <a16:creationId xmlns:a16="http://schemas.microsoft.com/office/drawing/2014/main" id="{6B2FDF8C-B2FC-C9ED-1B42-CE0B78A98731}"/>
               </a:ext>
             </a:extLst>
           </p:cNvPr>
@@ -4059,8 +3809,8 @@
         </p:nvSpPr>
         <p:spPr>
           <a:xfrm>
-            <a:off x="5644969" y="5683924"/>
-            <a:ext cx="1755958" cy="369332"/>
+            <a:off x="6545077" y="3069188"/>
+            <a:ext cx="5262282" cy="2862322"/>
           </a:xfrm>
           <a:prstGeom prst="rect">
             <a:avLst/>
@@ -4073,89 +3823,45 @@
           </a:bodyPr>
           <a:lstStyle/>
           <a:p>
-            <a:pPr algn="ctr"/>
+            <a:pPr marL="285750" indent="-285750">
+              <a:buFont typeface="Arial" panose="020B0604020202020204" pitchFamily="34" charset="0"/>
+              <a:buChar char="•"/>
+            </a:pPr>
             <a:r>
               <a:rPr lang="en-US" dirty="0"/>
-              <a:t>N = 1</a:t>
-            </a:r>
-          </a:p>
-        </p:txBody>
-      </p:sp>
-      <p:sp>
-        <p:nvSpPr>
-          <p:cNvPr id="13" name="TextBox 12">
-            <a:extLst>
-              <a:ext uri="{FF2B5EF4-FFF2-40B4-BE49-F238E27FC236}">
-                <a16:creationId xmlns:a16="http://schemas.microsoft.com/office/drawing/2014/main" id="{70E69439-99F3-F959-6950-222FE8D7E04D}"/>
-              </a:ext>
-            </a:extLst>
-          </p:cNvPr>
-          <p:cNvSpPr txBox="1"/>
-          <p:nvPr/>
-        </p:nvSpPr>
-        <p:spPr>
-          <a:xfrm>
-            <a:off x="4988052" y="6214457"/>
-            <a:ext cx="3069791" cy="584775"/>
-          </a:xfrm>
-          <a:prstGeom prst="rect">
-            <a:avLst/>
-          </a:prstGeom>
-          <a:noFill/>
-        </p:spPr>
-        <p:txBody>
-          <a:bodyPr wrap="square">
-            <a:spAutoFit/>
-          </a:bodyPr>
-          <a:lstStyle/>
-          <a:p>
-            <a:pPr algn="ctr"/>
-            <a:r>
-              <a:rPr lang="en-US" sz="1600" dirty="0"/>
-              <a:t>(but keeping the same 9 </a:t>
-            </a:r>
-          </a:p>
-          <a:p>
-            <a:pPr algn="ctr"/>
-            <a:r>
-              <a:rPr lang="en-US" sz="1600" dirty="0"/>
-              <a:t>chi blocks as NFM)</a:t>
-            </a:r>
-          </a:p>
-        </p:txBody>
-      </p:sp>
-      <p:sp>
-        <p:nvSpPr>
-          <p:cNvPr id="17" name="TextBox 16">
-            <a:extLst>
-              <a:ext uri="{FF2B5EF4-FFF2-40B4-BE49-F238E27FC236}">
-                <a16:creationId xmlns:a16="http://schemas.microsoft.com/office/drawing/2014/main" id="{4F709DAF-241D-276B-F616-93F809BA028D}"/>
-              </a:ext>
-            </a:extLst>
-          </p:cNvPr>
-          <p:cNvSpPr txBox="1"/>
-          <p:nvPr/>
-        </p:nvSpPr>
-        <p:spPr>
-          <a:xfrm>
-            <a:off x="10815340" y="6029791"/>
-            <a:ext cx="681317" cy="369332"/>
-          </a:xfrm>
-          <a:prstGeom prst="rect">
-            <a:avLst/>
-          </a:prstGeom>
-          <a:noFill/>
-        </p:spPr>
-        <p:txBody>
-          <a:bodyPr wrap="square" rtlCol="0">
-            <a:spAutoFit/>
-          </a:bodyPr>
-          <a:lstStyle/>
-          <a:p>
-            <a:pPr algn="ctr"/>
+              <a:t>Dark line = Overall</a:t>
+            </a:r>
+          </a:p>
+          <a:p>
+            <a:pPr marL="285750" indent="-285750">
+              <a:buFont typeface="Arial" panose="020B0604020202020204" pitchFamily="34" charset="0"/>
+              <a:buChar char="•"/>
+            </a:pPr>
             <a:r>
               <a:rPr lang="en-US" dirty="0"/>
-              <a:t>Even</a:t>
+              <a:t>Light lines = Components</a:t>
+            </a:r>
+          </a:p>
+          <a:p>
+            <a:pPr marL="285750" indent="-285750">
+              <a:buFont typeface="Arial" panose="020B0604020202020204" pitchFamily="34" charset="0"/>
+              <a:buChar char="•"/>
+            </a:pPr>
+            <a:endParaRPr lang="en-US" dirty="0"/>
+          </a:p>
+          <a:p>
+            <a:r>
+              <a:rPr lang="en-US" dirty="0"/>
+              <a:t>Note: I can make these more clear in future plots depending on how many distributions are included in each plot</a:t>
+            </a:r>
+          </a:p>
+          <a:p>
+            <a:endParaRPr lang="en-US" dirty="0"/>
+          </a:p>
+          <a:p>
+            <a:r>
+              <a:rPr lang="en-US" dirty="0"/>
+              <a:t>NFH has far more total volume, so the other components’ density distributions in the following plots may be hardly visible</a:t>
             </a:r>
           </a:p>
         </p:txBody>
@@ -4163,7 +3869,7 @@
     </p:spTree>
     <p:extLst>
       <p:ext uri="{BB962C8B-B14F-4D97-AF65-F5344CB8AC3E}">
-        <p14:creationId xmlns:p14="http://schemas.microsoft.com/office/powerpoint/2010/main" val="315685757"/>
+        <p14:creationId xmlns:p14="http://schemas.microsoft.com/office/powerpoint/2010/main" val="2449788085"/>
       </p:ext>
     </p:extLst>
   </p:cSld>
@@ -4192,115 +3898,20 @@
       </p:grpSpPr>
       <p:sp>
         <p:nvSpPr>
-          <p:cNvPr id="2" name="Title 1">
-            <a:extLst>
-              <a:ext uri="{FF2B5EF4-FFF2-40B4-BE49-F238E27FC236}">
-                <a16:creationId xmlns:a16="http://schemas.microsoft.com/office/drawing/2014/main" id="{B1691DD7-CB97-5E3C-A32D-085E2EECF587}"/>
-              </a:ext>
-            </a:extLst>
-          </p:cNvPr>
-          <p:cNvSpPr>
-            <a:spLocks noGrp="1"/>
-          </p:cNvSpPr>
-          <p:nvPr>
-            <p:ph type="title"/>
-          </p:nvPr>
+          <p:cNvPr id="3" name="TextBox 2">
+            <a:extLst>
+              <a:ext uri="{FF2B5EF4-FFF2-40B4-BE49-F238E27FC236}">
+                <a16:creationId xmlns:a16="http://schemas.microsoft.com/office/drawing/2014/main" id="{CA91A3A6-34A2-6ACB-0208-C9B5E84420F5}"/>
+              </a:ext>
+            </a:extLst>
+          </p:cNvPr>
+          <p:cNvSpPr txBox="1"/>
+          <p:nvPr/>
         </p:nvSpPr>
         <p:spPr>
           <a:xfrm>
-            <a:off x="0" y="0"/>
-            <a:ext cx="10515600" cy="1325563"/>
-          </a:xfrm>
-        </p:spPr>
-        <p:txBody>
-          <a:bodyPr/>
-          <a:lstStyle/>
-          <a:p>
-            <a:r>
-              <a:rPr lang="en-US" dirty="0" err="1"/>
-              <a:t>Mshuf</a:t>
-            </a:r>
-            <a:r>
-              <a:rPr lang="en-US" dirty="0"/>
-              <a:t> Height response</a:t>
-            </a:r>
-          </a:p>
-        </p:txBody>
-      </p:sp>
-      <p:pic>
-        <p:nvPicPr>
-          <p:cNvPr id="3" name="Picture 2">
-            <a:extLst>
-              <a:ext uri="{FF2B5EF4-FFF2-40B4-BE49-F238E27FC236}">
-                <a16:creationId xmlns:a16="http://schemas.microsoft.com/office/drawing/2014/main" id="{96A8A495-C18B-A707-CD7E-A2F539D5078F}"/>
-              </a:ext>
-            </a:extLst>
-          </p:cNvPr>
-          <p:cNvPicPr>
-            <a:picLocks noChangeAspect="1" noChangeArrowheads="1"/>
-          </p:cNvPicPr>
-          <p:nvPr/>
-        </p:nvPicPr>
-        <p:blipFill rotWithShape="1">
-          <a:blip r:embed="rId2">
-            <a:extLst>
-              <a:ext uri="{28A0092B-C50C-407E-A947-70E740481C1C}">
-                <a14:useLocalDpi xmlns:a14="http://schemas.microsoft.com/office/drawing/2010/main" val="0"/>
-              </a:ext>
-            </a:extLst>
-          </a:blip>
-          <a:srcRect l="64589" t="56377" r="-109" b="-393"/>
-          <a:stretch/>
-        </p:blipFill>
-        <p:spPr bwMode="auto">
-          <a:xfrm>
-            <a:off x="2788952" y="1511942"/>
-            <a:ext cx="2888650" cy="3218563"/>
-          </a:xfrm>
-          <a:prstGeom prst="rect">
-            <a:avLst/>
-          </a:prstGeom>
-          <a:noFill/>
-          <a:ln>
-            <a:noFill/>
-          </a:ln>
-          <a:extLst>
-            <a:ext uri="{909E8E84-426E-40DD-AFC4-6F175D3DCCD1}">
-              <a14:hiddenFill xmlns:a14="http://schemas.microsoft.com/office/drawing/2010/main">
-                <a:solidFill>
-                  <a:srgbClr val="FFFFFF"/>
-                </a:solidFill>
-              </a14:hiddenFill>
-            </a:ext>
-            <a:ext uri="{91240B29-F687-4F45-9708-019B960494DF}">
-              <a14:hiddenLine xmlns:a14="http://schemas.microsoft.com/office/drawing/2010/main" w="9525">
-                <a:solidFill>
-                  <a:srgbClr val="000000"/>
-                </a:solidFill>
-                <a:miter lim="800000"/>
-                <a:headEnd/>
-                <a:tailEnd/>
-              </a14:hiddenLine>
-            </a:ext>
-          </a:extLst>
-        </p:spPr>
-      </p:pic>
-      <p:sp>
-        <p:nvSpPr>
-          <p:cNvPr id="6" name="TextBox 5">
-            <a:extLst>
-              <a:ext uri="{FF2B5EF4-FFF2-40B4-BE49-F238E27FC236}">
-                <a16:creationId xmlns:a16="http://schemas.microsoft.com/office/drawing/2014/main" id="{15C05BD3-320A-FF3D-4A3F-65CB9941B8B2}"/>
-              </a:ext>
-            </a:extLst>
-          </p:cNvPr>
-          <p:cNvSpPr txBox="1"/>
-          <p:nvPr/>
-        </p:nvSpPr>
-        <p:spPr>
-          <a:xfrm>
-            <a:off x="649941" y="4916884"/>
-            <a:ext cx="10892117" cy="1661993"/>
+            <a:off x="1494366" y="278985"/>
+            <a:ext cx="9203267" cy="369332"/>
           </a:xfrm>
           <a:prstGeom prst="rect">
             <a:avLst/>
@@ -4313,71 +3924,36 @@
           </a:bodyPr>
           <a:lstStyle/>
           <a:p>
-            <a:pPr>
-              <a:spcBef>
-                <a:spcPts val="1200"/>
-              </a:spcBef>
-            </a:pPr>
+            <a:pPr algn="ctr"/>
             <a:r>
               <a:rPr lang="en-US" dirty="0"/>
-              <a:t>Key characteristics:</a:t>
-            </a:r>
-          </a:p>
-          <a:p>
-            <a:pPr marL="285750" indent="-285750">
-              <a:spcBef>
-                <a:spcPts val="1200"/>
-              </a:spcBef>
-              <a:buFont typeface="Arial" panose="020B0604020202020204" pitchFamily="34" charset="0"/>
-              <a:buChar char="•"/>
-            </a:pPr>
+              <a:t>Binary NFH:NFL; </a:t>
+            </a:r>
+            <a:r>
+              <a:rPr lang="en-US" dirty="0" err="1"/>
+              <a:t>sigma_total</a:t>
+            </a:r>
             <a:r>
               <a:rPr lang="en-US" dirty="0"/>
-              <a:t>S1 &amp; S2 taller than NFM for all ionic strengths</a:t>
-            </a:r>
-          </a:p>
-          <a:p>
-            <a:pPr marL="285750" indent="-285750">
-              <a:spcBef>
-                <a:spcPts val="1200"/>
-              </a:spcBef>
-              <a:buFont typeface="Arial" panose="020B0604020202020204" pitchFamily="34" charset="0"/>
-              <a:buChar char="•"/>
-            </a:pPr>
+              <a:t> = 0.03 c/nm2; </a:t>
+            </a:r>
+            <a:r>
+              <a:rPr lang="en-US" dirty="0" err="1"/>
+              <a:t>bv</a:t>
+            </a:r>
             <a:r>
               <a:rPr lang="en-US" dirty="0"/>
-              <a:t>Height increase from S1 &amp; S2 </a:t>
-            </a:r>
-            <a:r>
-              <a:rPr lang="en-US" i="1" dirty="0"/>
-              <a:t>could</a:t>
-            </a:r>
-            <a:r>
-              <a:rPr lang="en-US" dirty="0"/>
-              <a:t> be from increased grafting density of their brushes compared to NFM</a:t>
-            </a:r>
-          </a:p>
-          <a:p>
-            <a:pPr marL="742950" lvl="1" indent="-285750">
-              <a:spcBef>
-                <a:spcPts val="1200"/>
-              </a:spcBef>
-              <a:buFont typeface="Arial" panose="020B0604020202020204" pitchFamily="34" charset="0"/>
-              <a:buChar char="•"/>
-            </a:pPr>
-            <a:r>
-              <a:rPr lang="en-US" dirty="0"/>
-              <a:t>Grafting density used for Even is same as NFM</a:t>
+              <a:t> = (0.6, 0.05)</a:t>
             </a:r>
           </a:p>
         </p:txBody>
       </p:sp>
       <p:pic>
         <p:nvPicPr>
-          <p:cNvPr id="4" name="Picture 2">
-            <a:extLst>
-              <a:ext uri="{FF2B5EF4-FFF2-40B4-BE49-F238E27FC236}">
-                <a16:creationId xmlns:a16="http://schemas.microsoft.com/office/drawing/2014/main" id="{DEA765E6-D6C0-BAB0-187C-FCA4ACD751C0}"/>
+          <p:cNvPr id="1032" name="Picture 8">
+            <a:extLst>
+              <a:ext uri="{FF2B5EF4-FFF2-40B4-BE49-F238E27FC236}">
+                <a16:creationId xmlns:a16="http://schemas.microsoft.com/office/drawing/2014/main" id="{43054E07-BBA3-EAE4-B0DD-47981F014166}"/>
               </a:ext>
             </a:extLst>
           </p:cNvPr>
@@ -4387,7 +3963,7 @@
           <p:nvPr/>
         </p:nvPicPr>
         <p:blipFill>
-          <a:blip r:embed="rId3">
+          <a:blip r:embed="rId2">
             <a:extLst>
               <a:ext uri="{28A0092B-C50C-407E-A947-70E740481C1C}">
                 <a14:useLocalDpi xmlns:a14="http://schemas.microsoft.com/office/drawing/2010/main" val="0"/>
@@ -4401,8 +3977,8 @@
         </p:blipFill>
         <p:spPr bwMode="auto">
           <a:xfrm>
-            <a:off x="6075745" y="1731711"/>
-            <a:ext cx="3828649" cy="2998794"/>
+            <a:off x="8753818" y="3308619"/>
+            <a:ext cx="2906183" cy="2128048"/>
           </a:xfrm>
           <a:prstGeom prst="rect">
             <a:avLst/>
@@ -4419,10 +3995,402 @@
           </a:extLst>
         </p:spPr>
       </p:pic>
+      <p:pic>
+        <p:nvPicPr>
+          <p:cNvPr id="1070" name="Picture 46">
+            <a:extLst>
+              <a:ext uri="{FF2B5EF4-FFF2-40B4-BE49-F238E27FC236}">
+                <a16:creationId xmlns:a16="http://schemas.microsoft.com/office/drawing/2014/main" id="{16452C78-6A02-47AD-F316-0A02F0FA1DE3}"/>
+              </a:ext>
+            </a:extLst>
+          </p:cNvPr>
+          <p:cNvPicPr>
+            <a:picLocks noChangeAspect="1" noChangeArrowheads="1"/>
+          </p:cNvPicPr>
+          <p:nvPr/>
+        </p:nvPicPr>
+        <p:blipFill>
+          <a:blip r:embed="rId3">
+            <a:extLst>
+              <a:ext uri="{28A0092B-C50C-407E-A947-70E740481C1C}">
+                <a14:useLocalDpi xmlns:a14="http://schemas.microsoft.com/office/drawing/2010/main" val="0"/>
+              </a:ext>
+            </a:extLst>
+          </a:blip>
+          <a:srcRect/>
+          <a:stretch>
+            <a:fillRect/>
+          </a:stretch>
+        </p:blipFill>
+        <p:spPr bwMode="auto">
+          <a:xfrm>
+            <a:off x="8804788" y="975529"/>
+            <a:ext cx="2735379" cy="2361949"/>
+          </a:xfrm>
+          <a:prstGeom prst="rect">
+            <a:avLst/>
+          </a:prstGeom>
+          <a:noFill/>
+          <a:extLst>
+            <a:ext uri="{909E8E84-426E-40DD-AFC4-6F175D3DCCD1}">
+              <a14:hiddenFill xmlns:a14="http://schemas.microsoft.com/office/drawing/2010/main">
+                <a:solidFill>
+                  <a:srgbClr val="FFFFFF"/>
+                </a:solidFill>
+              </a14:hiddenFill>
+            </a:ext>
+          </a:extLst>
+        </p:spPr>
+      </p:pic>
+      <p:grpSp>
+        <p:nvGrpSpPr>
+          <p:cNvPr id="21" name="Group 20">
+            <a:extLst>
+              <a:ext uri="{FF2B5EF4-FFF2-40B4-BE49-F238E27FC236}">
+                <a16:creationId xmlns:a16="http://schemas.microsoft.com/office/drawing/2014/main" id="{38813BC8-3315-F807-19E9-9BEEE16B32E1}"/>
+              </a:ext>
+            </a:extLst>
+          </p:cNvPr>
+          <p:cNvGrpSpPr/>
+          <p:nvPr/>
+        </p:nvGrpSpPr>
+        <p:grpSpPr>
+          <a:xfrm>
+            <a:off x="5880099" y="963998"/>
+            <a:ext cx="2906183" cy="4507326"/>
+            <a:chOff x="5880097" y="439064"/>
+            <a:chExt cx="2906183" cy="4507326"/>
+          </a:xfrm>
+        </p:grpSpPr>
+        <p:pic>
+          <p:nvPicPr>
+            <p:cNvPr id="1038" name="Picture 14">
+              <a:extLst>
+                <a:ext uri="{FF2B5EF4-FFF2-40B4-BE49-F238E27FC236}">
+                  <a16:creationId xmlns:a16="http://schemas.microsoft.com/office/drawing/2014/main" id="{680B5120-4C0A-2DF1-1EAC-BBFC9F78461B}"/>
+                </a:ext>
+              </a:extLst>
+            </p:cNvPr>
+            <p:cNvPicPr>
+              <a:picLocks noChangeAspect="1" noChangeArrowheads="1"/>
+            </p:cNvPicPr>
+            <p:nvPr/>
+          </p:nvPicPr>
+          <p:blipFill>
+            <a:blip r:embed="rId4">
+              <a:extLst>
+                <a:ext uri="{28A0092B-C50C-407E-A947-70E740481C1C}">
+                  <a14:useLocalDpi xmlns:a14="http://schemas.microsoft.com/office/drawing/2010/main" val="0"/>
+                </a:ext>
+              </a:extLst>
+            </a:blip>
+            <a:srcRect/>
+            <a:stretch>
+              <a:fillRect/>
+            </a:stretch>
+          </p:blipFill>
+          <p:spPr bwMode="auto">
+            <a:xfrm>
+              <a:off x="5880097" y="2818342"/>
+              <a:ext cx="2906183" cy="2128048"/>
+            </a:xfrm>
+            <a:prstGeom prst="rect">
+              <a:avLst/>
+            </a:prstGeom>
+            <a:noFill/>
+            <a:extLst>
+              <a:ext uri="{909E8E84-426E-40DD-AFC4-6F175D3DCCD1}">
+                <a14:hiddenFill xmlns:a14="http://schemas.microsoft.com/office/drawing/2010/main">
+                  <a:solidFill>
+                    <a:srgbClr val="FFFFFF"/>
+                  </a:solidFill>
+                </a14:hiddenFill>
+              </a:ext>
+            </a:extLst>
+          </p:spPr>
+        </p:pic>
+        <p:pic>
+          <p:nvPicPr>
+            <p:cNvPr id="1072" name="Picture 48">
+              <a:extLst>
+                <a:ext uri="{FF2B5EF4-FFF2-40B4-BE49-F238E27FC236}">
+                  <a16:creationId xmlns:a16="http://schemas.microsoft.com/office/drawing/2014/main" id="{A9AAAE7B-C57A-3FBA-DF9C-7224EE5A4F7B}"/>
+                </a:ext>
+              </a:extLst>
+            </p:cNvPr>
+            <p:cNvPicPr>
+              <a:picLocks noChangeAspect="1" noChangeArrowheads="1"/>
+            </p:cNvPicPr>
+            <p:nvPr/>
+          </p:nvPicPr>
+          <p:blipFill>
+            <a:blip r:embed="rId5">
+              <a:extLst>
+                <a:ext uri="{28A0092B-C50C-407E-A947-70E740481C1C}">
+                  <a14:useLocalDpi xmlns:a14="http://schemas.microsoft.com/office/drawing/2010/main" val="0"/>
+                </a:ext>
+              </a:extLst>
+            </a:blip>
+            <a:srcRect/>
+            <a:stretch>
+              <a:fillRect/>
+            </a:stretch>
+          </p:blipFill>
+          <p:spPr bwMode="auto">
+            <a:xfrm>
+              <a:off x="5957635" y="439064"/>
+              <a:ext cx="2735380" cy="2361949"/>
+            </a:xfrm>
+            <a:prstGeom prst="rect">
+              <a:avLst/>
+            </a:prstGeom>
+            <a:noFill/>
+            <a:extLst>
+              <a:ext uri="{909E8E84-426E-40DD-AFC4-6F175D3DCCD1}">
+                <a14:hiddenFill xmlns:a14="http://schemas.microsoft.com/office/drawing/2010/main">
+                  <a:solidFill>
+                    <a:srgbClr val="FFFFFF"/>
+                  </a:solidFill>
+                </a14:hiddenFill>
+              </a:ext>
+            </a:extLst>
+          </p:spPr>
+        </p:pic>
+      </p:grpSp>
+      <p:grpSp>
+        <p:nvGrpSpPr>
+          <p:cNvPr id="20" name="Group 19">
+            <a:extLst>
+              <a:ext uri="{FF2B5EF4-FFF2-40B4-BE49-F238E27FC236}">
+                <a16:creationId xmlns:a16="http://schemas.microsoft.com/office/drawing/2014/main" id="{1A61D2C6-5022-C934-7059-6FF713A722C2}"/>
+              </a:ext>
+            </a:extLst>
+          </p:cNvPr>
+          <p:cNvGrpSpPr/>
+          <p:nvPr/>
+        </p:nvGrpSpPr>
+        <p:grpSpPr>
+          <a:xfrm>
+            <a:off x="2990654" y="975529"/>
+            <a:ext cx="2906183" cy="4495795"/>
+            <a:chOff x="2990652" y="450595"/>
+            <a:chExt cx="2906183" cy="4495795"/>
+          </a:xfrm>
+        </p:grpSpPr>
+        <p:pic>
+          <p:nvPicPr>
+            <p:cNvPr id="1042" name="Picture 18">
+              <a:extLst>
+                <a:ext uri="{FF2B5EF4-FFF2-40B4-BE49-F238E27FC236}">
+                  <a16:creationId xmlns:a16="http://schemas.microsoft.com/office/drawing/2014/main" id="{9B2BC1F0-998B-E4E7-E602-53FD3B172EB9}"/>
+                </a:ext>
+              </a:extLst>
+            </p:cNvPr>
+            <p:cNvPicPr>
+              <a:picLocks noChangeAspect="1" noChangeArrowheads="1"/>
+            </p:cNvPicPr>
+            <p:nvPr/>
+          </p:nvPicPr>
+          <p:blipFill>
+            <a:blip r:embed="rId6">
+              <a:extLst>
+                <a:ext uri="{28A0092B-C50C-407E-A947-70E740481C1C}">
+                  <a14:useLocalDpi xmlns:a14="http://schemas.microsoft.com/office/drawing/2010/main" val="0"/>
+                </a:ext>
+              </a:extLst>
+            </a:blip>
+            <a:srcRect/>
+            <a:stretch>
+              <a:fillRect/>
+            </a:stretch>
+          </p:blipFill>
+          <p:spPr bwMode="auto">
+            <a:xfrm>
+              <a:off x="2990652" y="2818342"/>
+              <a:ext cx="2906183" cy="2128048"/>
+            </a:xfrm>
+            <a:prstGeom prst="rect">
+              <a:avLst/>
+            </a:prstGeom>
+            <a:noFill/>
+            <a:extLst>
+              <a:ext uri="{909E8E84-426E-40DD-AFC4-6F175D3DCCD1}">
+                <a14:hiddenFill xmlns:a14="http://schemas.microsoft.com/office/drawing/2010/main">
+                  <a:solidFill>
+                    <a:srgbClr val="FFFFFF"/>
+                  </a:solidFill>
+                </a14:hiddenFill>
+              </a:ext>
+            </a:extLst>
+          </p:spPr>
+        </p:pic>
+        <p:pic>
+          <p:nvPicPr>
+            <p:cNvPr id="1074" name="Picture 50">
+              <a:extLst>
+                <a:ext uri="{FF2B5EF4-FFF2-40B4-BE49-F238E27FC236}">
+                  <a16:creationId xmlns:a16="http://schemas.microsoft.com/office/drawing/2014/main" id="{D6CFE2CB-E906-15FD-4315-535A8A5C6C80}"/>
+                </a:ext>
+              </a:extLst>
+            </p:cNvPr>
+            <p:cNvPicPr>
+              <a:picLocks noChangeAspect="1" noChangeArrowheads="1"/>
+            </p:cNvPicPr>
+            <p:nvPr/>
+          </p:nvPicPr>
+          <p:blipFill>
+            <a:blip r:embed="rId7">
+              <a:extLst>
+                <a:ext uri="{28A0092B-C50C-407E-A947-70E740481C1C}">
+                  <a14:useLocalDpi xmlns:a14="http://schemas.microsoft.com/office/drawing/2010/main" val="0"/>
+                </a:ext>
+              </a:extLst>
+            </a:blip>
+            <a:srcRect/>
+            <a:stretch>
+              <a:fillRect/>
+            </a:stretch>
+          </p:blipFill>
+          <p:spPr bwMode="auto">
+            <a:xfrm>
+              <a:off x="3015697" y="450595"/>
+              <a:ext cx="2735380" cy="2361949"/>
+            </a:xfrm>
+            <a:prstGeom prst="rect">
+              <a:avLst/>
+            </a:prstGeom>
+            <a:noFill/>
+            <a:extLst>
+              <a:ext uri="{909E8E84-426E-40DD-AFC4-6F175D3DCCD1}">
+                <a14:hiddenFill xmlns:a14="http://schemas.microsoft.com/office/drawing/2010/main">
+                  <a:solidFill>
+                    <a:srgbClr val="FFFFFF"/>
+                  </a:solidFill>
+                </a14:hiddenFill>
+              </a:ext>
+            </a:extLst>
+          </p:spPr>
+        </p:pic>
+      </p:grpSp>
+      <p:grpSp>
+        <p:nvGrpSpPr>
+          <p:cNvPr id="19" name="Group 18">
+            <a:extLst>
+              <a:ext uri="{FF2B5EF4-FFF2-40B4-BE49-F238E27FC236}">
+                <a16:creationId xmlns:a16="http://schemas.microsoft.com/office/drawing/2014/main" id="{4049C185-3F5A-66CB-38B9-9B214DCA7954}"/>
+              </a:ext>
+            </a:extLst>
+          </p:cNvPr>
+          <p:cNvGrpSpPr/>
+          <p:nvPr/>
+        </p:nvGrpSpPr>
+        <p:grpSpPr>
+          <a:xfrm>
+            <a:off x="134395" y="978428"/>
+            <a:ext cx="2906183" cy="4492896"/>
+            <a:chOff x="134393" y="453494"/>
+            <a:chExt cx="2906183" cy="4492896"/>
+          </a:xfrm>
+        </p:grpSpPr>
+        <p:pic>
+          <p:nvPicPr>
+            <p:cNvPr id="1044" name="Picture 20">
+              <a:extLst>
+                <a:ext uri="{FF2B5EF4-FFF2-40B4-BE49-F238E27FC236}">
+                  <a16:creationId xmlns:a16="http://schemas.microsoft.com/office/drawing/2014/main" id="{CE881992-92BA-B255-1647-E01A26367A7B}"/>
+                </a:ext>
+              </a:extLst>
+            </p:cNvPr>
+            <p:cNvPicPr>
+              <a:picLocks noChangeAspect="1" noChangeArrowheads="1"/>
+            </p:cNvPicPr>
+            <p:nvPr/>
+          </p:nvPicPr>
+          <p:blipFill>
+            <a:blip r:embed="rId8">
+              <a:extLst>
+                <a:ext uri="{28A0092B-C50C-407E-A947-70E740481C1C}">
+                  <a14:useLocalDpi xmlns:a14="http://schemas.microsoft.com/office/drawing/2010/main" val="0"/>
+                </a:ext>
+              </a:extLst>
+            </a:blip>
+            <a:srcRect/>
+            <a:stretch>
+              <a:fillRect/>
+            </a:stretch>
+          </p:blipFill>
+          <p:spPr bwMode="auto">
+            <a:xfrm>
+              <a:off x="134393" y="2818342"/>
+              <a:ext cx="2906183" cy="2128048"/>
+            </a:xfrm>
+            <a:prstGeom prst="rect">
+              <a:avLst/>
+            </a:prstGeom>
+            <a:noFill/>
+            <a:extLst>
+              <a:ext uri="{909E8E84-426E-40DD-AFC4-6F175D3DCCD1}">
+                <a14:hiddenFill xmlns:a14="http://schemas.microsoft.com/office/drawing/2010/main">
+                  <a:solidFill>
+                    <a:srgbClr val="FFFFFF"/>
+                  </a:solidFill>
+                </a14:hiddenFill>
+              </a:ext>
+            </a:extLst>
+          </p:spPr>
+        </p:pic>
+        <p:pic>
+          <p:nvPicPr>
+            <p:cNvPr id="1076" name="Picture 52">
+              <a:extLst>
+                <a:ext uri="{FF2B5EF4-FFF2-40B4-BE49-F238E27FC236}">
+                  <a16:creationId xmlns:a16="http://schemas.microsoft.com/office/drawing/2014/main" id="{EBA4116F-2A5E-4C58-0F26-A489CF2D5574}"/>
+                </a:ext>
+              </a:extLst>
+            </p:cNvPr>
+            <p:cNvPicPr>
+              <a:picLocks noChangeAspect="1" noChangeArrowheads="1"/>
+            </p:cNvPicPr>
+            <p:nvPr/>
+          </p:nvPicPr>
+          <p:blipFill>
+            <a:blip r:embed="rId9">
+              <a:extLst>
+                <a:ext uri="{28A0092B-C50C-407E-A947-70E740481C1C}">
+                  <a14:useLocalDpi xmlns:a14="http://schemas.microsoft.com/office/drawing/2010/main" val="0"/>
+                </a:ext>
+              </a:extLst>
+            </a:blip>
+            <a:srcRect/>
+            <a:stretch>
+              <a:fillRect/>
+            </a:stretch>
+          </p:blipFill>
+          <p:spPr bwMode="auto">
+            <a:xfrm>
+              <a:off x="219516" y="453494"/>
+              <a:ext cx="2735380" cy="2361949"/>
+            </a:xfrm>
+            <a:prstGeom prst="rect">
+              <a:avLst/>
+            </a:prstGeom>
+            <a:noFill/>
+            <a:extLst>
+              <a:ext uri="{909E8E84-426E-40DD-AFC4-6F175D3DCCD1}">
+                <a14:hiddenFill xmlns:a14="http://schemas.microsoft.com/office/drawing/2010/main">
+                  <a:solidFill>
+                    <a:srgbClr val="FFFFFF"/>
+                  </a:solidFill>
+                </a14:hiddenFill>
+              </a:ext>
+            </a:extLst>
+          </p:spPr>
+        </p:pic>
+      </p:grpSp>
     </p:spTree>
     <p:extLst>
       <p:ext uri="{BB962C8B-B14F-4D97-AF65-F5344CB8AC3E}">
-        <p14:creationId xmlns:p14="http://schemas.microsoft.com/office/powerpoint/2010/main" val="3377475216"/>
+        <p14:creationId xmlns:p14="http://schemas.microsoft.com/office/powerpoint/2010/main" val="193630125"/>
       </p:ext>
     </p:extLst>
   </p:cSld>
@@ -4451,668 +4419,444 @@
       </p:grpSpPr>
       <p:sp>
         <p:nvSpPr>
-          <p:cNvPr id="2" name="Title 1">
-            <a:extLst>
-              <a:ext uri="{FF2B5EF4-FFF2-40B4-BE49-F238E27FC236}">
-                <a16:creationId xmlns:a16="http://schemas.microsoft.com/office/drawing/2014/main" id="{DE427C2F-E032-F447-1CC1-765BB61EE3EA}"/>
-              </a:ext>
-            </a:extLst>
-          </p:cNvPr>
-          <p:cNvSpPr>
-            <a:spLocks noGrp="1"/>
-          </p:cNvSpPr>
-          <p:nvPr>
-            <p:ph type="title"/>
-          </p:nvPr>
+          <p:cNvPr id="2" name="TextBox 1">
+            <a:extLst>
+              <a:ext uri="{FF2B5EF4-FFF2-40B4-BE49-F238E27FC236}">
+                <a16:creationId xmlns:a16="http://schemas.microsoft.com/office/drawing/2014/main" id="{63C518E6-980C-A629-3BAF-98EA6AAED8B9}"/>
+              </a:ext>
+            </a:extLst>
+          </p:cNvPr>
+          <p:cNvSpPr txBox="1"/>
+          <p:nvPr/>
         </p:nvSpPr>
         <p:spPr>
           <a:xfrm>
-            <a:off x="0" y="0"/>
-            <a:ext cx="10515600" cy="1325563"/>
-          </a:xfrm>
-        </p:spPr>
-        <p:txBody>
-          <a:bodyPr/>
-          <a:lstStyle/>
-          <a:p>
-            <a:r>
-              <a:rPr lang="en-US" dirty="0" err="1"/>
-              <a:t>Mshuf</a:t>
-            </a:r>
-            <a:r>
-              <a:rPr lang="en-US" dirty="0"/>
-              <a:t> Morphologies  </a:t>
-            </a:r>
-            <a:r>
-              <a:rPr lang="en-US" sz="2000" dirty="0"/>
-              <a:t>(end-block in parentheses)</a:t>
-            </a:r>
-            <a:endParaRPr lang="en-US" dirty="0"/>
-          </a:p>
-        </p:txBody>
-      </p:sp>
-      <p:sp>
-        <p:nvSpPr>
-          <p:cNvPr id="3" name="Rectangle 2">
-            <a:extLst>
-              <a:ext uri="{FF2B5EF4-FFF2-40B4-BE49-F238E27FC236}">
-                <a16:creationId xmlns:a16="http://schemas.microsoft.com/office/drawing/2014/main" id="{212A4D46-9575-29D8-C89E-C5CECBF52240}"/>
-              </a:ext>
-            </a:extLst>
-          </p:cNvPr>
-          <p:cNvSpPr/>
-          <p:nvPr/>
-        </p:nvSpPr>
-        <p:spPr>
-          <a:xfrm>
-            <a:off x="3523129" y="6329082"/>
-            <a:ext cx="5145741" cy="430306"/>
+            <a:off x="1494366" y="278487"/>
+            <a:ext cx="9203267" cy="369332"/>
           </a:xfrm>
           <a:prstGeom prst="rect">
             <a:avLst/>
           </a:prstGeom>
+          <a:noFill/>
         </p:spPr>
-        <p:style>
-          <a:lnRef idx="2">
-            <a:schemeClr val="accent1">
-              <a:shade val="15000"/>
-            </a:schemeClr>
-          </a:lnRef>
-          <a:fillRef idx="1">
-            <a:schemeClr val="accent1"/>
-          </a:fillRef>
-          <a:effectRef idx="0">
-            <a:schemeClr val="accent1"/>
-          </a:effectRef>
-          <a:fontRef idx="minor">
-            <a:schemeClr val="lt1"/>
-          </a:fontRef>
-        </p:style>
-        <p:txBody>
-          <a:bodyPr rtlCol="0" anchor="ctr"/>
+        <p:txBody>
+          <a:bodyPr wrap="square" rtlCol="0">
+            <a:spAutoFit/>
+          </a:bodyPr>
           <a:lstStyle/>
           <a:p>
             <a:pPr algn="ctr"/>
             <a:r>
               <a:rPr lang="en-US" dirty="0"/>
-              <a:t>Note: blocks do not exactly line up (see Slide 2)</a:t>
-            </a:r>
-          </a:p>
-        </p:txBody>
-      </p:sp>
-      <mc:AlternateContent xmlns:mc="http://schemas.openxmlformats.org/markup-compatibility/2006" xmlns:a14="http://schemas.microsoft.com/office/drawing/2010/main">
-        <mc:Choice Requires="a14">
-          <p:sp>
-            <p:nvSpPr>
-              <p:cNvPr id="15" name="TextBox 14">
-                <a:extLst>
-                  <a:ext uri="{FF2B5EF4-FFF2-40B4-BE49-F238E27FC236}">
-                    <a16:creationId xmlns:a16="http://schemas.microsoft.com/office/drawing/2014/main" id="{EFD7BA19-5F64-6243-86D5-F66B4A338AF4}"/>
-                  </a:ext>
-                </a:extLst>
-              </p:cNvPr>
-              <p:cNvSpPr txBox="1"/>
-              <p:nvPr/>
-            </p:nvSpPr>
-            <p:spPr>
-              <a:xfrm>
-                <a:off x="723483" y="4289519"/>
-                <a:ext cx="11049001" cy="1938992"/>
-              </a:xfrm>
-              <a:prstGeom prst="rect">
-                <a:avLst/>
-              </a:prstGeom>
-              <a:noFill/>
-            </p:spPr>
-            <p:txBody>
-              <a:bodyPr wrap="square" rtlCol="0">
-                <a:spAutoFit/>
-              </a:bodyPr>
-              <a:lstStyle/>
-              <a:p>
-                <a:pPr>
-                  <a:spcBef>
-                    <a:spcPts val="1200"/>
-                  </a:spcBef>
-                </a:pPr>
-                <a:r>
-                  <a:rPr lang="en-US" dirty="0"/>
-                  <a:t>Key characteristics:</a:t>
-                </a:r>
-              </a:p>
-              <a:p>
-                <a:pPr marL="285750" indent="-285750">
-                  <a:spcBef>
-                    <a:spcPts val="1200"/>
-                  </a:spcBef>
-                  <a:buFont typeface="Arial" panose="020B0604020202020204" pitchFamily="34" charset="0"/>
-                  <a:buChar char="•"/>
-                </a:pPr>
-                <a:r>
-                  <a:rPr lang="en-US" dirty="0"/>
-                  <a:t>NFM shoulder more pronounced </a:t>
-                </a:r>
-                <a:r>
-                  <a:rPr lang="en-US" dirty="0">
-                    <a:sym typeface="Wingdings" panose="05000000000000000000" pitchFamily="2" charset="2"/>
-                  </a:rPr>
-                  <a:t> bimodal charge distribution facilitates stretching between charge-dense surface and block 7</a:t>
-                </a:r>
-              </a:p>
-              <a:p>
-                <a:pPr marL="285750" indent="-285750">
-                  <a:spcBef>
-                    <a:spcPts val="1200"/>
-                  </a:spcBef>
-                  <a:buFont typeface="Arial" panose="020B0604020202020204" pitchFamily="34" charset="0"/>
-                  <a:buChar char="•"/>
-                </a:pPr>
-                <a:r>
-                  <a:rPr lang="en-US" dirty="0"/>
-                  <a:t>The shuffled sequences are still multi-layered, whereas the evenly charged (</a:t>
-                </a:r>
-                <a14:m>
-                  <m:oMath xmlns:m="http://schemas.openxmlformats.org/officeDocument/2006/math">
-                    <m:r>
-                      <a:rPr lang="en-US" b="0" i="1" smtClean="0">
-                        <a:latin typeface="Cambria Math" panose="02040503050406030204" pitchFamily="18" charset="0"/>
-                      </a:rPr>
-                      <m:t>𝜅</m:t>
-                    </m:r>
-                    <m:r>
-                      <a:rPr lang="en-US" b="0" i="1" smtClean="0">
-                        <a:latin typeface="Cambria Math" panose="02040503050406030204" pitchFamily="18" charset="0"/>
-                      </a:rPr>
-                      <m:t>=0</m:t>
-                    </m:r>
-                  </m:oMath>
-                </a14:m>
-                <a:r>
-                  <a:rPr lang="en-US" dirty="0"/>
-                  <a:t>) polymer is single-layered</a:t>
-                </a:r>
-              </a:p>
-              <a:p>
-                <a:pPr marL="742950" lvl="1" indent="-285750">
-                  <a:spcBef>
-                    <a:spcPts val="1200"/>
-                  </a:spcBef>
-                  <a:buFont typeface="Arial" panose="020B0604020202020204" pitchFamily="34" charset="0"/>
-                  <a:buChar char="•"/>
-                </a:pPr>
-                <a:r>
-                  <a:rPr lang="en-US" dirty="0"/>
-                  <a:t>Regardless, shoulder is not as strong</a:t>
-                </a:r>
-              </a:p>
-            </p:txBody>
-          </p:sp>
-        </mc:Choice>
-        <mc:Fallback xmlns="">
-          <p:sp>
-            <p:nvSpPr>
-              <p:cNvPr id="15" name="TextBox 14">
-                <a:extLst>
-                  <a:ext uri="{FF2B5EF4-FFF2-40B4-BE49-F238E27FC236}">
-                    <a16:creationId xmlns:a16="http://schemas.microsoft.com/office/drawing/2014/main" id="{EFD7BA19-5F64-6243-86D5-F66B4A338AF4}"/>
-                  </a:ext>
-                </a:extLst>
-              </p:cNvPr>
-              <p:cNvSpPr txBox="1">
-                <a:spLocks noRot="1" noChangeAspect="1" noMove="1" noResize="1" noEditPoints="1" noAdjustHandles="1" noChangeArrowheads="1" noChangeShapeType="1" noTextEdit="1"/>
-              </p:cNvSpPr>
-              <p:nvPr/>
-            </p:nvSpPr>
-            <p:spPr>
-              <a:xfrm>
-                <a:off x="723483" y="4289519"/>
-                <a:ext cx="11049001" cy="1938992"/>
-              </a:xfrm>
-              <a:prstGeom prst="rect">
-                <a:avLst/>
-              </a:prstGeom>
-              <a:blipFill>
-                <a:blip r:embed="rId2"/>
-                <a:stretch>
-                  <a:fillRect l="-497" t="-1572" r="-773" b="-4403"/>
-                </a:stretch>
-              </a:blipFill>
-            </p:spPr>
-            <p:txBody>
-              <a:bodyPr/>
-              <a:lstStyle/>
-              <a:p>
-                <a:r>
-                  <a:rPr lang="en-US">
-                    <a:noFill/>
-                  </a:rPr>
-                  <a:t> </a:t>
-                </a:r>
-              </a:p>
-            </p:txBody>
-          </p:sp>
-        </mc:Fallback>
-      </mc:AlternateContent>
-      <p:grpSp>
-        <p:nvGrpSpPr>
-          <p:cNvPr id="5" name="Group 4">
-            <a:extLst>
-              <a:ext uri="{FF2B5EF4-FFF2-40B4-BE49-F238E27FC236}">
-                <a16:creationId xmlns:a16="http://schemas.microsoft.com/office/drawing/2014/main" id="{AC7B0432-4E6D-9B94-00DC-6A6A330751CF}"/>
-              </a:ext>
-            </a:extLst>
-          </p:cNvPr>
-          <p:cNvGrpSpPr/>
+              <a:t>Binary </a:t>
+            </a:r>
+            <a:r>
+              <a:rPr lang="en-US" dirty="0" err="1"/>
+              <a:t>pNFH:NFL</a:t>
+            </a:r>
+            <a:r>
+              <a:rPr lang="en-US" dirty="0"/>
+              <a:t>; </a:t>
+            </a:r>
+            <a:r>
+              <a:rPr lang="en-US" dirty="0" err="1"/>
+              <a:t>sigma_total</a:t>
+            </a:r>
+            <a:r>
+              <a:rPr lang="en-US" dirty="0"/>
+              <a:t> = 0.03 c/nm2; </a:t>
+            </a:r>
+            <a:r>
+              <a:rPr lang="en-US" dirty="0" err="1"/>
+              <a:t>bv</a:t>
+            </a:r>
+            <a:r>
+              <a:rPr lang="en-US" dirty="0"/>
+              <a:t> = [(0.6, 0.15), (0.6, 0.05)]</a:t>
+            </a:r>
+          </a:p>
+        </p:txBody>
+      </p:sp>
+      <p:pic>
+        <p:nvPicPr>
+          <p:cNvPr id="2054" name="Picture 6">
+            <a:extLst>
+              <a:ext uri="{FF2B5EF4-FFF2-40B4-BE49-F238E27FC236}">
+                <a16:creationId xmlns:a16="http://schemas.microsoft.com/office/drawing/2014/main" id="{ECCA669D-4B1A-A478-9C0F-2A0AE8C3FF69}"/>
+              </a:ext>
+            </a:extLst>
+          </p:cNvPr>
+          <p:cNvPicPr>
+            <a:picLocks noChangeAspect="1" noChangeArrowheads="1"/>
+          </p:cNvPicPr>
           <p:nvPr/>
-        </p:nvGrpSpPr>
-        <p:grpSpPr>
+        </p:nvPicPr>
+        <p:blipFill>
+          <a:blip r:embed="rId2">
+            <a:extLst>
+              <a:ext uri="{28A0092B-C50C-407E-A947-70E740481C1C}">
+                <a14:useLocalDpi xmlns:a14="http://schemas.microsoft.com/office/drawing/2010/main" val="0"/>
+              </a:ext>
+            </a:extLst>
+          </a:blip>
+          <a:srcRect/>
+          <a:stretch>
+            <a:fillRect/>
+          </a:stretch>
+        </p:blipFill>
+        <p:spPr bwMode="auto">
           <a:xfrm>
-            <a:off x="8271202" y="1325563"/>
-            <a:ext cx="3199559" cy="2863386"/>
-            <a:chOff x="8271202" y="1325563"/>
-            <a:chExt cx="3199559" cy="2863386"/>
-          </a:xfrm>
-        </p:grpSpPr>
-        <p:pic>
-          <p:nvPicPr>
-            <p:cNvPr id="1026" name="Picture 2">
-              <a:extLst>
-                <a:ext uri="{FF2B5EF4-FFF2-40B4-BE49-F238E27FC236}">
-                  <a16:creationId xmlns:a16="http://schemas.microsoft.com/office/drawing/2014/main" id="{21218EF1-D645-97B7-2B4C-63084C1C1F13}"/>
-                </a:ext>
-              </a:extLst>
-            </p:cNvPr>
-            <p:cNvPicPr>
-              <a:picLocks noChangeAspect="1" noChangeArrowheads="1"/>
-            </p:cNvPicPr>
-            <p:nvPr/>
-          </p:nvPicPr>
-          <p:blipFill>
-            <a:blip r:embed="rId3">
-              <a:extLst>
-                <a:ext uri="{28A0092B-C50C-407E-A947-70E740481C1C}">
-                  <a14:useLocalDpi xmlns:a14="http://schemas.microsoft.com/office/drawing/2010/main" val="0"/>
-                </a:ext>
-              </a:extLst>
-            </a:blip>
-            <a:srcRect/>
-            <a:stretch>
-              <a:fillRect/>
-            </a:stretch>
-          </p:blipFill>
-          <p:spPr bwMode="auto">
-            <a:xfrm>
-              <a:off x="8271202" y="1715860"/>
-              <a:ext cx="3199559" cy="2473089"/>
-            </a:xfrm>
-            <a:prstGeom prst="rect">
-              <a:avLst/>
-            </a:prstGeom>
-            <a:noFill/>
-            <a:extLst>
-              <a:ext uri="{909E8E84-426E-40DD-AFC4-6F175D3DCCD1}">
-                <a14:hiddenFill xmlns:a14="http://schemas.microsoft.com/office/drawing/2010/main">
-                  <a:solidFill>
-                    <a:srgbClr val="FFFFFF"/>
-                  </a:solidFill>
-                </a14:hiddenFill>
-              </a:ext>
-            </a:extLst>
-          </p:spPr>
-        </p:pic>
-        <p:sp>
-          <p:nvSpPr>
-            <p:cNvPr id="4" name="TextBox 3">
-              <a:extLst>
-                <a:ext uri="{FF2B5EF4-FFF2-40B4-BE49-F238E27FC236}">
-                  <a16:creationId xmlns:a16="http://schemas.microsoft.com/office/drawing/2014/main" id="{8B78FA53-6369-63BA-1DEB-FD19A72192BF}"/>
-                </a:ext>
-              </a:extLst>
-            </p:cNvPr>
-            <p:cNvSpPr txBox="1"/>
-            <p:nvPr/>
-          </p:nvSpPr>
-          <p:spPr>
-            <a:xfrm>
-              <a:off x="8977530" y="1325563"/>
-              <a:ext cx="2097741" cy="369332"/>
-            </a:xfrm>
-            <a:prstGeom prst="rect">
-              <a:avLst/>
-            </a:prstGeom>
-            <a:noFill/>
-          </p:spPr>
-          <p:txBody>
-            <a:bodyPr wrap="square" rtlCol="0">
-              <a:spAutoFit/>
-            </a:bodyPr>
-            <a:lstStyle/>
-            <a:p>
-              <a:pPr algn="ctr"/>
-              <a:r>
-                <a:rPr lang="en-US" dirty="0"/>
-                <a:t>S0 (block 9)</a:t>
-              </a:r>
-            </a:p>
-          </p:txBody>
-        </p:sp>
-      </p:grpSp>
-      <p:grpSp>
-        <p:nvGrpSpPr>
-          <p:cNvPr id="14" name="Group 13">
-            <a:extLst>
-              <a:ext uri="{FF2B5EF4-FFF2-40B4-BE49-F238E27FC236}">
-                <a16:creationId xmlns:a16="http://schemas.microsoft.com/office/drawing/2014/main" id="{450AE84B-7076-60B5-5271-FD404325E35C}"/>
-              </a:ext>
-            </a:extLst>
-          </p:cNvPr>
-          <p:cNvGrpSpPr/>
+            <a:off x="3378051" y="971576"/>
+            <a:ext cx="2741846" cy="2367532"/>
+          </a:xfrm>
+          <a:prstGeom prst="rect">
+            <a:avLst/>
+          </a:prstGeom>
+          <a:noFill/>
+          <a:extLst>
+            <a:ext uri="{909E8E84-426E-40DD-AFC4-6F175D3DCCD1}">
+              <a14:hiddenFill xmlns:a14="http://schemas.microsoft.com/office/drawing/2010/main">
+                <a:solidFill>
+                  <a:srgbClr val="FFFFFF"/>
+                </a:solidFill>
+              </a14:hiddenFill>
+            </a:ext>
+          </a:extLst>
+        </p:spPr>
+      </p:pic>
+      <p:pic>
+        <p:nvPicPr>
+          <p:cNvPr id="2056" name="Picture 8">
+            <a:extLst>
+              <a:ext uri="{FF2B5EF4-FFF2-40B4-BE49-F238E27FC236}">
+                <a16:creationId xmlns:a16="http://schemas.microsoft.com/office/drawing/2014/main" id="{2C802B26-472E-FBE4-44AD-87AAB1687040}"/>
+              </a:ext>
+            </a:extLst>
+          </p:cNvPr>
+          <p:cNvPicPr>
+            <a:picLocks noChangeAspect="1" noChangeArrowheads="1"/>
+          </p:cNvPicPr>
           <p:nvPr/>
-        </p:nvGrpSpPr>
-        <p:grpSpPr>
+        </p:nvPicPr>
+        <p:blipFill>
+          <a:blip r:embed="rId3">
+            <a:extLst>
+              <a:ext uri="{28A0092B-C50C-407E-A947-70E740481C1C}">
+                <a14:useLocalDpi xmlns:a14="http://schemas.microsoft.com/office/drawing/2010/main" val="0"/>
+              </a:ext>
+            </a:extLst>
+          </a:blip>
+          <a:srcRect/>
+          <a:stretch>
+            <a:fillRect/>
+          </a:stretch>
+        </p:blipFill>
+        <p:spPr bwMode="auto">
           <a:xfrm>
-            <a:off x="5567922" y="1325563"/>
-            <a:ext cx="3199559" cy="2863386"/>
-            <a:chOff x="7674628" y="1304598"/>
-            <a:chExt cx="3199559" cy="2863386"/>
-          </a:xfrm>
-        </p:grpSpPr>
-        <p:sp>
-          <p:nvSpPr>
-            <p:cNvPr id="8" name="TextBox 7">
-              <a:extLst>
-                <a:ext uri="{FF2B5EF4-FFF2-40B4-BE49-F238E27FC236}">
-                  <a16:creationId xmlns:a16="http://schemas.microsoft.com/office/drawing/2014/main" id="{0C65884C-3C41-82BC-A16F-464EFF076167}"/>
-                </a:ext>
-              </a:extLst>
-            </p:cNvPr>
-            <p:cNvSpPr txBox="1"/>
-            <p:nvPr/>
-          </p:nvSpPr>
-          <p:spPr>
-            <a:xfrm>
-              <a:off x="8354690" y="1304598"/>
-              <a:ext cx="2097741" cy="369332"/>
-            </a:xfrm>
-            <a:prstGeom prst="rect">
-              <a:avLst/>
-            </a:prstGeom>
-            <a:noFill/>
-          </p:spPr>
-          <p:txBody>
-            <a:bodyPr wrap="square" rtlCol="0">
-              <a:spAutoFit/>
-            </a:bodyPr>
-            <a:lstStyle/>
-            <a:p>
-              <a:pPr algn="ctr"/>
-              <a:r>
-                <a:rPr lang="en-US" dirty="0"/>
-                <a:t>S2 (block 8)</a:t>
-              </a:r>
-            </a:p>
-          </p:txBody>
-        </p:sp>
-        <p:pic>
-          <p:nvPicPr>
-            <p:cNvPr id="1032" name="Picture 8">
-              <a:extLst>
-                <a:ext uri="{FF2B5EF4-FFF2-40B4-BE49-F238E27FC236}">
-                  <a16:creationId xmlns:a16="http://schemas.microsoft.com/office/drawing/2014/main" id="{B71101C7-3BD0-64E0-97D7-4384F8638A12}"/>
-                </a:ext>
-              </a:extLst>
-            </p:cNvPr>
-            <p:cNvPicPr>
-              <a:picLocks noChangeAspect="1" noChangeArrowheads="1"/>
-            </p:cNvPicPr>
-            <p:nvPr/>
-          </p:nvPicPr>
-          <p:blipFill>
-            <a:blip r:embed="rId4">
-              <a:extLst>
-                <a:ext uri="{28A0092B-C50C-407E-A947-70E740481C1C}">
-                  <a14:useLocalDpi xmlns:a14="http://schemas.microsoft.com/office/drawing/2010/main" val="0"/>
-                </a:ext>
-              </a:extLst>
-            </a:blip>
-            <a:srcRect/>
-            <a:stretch>
-              <a:fillRect/>
-            </a:stretch>
-          </p:blipFill>
-          <p:spPr bwMode="auto">
-            <a:xfrm>
-              <a:off x="7674628" y="1694895"/>
-              <a:ext cx="3199559" cy="2473089"/>
-            </a:xfrm>
-            <a:prstGeom prst="rect">
-              <a:avLst/>
-            </a:prstGeom>
-            <a:noFill/>
-            <a:extLst>
-              <a:ext uri="{909E8E84-426E-40DD-AFC4-6F175D3DCCD1}">
-                <a14:hiddenFill xmlns:a14="http://schemas.microsoft.com/office/drawing/2010/main">
-                  <a:solidFill>
-                    <a:srgbClr val="FFFFFF"/>
-                  </a:solidFill>
-                </a14:hiddenFill>
-              </a:ext>
-            </a:extLst>
-          </p:spPr>
-        </p:pic>
-      </p:grpSp>
-      <p:grpSp>
-        <p:nvGrpSpPr>
-          <p:cNvPr id="13" name="Group 12">
-            <a:extLst>
-              <a:ext uri="{FF2B5EF4-FFF2-40B4-BE49-F238E27FC236}">
-                <a16:creationId xmlns:a16="http://schemas.microsoft.com/office/drawing/2014/main" id="{F4304423-8CD1-A3CD-CC2A-3EE364E5A2C5}"/>
-              </a:ext>
-            </a:extLst>
-          </p:cNvPr>
-          <p:cNvGrpSpPr/>
+            <a:off x="3290854" y="3331632"/>
+            <a:ext cx="2855583" cy="2119211"/>
+          </a:xfrm>
+          <a:prstGeom prst="rect">
+            <a:avLst/>
+          </a:prstGeom>
+          <a:noFill/>
+          <a:extLst>
+            <a:ext uri="{909E8E84-426E-40DD-AFC4-6F175D3DCCD1}">
+              <a14:hiddenFill xmlns:a14="http://schemas.microsoft.com/office/drawing/2010/main">
+                <a:solidFill>
+                  <a:srgbClr val="FFFFFF"/>
+                </a:solidFill>
+              </a14:hiddenFill>
+            </a:ext>
+          </a:extLst>
+        </p:spPr>
+      </p:pic>
+      <p:pic>
+        <p:nvPicPr>
+          <p:cNvPr id="2058" name="Picture 10">
+            <a:extLst>
+              <a:ext uri="{FF2B5EF4-FFF2-40B4-BE49-F238E27FC236}">
+                <a16:creationId xmlns:a16="http://schemas.microsoft.com/office/drawing/2014/main" id="{639C1567-01F1-A5F9-F59E-61C1A4852E0E}"/>
+              </a:ext>
+            </a:extLst>
+          </p:cNvPr>
+          <p:cNvPicPr>
+            <a:picLocks noChangeAspect="1" noChangeArrowheads="1"/>
+          </p:cNvPicPr>
           <p:nvPr/>
-        </p:nvGrpSpPr>
-        <p:grpSpPr>
+        </p:nvPicPr>
+        <p:blipFill>
+          <a:blip r:embed="rId4">
+            <a:extLst>
+              <a:ext uri="{28A0092B-C50C-407E-A947-70E740481C1C}">
+                <a14:useLocalDpi xmlns:a14="http://schemas.microsoft.com/office/drawing/2010/main" val="0"/>
+              </a:ext>
+            </a:extLst>
+          </a:blip>
+          <a:srcRect/>
+          <a:stretch>
+            <a:fillRect/>
+          </a:stretch>
+        </p:blipFill>
+        <p:spPr bwMode="auto">
           <a:xfrm>
-            <a:off x="2864642" y="1346528"/>
-            <a:ext cx="3199560" cy="2842422"/>
-            <a:chOff x="4137631" y="1325563"/>
-            <a:chExt cx="3199560" cy="2842422"/>
-          </a:xfrm>
-        </p:grpSpPr>
-        <p:sp>
-          <p:nvSpPr>
-            <p:cNvPr id="6" name="TextBox 5">
-              <a:extLst>
-                <a:ext uri="{FF2B5EF4-FFF2-40B4-BE49-F238E27FC236}">
-                  <a16:creationId xmlns:a16="http://schemas.microsoft.com/office/drawing/2014/main" id="{2CF04615-06B5-EADC-273F-1146941888A0}"/>
-                </a:ext>
-              </a:extLst>
-            </p:cNvPr>
-            <p:cNvSpPr txBox="1"/>
-            <p:nvPr/>
-          </p:nvSpPr>
-          <p:spPr>
-            <a:xfrm>
-              <a:off x="4791427" y="1325563"/>
-              <a:ext cx="2097741" cy="369332"/>
-            </a:xfrm>
-            <a:prstGeom prst="rect">
-              <a:avLst/>
-            </a:prstGeom>
-            <a:noFill/>
-          </p:spPr>
-          <p:txBody>
-            <a:bodyPr wrap="square" rtlCol="0">
-              <a:spAutoFit/>
-            </a:bodyPr>
-            <a:lstStyle/>
-            <a:p>
-              <a:pPr algn="ctr"/>
-              <a:r>
-                <a:rPr lang="en-US" dirty="0"/>
-                <a:t>S1 (block 7)</a:t>
-              </a:r>
-            </a:p>
-          </p:txBody>
-        </p:sp>
-        <p:pic>
-          <p:nvPicPr>
-            <p:cNvPr id="1034" name="Picture 10">
-              <a:extLst>
-                <a:ext uri="{FF2B5EF4-FFF2-40B4-BE49-F238E27FC236}">
-                  <a16:creationId xmlns:a16="http://schemas.microsoft.com/office/drawing/2014/main" id="{40F337DD-0898-D26E-4114-E00F312464CC}"/>
-                </a:ext>
-              </a:extLst>
-            </p:cNvPr>
-            <p:cNvPicPr>
-              <a:picLocks noChangeAspect="1" noChangeArrowheads="1"/>
-            </p:cNvPicPr>
-            <p:nvPr/>
-          </p:nvPicPr>
-          <p:blipFill>
-            <a:blip r:embed="rId5">
-              <a:extLst>
-                <a:ext uri="{28A0092B-C50C-407E-A947-70E740481C1C}">
-                  <a14:useLocalDpi xmlns:a14="http://schemas.microsoft.com/office/drawing/2010/main" val="0"/>
-                </a:ext>
-              </a:extLst>
-            </a:blip>
-            <a:srcRect/>
-            <a:stretch>
-              <a:fillRect/>
-            </a:stretch>
-          </p:blipFill>
-          <p:spPr bwMode="auto">
-            <a:xfrm>
-              <a:off x="4137631" y="1694895"/>
-              <a:ext cx="3199560" cy="2473090"/>
-            </a:xfrm>
-            <a:prstGeom prst="rect">
-              <a:avLst/>
-            </a:prstGeom>
-            <a:noFill/>
-            <a:extLst>
-              <a:ext uri="{909E8E84-426E-40DD-AFC4-6F175D3DCCD1}">
-                <a14:hiddenFill xmlns:a14="http://schemas.microsoft.com/office/drawing/2010/main">
-                  <a:solidFill>
-                    <a:srgbClr val="FFFFFF"/>
-                  </a:solidFill>
-                </a14:hiddenFill>
-              </a:ext>
-            </a:extLst>
-          </p:spPr>
-        </p:pic>
-      </p:grpSp>
-      <p:grpSp>
-        <p:nvGrpSpPr>
-          <p:cNvPr id="12" name="Group 11">
-            <a:extLst>
-              <a:ext uri="{FF2B5EF4-FFF2-40B4-BE49-F238E27FC236}">
-                <a16:creationId xmlns:a16="http://schemas.microsoft.com/office/drawing/2014/main" id="{FA00C564-9B66-5157-5360-EC5312E94511}"/>
-              </a:ext>
-            </a:extLst>
-          </p:cNvPr>
-          <p:cNvGrpSpPr/>
+            <a:off x="6109622" y="3331632"/>
+            <a:ext cx="2855583" cy="2119211"/>
+          </a:xfrm>
+          <a:prstGeom prst="rect">
+            <a:avLst/>
+          </a:prstGeom>
+          <a:noFill/>
+          <a:extLst>
+            <a:ext uri="{909E8E84-426E-40DD-AFC4-6F175D3DCCD1}">
+              <a14:hiddenFill xmlns:a14="http://schemas.microsoft.com/office/drawing/2010/main">
+                <a:solidFill>
+                  <a:srgbClr val="FFFFFF"/>
+                </a:solidFill>
+              </a14:hiddenFill>
+            </a:ext>
+          </a:extLst>
+        </p:spPr>
+      </p:pic>
+      <p:pic>
+        <p:nvPicPr>
+          <p:cNvPr id="2060" name="Picture 12">
+            <a:extLst>
+              <a:ext uri="{FF2B5EF4-FFF2-40B4-BE49-F238E27FC236}">
+                <a16:creationId xmlns:a16="http://schemas.microsoft.com/office/drawing/2014/main" id="{DC9554C0-2B51-FECD-FC17-28FA6B5E11A0}"/>
+              </a:ext>
+            </a:extLst>
+          </p:cNvPr>
+          <p:cNvPicPr>
+            <a:picLocks noChangeAspect="1" noChangeArrowheads="1"/>
+          </p:cNvPicPr>
           <p:nvPr/>
-        </p:nvGrpSpPr>
-        <p:grpSpPr>
+        </p:nvPicPr>
+        <p:blipFill>
+          <a:blip r:embed="rId5">
+            <a:extLst>
+              <a:ext uri="{28A0092B-C50C-407E-A947-70E740481C1C}">
+                <a14:useLocalDpi xmlns:a14="http://schemas.microsoft.com/office/drawing/2010/main" val="0"/>
+              </a:ext>
+            </a:extLst>
+          </a:blip>
+          <a:srcRect/>
+          <a:stretch>
+            <a:fillRect/>
+          </a:stretch>
+        </p:blipFill>
+        <p:spPr bwMode="auto">
           <a:xfrm>
-            <a:off x="150158" y="1346528"/>
-            <a:ext cx="3199561" cy="2821458"/>
-            <a:chOff x="600633" y="1325563"/>
-            <a:chExt cx="3199561" cy="2821458"/>
-          </a:xfrm>
-        </p:grpSpPr>
-        <p:sp>
-          <p:nvSpPr>
-            <p:cNvPr id="7" name="TextBox 6">
-              <a:extLst>
-                <a:ext uri="{FF2B5EF4-FFF2-40B4-BE49-F238E27FC236}">
-                  <a16:creationId xmlns:a16="http://schemas.microsoft.com/office/drawing/2014/main" id="{83B3D251-CB63-F803-1431-E03F1B0CF13B}"/>
-                </a:ext>
-              </a:extLst>
-            </p:cNvPr>
-            <p:cNvSpPr txBox="1"/>
-            <p:nvPr/>
-          </p:nvSpPr>
-          <p:spPr>
-            <a:xfrm>
-              <a:off x="1228165" y="1325563"/>
-              <a:ext cx="2097741" cy="369332"/>
-            </a:xfrm>
-            <a:prstGeom prst="rect">
-              <a:avLst/>
-            </a:prstGeom>
-            <a:noFill/>
-          </p:spPr>
-          <p:txBody>
-            <a:bodyPr wrap="square" rtlCol="0">
-              <a:spAutoFit/>
-            </a:bodyPr>
-            <a:lstStyle/>
-            <a:p>
-              <a:pPr algn="ctr"/>
-              <a:r>
-                <a:rPr lang="en-US" dirty="0"/>
-                <a:t>NFM (block 9)</a:t>
-              </a:r>
-            </a:p>
-          </p:txBody>
-        </p:sp>
-        <p:pic>
-          <p:nvPicPr>
-            <p:cNvPr id="1036" name="Picture 12">
-              <a:extLst>
-                <a:ext uri="{FF2B5EF4-FFF2-40B4-BE49-F238E27FC236}">
-                  <a16:creationId xmlns:a16="http://schemas.microsoft.com/office/drawing/2014/main" id="{91DCCE87-8F28-97D0-F8F8-054AAAF2579A}"/>
-                </a:ext>
-              </a:extLst>
-            </p:cNvPr>
-            <p:cNvPicPr>
-              <a:picLocks noChangeAspect="1" noChangeArrowheads="1"/>
-            </p:cNvPicPr>
-            <p:nvPr/>
-          </p:nvPicPr>
-          <p:blipFill>
-            <a:blip r:embed="rId6">
-              <a:extLst>
-                <a:ext uri="{28A0092B-C50C-407E-A947-70E740481C1C}">
-                  <a14:useLocalDpi xmlns:a14="http://schemas.microsoft.com/office/drawing/2010/main" val="0"/>
-                </a:ext>
-              </a:extLst>
-            </a:blip>
-            <a:srcRect/>
-            <a:stretch>
-              <a:fillRect/>
-            </a:stretch>
-          </p:blipFill>
-          <p:spPr bwMode="auto">
-            <a:xfrm>
-              <a:off x="600633" y="1673930"/>
-              <a:ext cx="3199561" cy="2473091"/>
-            </a:xfrm>
-            <a:prstGeom prst="rect">
-              <a:avLst/>
-            </a:prstGeom>
-            <a:noFill/>
-            <a:extLst>
-              <a:ext uri="{909E8E84-426E-40DD-AFC4-6F175D3DCCD1}">
-                <a14:hiddenFill xmlns:a14="http://schemas.microsoft.com/office/drawing/2010/main">
-                  <a:solidFill>
-                    <a:srgbClr val="FFFFFF"/>
-                  </a:solidFill>
-                </a14:hiddenFill>
-              </a:ext>
-            </a:extLst>
-          </p:spPr>
-        </p:pic>
-      </p:grpSp>
+            <a:off x="6221233" y="988363"/>
+            <a:ext cx="2743972" cy="2369368"/>
+          </a:xfrm>
+          <a:prstGeom prst="rect">
+            <a:avLst/>
+          </a:prstGeom>
+          <a:noFill/>
+          <a:extLst>
+            <a:ext uri="{909E8E84-426E-40DD-AFC4-6F175D3DCCD1}">
+              <a14:hiddenFill xmlns:a14="http://schemas.microsoft.com/office/drawing/2010/main">
+                <a:solidFill>
+                  <a:srgbClr val="FFFFFF"/>
+                </a:solidFill>
+              </a14:hiddenFill>
+            </a:ext>
+          </a:extLst>
+        </p:spPr>
+      </p:pic>
+      <p:pic>
+        <p:nvPicPr>
+          <p:cNvPr id="1026" name="Picture 2">
+            <a:extLst>
+              <a:ext uri="{FF2B5EF4-FFF2-40B4-BE49-F238E27FC236}">
+                <a16:creationId xmlns:a16="http://schemas.microsoft.com/office/drawing/2014/main" id="{716598A7-992B-51B1-5249-58935EA79703}"/>
+              </a:ext>
+            </a:extLst>
+          </p:cNvPr>
+          <p:cNvPicPr>
+            <a:picLocks noChangeAspect="1" noChangeArrowheads="1"/>
+          </p:cNvPicPr>
+          <p:nvPr/>
+        </p:nvPicPr>
+        <p:blipFill>
+          <a:blip r:embed="rId6">
+            <a:extLst>
+              <a:ext uri="{28A0092B-C50C-407E-A947-70E740481C1C}">
+                <a14:useLocalDpi xmlns:a14="http://schemas.microsoft.com/office/drawing/2010/main" val="0"/>
+              </a:ext>
+            </a:extLst>
+          </a:blip>
+          <a:srcRect/>
+          <a:stretch>
+            <a:fillRect/>
+          </a:stretch>
+        </p:blipFill>
+        <p:spPr bwMode="auto">
+          <a:xfrm>
+            <a:off x="9020493" y="988363"/>
+            <a:ext cx="2765274" cy="2387762"/>
+          </a:xfrm>
+          <a:prstGeom prst="rect">
+            <a:avLst/>
+          </a:prstGeom>
+          <a:noFill/>
+          <a:extLst>
+            <a:ext uri="{909E8E84-426E-40DD-AFC4-6F175D3DCCD1}">
+              <a14:hiddenFill xmlns:a14="http://schemas.microsoft.com/office/drawing/2010/main">
+                <a:solidFill>
+                  <a:srgbClr val="FFFFFF"/>
+                </a:solidFill>
+              </a14:hiddenFill>
+            </a:ext>
+          </a:extLst>
+        </p:spPr>
+      </p:pic>
+      <p:pic>
+        <p:nvPicPr>
+          <p:cNvPr id="1028" name="Picture 4">
+            <a:extLst>
+              <a:ext uri="{FF2B5EF4-FFF2-40B4-BE49-F238E27FC236}">
+                <a16:creationId xmlns:a16="http://schemas.microsoft.com/office/drawing/2014/main" id="{E06F56E1-1DF8-C06D-3805-9B19205F6B43}"/>
+              </a:ext>
+            </a:extLst>
+          </p:cNvPr>
+          <p:cNvPicPr>
+            <a:picLocks noChangeAspect="1" noChangeArrowheads="1"/>
+          </p:cNvPicPr>
+          <p:nvPr/>
+        </p:nvPicPr>
+        <p:blipFill>
+          <a:blip r:embed="rId7">
+            <a:extLst>
+              <a:ext uri="{28A0092B-C50C-407E-A947-70E740481C1C}">
+                <a14:useLocalDpi xmlns:a14="http://schemas.microsoft.com/office/drawing/2010/main" val="0"/>
+              </a:ext>
+            </a:extLst>
+          </a:blip>
+          <a:srcRect/>
+          <a:stretch>
+            <a:fillRect/>
+          </a:stretch>
+        </p:blipFill>
+        <p:spPr bwMode="auto">
+          <a:xfrm>
+            <a:off x="8926203" y="3350255"/>
+            <a:ext cx="2855584" cy="2119211"/>
+          </a:xfrm>
+          <a:prstGeom prst="rect">
+            <a:avLst/>
+          </a:prstGeom>
+          <a:noFill/>
+          <a:extLst>
+            <a:ext uri="{909E8E84-426E-40DD-AFC4-6F175D3DCCD1}">
+              <a14:hiddenFill xmlns:a14="http://schemas.microsoft.com/office/drawing/2010/main">
+                <a:solidFill>
+                  <a:srgbClr val="FFFFFF"/>
+                </a:solidFill>
+              </a14:hiddenFill>
+            </a:ext>
+          </a:extLst>
+        </p:spPr>
+      </p:pic>
+      <p:pic>
+        <p:nvPicPr>
+          <p:cNvPr id="1030" name="Picture 6">
+            <a:extLst>
+              <a:ext uri="{FF2B5EF4-FFF2-40B4-BE49-F238E27FC236}">
+                <a16:creationId xmlns:a16="http://schemas.microsoft.com/office/drawing/2014/main" id="{CC6C6391-124C-77C0-8799-07814CB30233}"/>
+              </a:ext>
+            </a:extLst>
+          </p:cNvPr>
+          <p:cNvPicPr>
+            <a:picLocks noChangeAspect="1" noChangeArrowheads="1"/>
+          </p:cNvPicPr>
+          <p:nvPr/>
+        </p:nvPicPr>
+        <p:blipFill>
+          <a:blip r:embed="rId8">
+            <a:extLst>
+              <a:ext uri="{28A0092B-C50C-407E-A947-70E740481C1C}">
+                <a14:useLocalDpi xmlns:a14="http://schemas.microsoft.com/office/drawing/2010/main" val="0"/>
+              </a:ext>
+            </a:extLst>
+          </a:blip>
+          <a:srcRect/>
+          <a:stretch>
+            <a:fillRect/>
+          </a:stretch>
+        </p:blipFill>
+        <p:spPr bwMode="auto">
+          <a:xfrm>
+            <a:off x="303000" y="3331632"/>
+            <a:ext cx="2855584" cy="2119211"/>
+          </a:xfrm>
+          <a:prstGeom prst="rect">
+            <a:avLst/>
+          </a:prstGeom>
+          <a:noFill/>
+          <a:extLst>
+            <a:ext uri="{909E8E84-426E-40DD-AFC4-6F175D3DCCD1}">
+              <a14:hiddenFill xmlns:a14="http://schemas.microsoft.com/office/drawing/2010/main">
+                <a:solidFill>
+                  <a:srgbClr val="FFFFFF"/>
+                </a:solidFill>
+              </a14:hiddenFill>
+            </a:ext>
+          </a:extLst>
+        </p:spPr>
+      </p:pic>
+      <p:pic>
+        <p:nvPicPr>
+          <p:cNvPr id="1032" name="Picture 8">
+            <a:extLst>
+              <a:ext uri="{FF2B5EF4-FFF2-40B4-BE49-F238E27FC236}">
+                <a16:creationId xmlns:a16="http://schemas.microsoft.com/office/drawing/2014/main" id="{9D8181B5-409D-9877-6027-5DD6074ABE20}"/>
+              </a:ext>
+            </a:extLst>
+          </p:cNvPr>
+          <p:cNvPicPr>
+            <a:picLocks noChangeAspect="1" noChangeArrowheads="1"/>
+          </p:cNvPicPr>
+          <p:nvPr/>
+        </p:nvPicPr>
+        <p:blipFill>
+          <a:blip r:embed="rId9">
+            <a:extLst>
+              <a:ext uri="{28A0092B-C50C-407E-A947-70E740481C1C}">
+                <a14:useLocalDpi xmlns:a14="http://schemas.microsoft.com/office/drawing/2010/main" val="0"/>
+              </a:ext>
+            </a:extLst>
+          </a:blip>
+          <a:srcRect/>
+          <a:stretch>
+            <a:fillRect/>
+          </a:stretch>
+        </p:blipFill>
+        <p:spPr bwMode="auto">
+          <a:xfrm>
+            <a:off x="366690" y="960428"/>
+            <a:ext cx="2795480" cy="2369368"/>
+          </a:xfrm>
+          <a:prstGeom prst="rect">
+            <a:avLst/>
+          </a:prstGeom>
+          <a:noFill/>
+          <a:extLst>
+            <a:ext uri="{909E8E84-426E-40DD-AFC4-6F175D3DCCD1}">
+              <a14:hiddenFill xmlns:a14="http://schemas.microsoft.com/office/drawing/2010/main">
+                <a:solidFill>
+                  <a:srgbClr val="FFFFFF"/>
+                </a:solidFill>
+              </a14:hiddenFill>
+            </a:ext>
+          </a:extLst>
+        </p:spPr>
+      </p:pic>
     </p:spTree>
     <p:extLst>
       <p:ext uri="{BB962C8B-B14F-4D97-AF65-F5344CB8AC3E}">
-        <p14:creationId xmlns:p14="http://schemas.microsoft.com/office/powerpoint/2010/main" val="1987933111"/>
+        <p14:creationId xmlns:p14="http://schemas.microsoft.com/office/powerpoint/2010/main" val="2724543856"/>
       </p:ext>
     </p:extLst>
   </p:cSld>
@@ -5141,568 +4885,62 @@
       </p:grpSpPr>
       <p:sp>
         <p:nvSpPr>
-          <p:cNvPr id="2" name="Title 1">
-            <a:extLst>
-              <a:ext uri="{FF2B5EF4-FFF2-40B4-BE49-F238E27FC236}">
-                <a16:creationId xmlns:a16="http://schemas.microsoft.com/office/drawing/2014/main" id="{55CD79B8-908B-FF93-BC8E-E64B9BCA618A}"/>
-              </a:ext>
-            </a:extLst>
-          </p:cNvPr>
-          <p:cNvSpPr>
-            <a:spLocks noGrp="1"/>
-          </p:cNvSpPr>
-          <p:nvPr>
-            <p:ph type="title"/>
-          </p:nvPr>
+          <p:cNvPr id="2" name="TextBox 1">
+            <a:extLst>
+              <a:ext uri="{FF2B5EF4-FFF2-40B4-BE49-F238E27FC236}">
+                <a16:creationId xmlns:a16="http://schemas.microsoft.com/office/drawing/2014/main" id="{A9CA8CE6-2846-7F40-35C7-3420E5735C13}"/>
+              </a:ext>
+            </a:extLst>
+          </p:cNvPr>
+          <p:cNvSpPr txBox="1"/>
+          <p:nvPr/>
         </p:nvSpPr>
         <p:spPr>
           <a:xfrm>
-            <a:off x="0" y="0"/>
-            <a:ext cx="10515600" cy="1325563"/>
-          </a:xfrm>
-        </p:spPr>
-        <p:txBody>
-          <a:bodyPr/>
-          <a:lstStyle/>
-          <a:p>
-            <a:r>
-              <a:rPr lang="en-US" dirty="0"/>
-              <a:t>HD6 Charge </a:t>
-            </a:r>
-            <a:r>
-              <a:rPr lang="en-US" dirty="0" err="1"/>
-              <a:t>dists</a:t>
-            </a:r>
-            <a:endParaRPr lang="en-US" dirty="0"/>
-          </a:p>
-        </p:txBody>
-      </p:sp>
-      <p:grpSp>
-        <p:nvGrpSpPr>
-          <p:cNvPr id="3" name="Group 2">
-            <a:extLst>
-              <a:ext uri="{FF2B5EF4-FFF2-40B4-BE49-F238E27FC236}">
-                <a16:creationId xmlns:a16="http://schemas.microsoft.com/office/drawing/2014/main" id="{F7D2EAA2-CEA8-3EF1-DAE4-53513CFDA8BE}"/>
-              </a:ext>
-            </a:extLst>
-          </p:cNvPr>
-          <p:cNvGrpSpPr/>
-          <p:nvPr/>
-        </p:nvGrpSpPr>
-        <p:grpSpPr>
-          <a:xfrm>
-            <a:off x="2192564" y="1586342"/>
-            <a:ext cx="2709791" cy="2160495"/>
-            <a:chOff x="4850873" y="998248"/>
-            <a:chExt cx="3488794" cy="2781588"/>
-          </a:xfrm>
-        </p:grpSpPr>
-        <p:pic>
-          <p:nvPicPr>
-            <p:cNvPr id="4" name="Picture 4">
-              <a:extLst>
-                <a:ext uri="{FF2B5EF4-FFF2-40B4-BE49-F238E27FC236}">
-                  <a16:creationId xmlns:a16="http://schemas.microsoft.com/office/drawing/2014/main" id="{4E7696D2-670A-6A97-54C0-18070D872C09}"/>
-                </a:ext>
-              </a:extLst>
-            </p:cNvPr>
-            <p:cNvPicPr>
-              <a:picLocks noChangeAspect="1" noChangeArrowheads="1"/>
-            </p:cNvPicPr>
-            <p:nvPr/>
-          </p:nvPicPr>
-          <p:blipFill>
-            <a:blip r:embed="rId2">
-              <a:extLst>
-                <a:ext uri="{28A0092B-C50C-407E-A947-70E740481C1C}">
-                  <a14:useLocalDpi xmlns:a14="http://schemas.microsoft.com/office/drawing/2010/main" val="0"/>
-                </a:ext>
-              </a:extLst>
-            </a:blip>
-            <a:srcRect/>
-            <a:stretch>
-              <a:fillRect/>
-            </a:stretch>
-          </p:blipFill>
-          <p:spPr bwMode="auto">
-            <a:xfrm>
-              <a:off x="4850873" y="1182914"/>
-              <a:ext cx="3488794" cy="2596922"/>
-            </a:xfrm>
-            <a:prstGeom prst="rect">
-              <a:avLst/>
-            </a:prstGeom>
-            <a:noFill/>
-            <a:extLst>
-              <a:ext uri="{909E8E84-426E-40DD-AFC4-6F175D3DCCD1}">
-                <a14:hiddenFill xmlns:a14="http://schemas.microsoft.com/office/drawing/2010/main">
-                  <a:solidFill>
-                    <a:srgbClr val="FFFFFF"/>
-                  </a:solidFill>
-                </a14:hiddenFill>
-              </a:ext>
-            </a:extLst>
-          </p:spPr>
-        </p:pic>
-        <p:sp>
-          <p:nvSpPr>
-            <p:cNvPr id="5" name="TextBox 4">
-              <a:extLst>
-                <a:ext uri="{FF2B5EF4-FFF2-40B4-BE49-F238E27FC236}">
-                  <a16:creationId xmlns:a16="http://schemas.microsoft.com/office/drawing/2014/main" id="{F52556DF-952A-7876-8E2D-842BC48D7608}"/>
-                </a:ext>
-              </a:extLst>
-            </p:cNvPr>
-            <p:cNvSpPr txBox="1"/>
-            <p:nvPr/>
-          </p:nvSpPr>
-          <p:spPr>
-            <a:xfrm>
-              <a:off x="6017288" y="998248"/>
-              <a:ext cx="990600" cy="495385"/>
-            </a:xfrm>
-            <a:prstGeom prst="rect">
-              <a:avLst/>
-            </a:prstGeom>
-            <a:noFill/>
-          </p:spPr>
-          <p:txBody>
-            <a:bodyPr wrap="square" rtlCol="0">
-              <a:spAutoFit/>
-            </a:bodyPr>
-            <a:lstStyle/>
-            <a:p>
-              <a:pPr algn="ctr"/>
-              <a:r>
-                <a:rPr lang="en-US" sz="1600" dirty="0"/>
-                <a:t>NFH</a:t>
-              </a:r>
-            </a:p>
-          </p:txBody>
-        </p:sp>
-      </p:grpSp>
-      <p:cxnSp>
-        <p:nvCxnSpPr>
-          <p:cNvPr id="15" name="Straight Arrow Connector 14">
-            <a:extLst>
-              <a:ext uri="{FF2B5EF4-FFF2-40B4-BE49-F238E27FC236}">
-                <a16:creationId xmlns:a16="http://schemas.microsoft.com/office/drawing/2014/main" id="{89FEBABF-2B90-665C-1D84-26B4D2EB0323}"/>
-              </a:ext>
-            </a:extLst>
-          </p:cNvPr>
-          <p:cNvCxnSpPr/>
-          <p:nvPr/>
-        </p:nvCxnSpPr>
-        <p:spPr>
-          <a:xfrm>
-            <a:off x="5306941" y="3662082"/>
-            <a:ext cx="1055261" cy="0"/>
-          </a:xfrm>
-          <a:prstGeom prst="straightConnector1">
+            <a:off x="1494366" y="269522"/>
+            <a:ext cx="9203267" cy="369332"/>
+          </a:xfrm>
+          <a:prstGeom prst="rect">
             <a:avLst/>
           </a:prstGeom>
-          <a:ln w="28575">
-            <a:tailEnd type="triangle"/>
-          </a:ln>
+          <a:noFill/>
         </p:spPr>
-        <p:style>
-          <a:lnRef idx="2">
-            <a:schemeClr val="accent1"/>
-          </a:lnRef>
-          <a:fillRef idx="0">
-            <a:schemeClr val="accent1"/>
-          </a:fillRef>
-          <a:effectRef idx="1">
-            <a:schemeClr val="accent1"/>
-          </a:effectRef>
-          <a:fontRef idx="minor">
-            <a:schemeClr val="tx1"/>
-          </a:fontRef>
-        </p:style>
-      </p:cxnSp>
-      <p:grpSp>
-        <p:nvGrpSpPr>
-          <p:cNvPr id="18" name="Group 17">
-            <a:extLst>
-              <a:ext uri="{FF2B5EF4-FFF2-40B4-BE49-F238E27FC236}">
-                <a16:creationId xmlns:a16="http://schemas.microsoft.com/office/drawing/2014/main" id="{B5EDF6F0-0295-B422-8F8A-F6C92BBB7AFB}"/>
-              </a:ext>
-            </a:extLst>
-          </p:cNvPr>
-          <p:cNvGrpSpPr/>
-          <p:nvPr/>
-        </p:nvGrpSpPr>
-        <p:grpSpPr>
-          <a:xfrm>
-            <a:off x="6651389" y="3922726"/>
-            <a:ext cx="2844087" cy="2315420"/>
-            <a:chOff x="8890663" y="2303870"/>
-            <a:chExt cx="2844087" cy="2315420"/>
-          </a:xfrm>
-        </p:grpSpPr>
-        <p:pic>
-          <p:nvPicPr>
-            <p:cNvPr id="1026" name="Picture 2">
-              <a:extLst>
-                <a:ext uri="{FF2B5EF4-FFF2-40B4-BE49-F238E27FC236}">
-                  <a16:creationId xmlns:a16="http://schemas.microsoft.com/office/drawing/2014/main" id="{DDCBE5BF-82C3-2367-1395-993CCDEE4E7C}"/>
-                </a:ext>
-              </a:extLst>
-            </p:cNvPr>
-            <p:cNvPicPr>
-              <a:picLocks noChangeAspect="1" noChangeArrowheads="1"/>
-            </p:cNvPicPr>
-            <p:nvPr/>
-          </p:nvPicPr>
-          <p:blipFill>
-            <a:blip r:embed="rId3">
-              <a:extLst>
-                <a:ext uri="{28A0092B-C50C-407E-A947-70E740481C1C}">
-                  <a14:useLocalDpi xmlns:a14="http://schemas.microsoft.com/office/drawing/2010/main" val="0"/>
-                </a:ext>
-              </a:extLst>
-            </a:blip>
-            <a:srcRect/>
-            <a:stretch>
-              <a:fillRect/>
-            </a:stretch>
-          </p:blipFill>
-          <p:spPr bwMode="auto">
-            <a:xfrm>
-              <a:off x="8890663" y="2502263"/>
-              <a:ext cx="2844087" cy="2117027"/>
-            </a:xfrm>
-            <a:prstGeom prst="rect">
-              <a:avLst/>
-            </a:prstGeom>
-            <a:noFill/>
-            <a:extLst>
-              <a:ext uri="{909E8E84-426E-40DD-AFC4-6F175D3DCCD1}">
-                <a14:hiddenFill xmlns:a14="http://schemas.microsoft.com/office/drawing/2010/main">
-                  <a:solidFill>
-                    <a:srgbClr val="FFFFFF"/>
-                  </a:solidFill>
-                </a14:hiddenFill>
-              </a:ext>
-            </a:extLst>
-          </p:spPr>
-        </p:pic>
-        <p:sp>
-          <p:nvSpPr>
-            <p:cNvPr id="16" name="TextBox 15">
-              <a:extLst>
-                <a:ext uri="{FF2B5EF4-FFF2-40B4-BE49-F238E27FC236}">
-                  <a16:creationId xmlns:a16="http://schemas.microsoft.com/office/drawing/2014/main" id="{E50FB535-D21C-0FD5-3D49-9E74C68AC16B}"/>
-                </a:ext>
-              </a:extLst>
-            </p:cNvPr>
-            <p:cNvSpPr txBox="1"/>
-            <p:nvPr/>
-          </p:nvSpPr>
-          <p:spPr>
-            <a:xfrm>
-              <a:off x="9639230" y="2303870"/>
-              <a:ext cx="1265520" cy="369332"/>
-            </a:xfrm>
-            <a:prstGeom prst="rect">
-              <a:avLst/>
-            </a:prstGeom>
-            <a:noFill/>
-          </p:spPr>
-          <p:txBody>
-            <a:bodyPr wrap="square" rtlCol="0">
-              <a:spAutoFit/>
-            </a:bodyPr>
-            <a:lstStyle/>
-            <a:p>
-              <a:pPr algn="ctr"/>
-              <a:r>
-                <a:rPr lang="en-US" dirty="0" err="1"/>
-                <a:t>pNFH_DE</a:t>
-              </a:r>
-              <a:endParaRPr lang="en-US" dirty="0"/>
-            </a:p>
-          </p:txBody>
-        </p:sp>
-      </p:grpSp>
-      <p:grpSp>
-        <p:nvGrpSpPr>
-          <p:cNvPr id="20" name="Group 19">
-            <a:extLst>
-              <a:ext uri="{FF2B5EF4-FFF2-40B4-BE49-F238E27FC236}">
-                <a16:creationId xmlns:a16="http://schemas.microsoft.com/office/drawing/2014/main" id="{5FF0BA18-74F1-A708-E910-092B7F19F6CC}"/>
-              </a:ext>
-            </a:extLst>
-          </p:cNvPr>
-          <p:cNvGrpSpPr/>
-          <p:nvPr/>
-        </p:nvGrpSpPr>
-        <p:grpSpPr>
-          <a:xfrm>
-            <a:off x="6719047" y="1491465"/>
-            <a:ext cx="2853930" cy="2377004"/>
-            <a:chOff x="4743141" y="2903208"/>
-            <a:chExt cx="2853930" cy="2377004"/>
-          </a:xfrm>
-        </p:grpSpPr>
-        <p:pic>
-          <p:nvPicPr>
-            <p:cNvPr id="21" name="Picture 2">
-              <a:extLst>
-                <a:ext uri="{FF2B5EF4-FFF2-40B4-BE49-F238E27FC236}">
-                  <a16:creationId xmlns:a16="http://schemas.microsoft.com/office/drawing/2014/main" id="{4CA89550-4687-F6E2-A921-B705E271D963}"/>
-                </a:ext>
-              </a:extLst>
-            </p:cNvPr>
-            <p:cNvPicPr>
-              <a:picLocks noChangeAspect="1" noChangeArrowheads="1"/>
-            </p:cNvPicPr>
-            <p:nvPr/>
-          </p:nvPicPr>
-          <p:blipFill>
-            <a:blip r:embed="rId4">
-              <a:extLst>
-                <a:ext uri="{28A0092B-C50C-407E-A947-70E740481C1C}">
-                  <a14:useLocalDpi xmlns:a14="http://schemas.microsoft.com/office/drawing/2010/main" val="0"/>
-                </a:ext>
-              </a:extLst>
-            </a:blip>
-            <a:srcRect/>
-            <a:stretch>
-              <a:fillRect/>
-            </a:stretch>
-          </p:blipFill>
-          <p:spPr bwMode="auto">
-            <a:xfrm>
-              <a:off x="4743141" y="3155858"/>
-              <a:ext cx="2853930" cy="2124354"/>
-            </a:xfrm>
-            <a:prstGeom prst="rect">
-              <a:avLst/>
-            </a:prstGeom>
-            <a:noFill/>
-            <a:extLst>
-              <a:ext uri="{909E8E84-426E-40DD-AFC4-6F175D3DCCD1}">
-                <a14:hiddenFill xmlns:a14="http://schemas.microsoft.com/office/drawing/2010/main">
-                  <a:solidFill>
-                    <a:srgbClr val="FFFFFF"/>
-                  </a:solidFill>
-                </a14:hiddenFill>
-              </a:ext>
-            </a:extLst>
-          </p:spPr>
-        </p:pic>
-        <p:sp>
-          <p:nvSpPr>
-            <p:cNvPr id="22" name="TextBox 21">
-              <a:extLst>
-                <a:ext uri="{FF2B5EF4-FFF2-40B4-BE49-F238E27FC236}">
-                  <a16:creationId xmlns:a16="http://schemas.microsoft.com/office/drawing/2014/main" id="{23E2DBF0-7527-0350-8678-4589108B123A}"/>
-                </a:ext>
-              </a:extLst>
-            </p:cNvPr>
-            <p:cNvSpPr txBox="1"/>
-            <p:nvPr/>
-          </p:nvSpPr>
-          <p:spPr>
-            <a:xfrm>
-              <a:off x="5464767" y="2903208"/>
-              <a:ext cx="1265520" cy="369332"/>
-            </a:xfrm>
-            <a:prstGeom prst="rect">
-              <a:avLst/>
-            </a:prstGeom>
-            <a:noFill/>
-          </p:spPr>
-          <p:txBody>
-            <a:bodyPr wrap="square" rtlCol="0">
-              <a:spAutoFit/>
-            </a:bodyPr>
-            <a:lstStyle/>
-            <a:p>
-              <a:pPr algn="ctr"/>
-              <a:r>
-                <a:rPr lang="en-US" dirty="0"/>
-                <a:t>NFH_DE-4</a:t>
-              </a:r>
-            </a:p>
-          </p:txBody>
-        </p:sp>
-      </p:grpSp>
-      <p:grpSp>
-        <p:nvGrpSpPr>
-          <p:cNvPr id="14" name="Group 13">
-            <a:extLst>
-              <a:ext uri="{FF2B5EF4-FFF2-40B4-BE49-F238E27FC236}">
-                <a16:creationId xmlns:a16="http://schemas.microsoft.com/office/drawing/2014/main" id="{477128A5-1C7C-55A8-3734-67A5FBE8F5A6}"/>
-              </a:ext>
-            </a:extLst>
-          </p:cNvPr>
-          <p:cNvGrpSpPr/>
-          <p:nvPr/>
-        </p:nvGrpSpPr>
-        <p:grpSpPr>
-          <a:xfrm>
-            <a:off x="2063869" y="3868469"/>
-            <a:ext cx="2853930" cy="2331745"/>
-            <a:chOff x="681978" y="4006811"/>
-            <a:chExt cx="2853930" cy="2331745"/>
-          </a:xfrm>
-        </p:grpSpPr>
-        <p:pic>
-          <p:nvPicPr>
-            <p:cNvPr id="9" name="Picture 2">
-              <a:extLst>
-                <a:ext uri="{FF2B5EF4-FFF2-40B4-BE49-F238E27FC236}">
-                  <a16:creationId xmlns:a16="http://schemas.microsoft.com/office/drawing/2014/main" id="{B7F6A609-7AFD-AA50-725B-36BB4219CDEE}"/>
-                </a:ext>
-              </a:extLst>
-            </p:cNvPr>
-            <p:cNvPicPr>
-              <a:picLocks noChangeAspect="1" noChangeArrowheads="1"/>
-            </p:cNvPicPr>
-            <p:nvPr/>
-          </p:nvPicPr>
-          <p:blipFill>
-            <a:blip r:embed="rId5">
-              <a:extLst>
-                <a:ext uri="{28A0092B-C50C-407E-A947-70E740481C1C}">
-                  <a14:useLocalDpi xmlns:a14="http://schemas.microsoft.com/office/drawing/2010/main" val="0"/>
-                </a:ext>
-              </a:extLst>
-            </a:blip>
-            <a:srcRect/>
-            <a:stretch>
-              <a:fillRect/>
-            </a:stretch>
-          </p:blipFill>
-          <p:spPr bwMode="auto">
-            <a:xfrm>
-              <a:off x="681978" y="4214202"/>
-              <a:ext cx="2853930" cy="2124354"/>
-            </a:xfrm>
-            <a:prstGeom prst="rect">
-              <a:avLst/>
-            </a:prstGeom>
-            <a:noFill/>
-            <a:extLst>
-              <a:ext uri="{909E8E84-426E-40DD-AFC4-6F175D3DCCD1}">
-                <a14:hiddenFill xmlns:a14="http://schemas.microsoft.com/office/drawing/2010/main">
-                  <a:solidFill>
-                    <a:srgbClr val="FFFFFF"/>
-                  </a:solidFill>
-                </a14:hiddenFill>
-              </a:ext>
-            </a:extLst>
-          </p:spPr>
-        </p:pic>
-        <p:sp>
-          <p:nvSpPr>
-            <p:cNvPr id="11" name="TextBox 10">
-              <a:extLst>
-                <a:ext uri="{FF2B5EF4-FFF2-40B4-BE49-F238E27FC236}">
-                  <a16:creationId xmlns:a16="http://schemas.microsoft.com/office/drawing/2014/main" id="{71CEE169-B540-5880-663D-E7FDF9F715FE}"/>
-                </a:ext>
-              </a:extLst>
-            </p:cNvPr>
-            <p:cNvSpPr txBox="1"/>
-            <p:nvPr/>
-          </p:nvSpPr>
-          <p:spPr>
-            <a:xfrm>
-              <a:off x="1637286" y="4006811"/>
-              <a:ext cx="769412" cy="338554"/>
-            </a:xfrm>
-            <a:prstGeom prst="rect">
-              <a:avLst/>
-            </a:prstGeom>
-            <a:noFill/>
-          </p:spPr>
-          <p:txBody>
-            <a:bodyPr wrap="square" rtlCol="0">
-              <a:spAutoFit/>
-            </a:bodyPr>
-            <a:lstStyle/>
-            <a:p>
-              <a:pPr algn="ctr"/>
-              <a:r>
-                <a:rPr lang="en-US" sz="1600" dirty="0" err="1"/>
-                <a:t>pNFH</a:t>
-              </a:r>
-              <a:endParaRPr lang="en-US" sz="1600" dirty="0"/>
-            </a:p>
-          </p:txBody>
-        </p:sp>
-      </p:grpSp>
-    </p:spTree>
-    <p:extLst>
-      <p:ext uri="{BB962C8B-B14F-4D97-AF65-F5344CB8AC3E}">
-        <p14:creationId xmlns:p14="http://schemas.microsoft.com/office/powerpoint/2010/main" val="2892405498"/>
-      </p:ext>
-    </p:extLst>
-  </p:cSld>
-  <p:clrMapOvr>
-    <a:masterClrMapping/>
-  </p:clrMapOvr>
-</p:sld>
-</file>
-
-<file path=ppt/slides/slide6.xml><?xml version="1.0" encoding="utf-8"?>
-<p:sld xmlns:a="http://schemas.openxmlformats.org/drawingml/2006/main" xmlns:r="http://schemas.openxmlformats.org/officeDocument/2006/relationships" xmlns:p="http://schemas.openxmlformats.org/presentationml/2006/main">
-  <p:cSld>
-    <p:spTree>
-      <p:nvGrpSpPr>
-        <p:cNvPr id="1" name=""/>
-        <p:cNvGrpSpPr/>
-        <p:nvPr/>
-      </p:nvGrpSpPr>
-      <p:grpSpPr>
-        <a:xfrm>
-          <a:off x="0" y="0"/>
-          <a:ext cx="0" cy="0"/>
-          <a:chOff x="0" y="0"/>
-          <a:chExt cx="0" cy="0"/>
-        </a:xfrm>
-      </p:grpSpPr>
-      <p:sp>
-        <p:nvSpPr>
-          <p:cNvPr id="2" name="Title 1">
-            <a:extLst>
-              <a:ext uri="{FF2B5EF4-FFF2-40B4-BE49-F238E27FC236}">
-                <a16:creationId xmlns:a16="http://schemas.microsoft.com/office/drawing/2014/main" id="{167C802B-8A16-9561-820B-BB63D8E24CB3}"/>
-              </a:ext>
-            </a:extLst>
-          </p:cNvPr>
-          <p:cNvSpPr>
-            <a:spLocks noGrp="1"/>
-          </p:cNvSpPr>
-          <p:nvPr>
-            <p:ph type="title"/>
-          </p:nvPr>
-        </p:nvSpPr>
-        <p:spPr>
-          <a:xfrm>
-            <a:off x="0" y="0"/>
-            <a:ext cx="10515600" cy="1325563"/>
-          </a:xfrm>
-        </p:spPr>
-        <p:txBody>
-          <a:bodyPr/>
-          <a:lstStyle/>
-          <a:p>
+        <p:txBody>
+          <a:bodyPr wrap="square" rtlCol="0">
+            <a:spAutoFit/>
+          </a:bodyPr>
+          <a:lstStyle/>
+          <a:p>
+            <a:pPr algn="ctr"/>
             <a:r>
               <a:rPr lang="en-US" dirty="0"/>
-              <a:t>Height response</a:t>
+              <a:t>Binary NFM:NFL; </a:t>
+            </a:r>
+            <a:r>
+              <a:rPr lang="en-US" dirty="0" err="1"/>
+              <a:t>sigma_total</a:t>
+            </a:r>
+            <a:r>
+              <a:rPr lang="en-US" dirty="0"/>
+              <a:t> = 0.03 c/nm2; </a:t>
+            </a:r>
+            <a:r>
+              <a:rPr lang="en-US" dirty="0" err="1"/>
+              <a:t>bv</a:t>
+            </a:r>
+            <a:r>
+              <a:rPr lang="en-US" dirty="0"/>
+              <a:t> = (0.6, 0.05)</a:t>
             </a:r>
           </a:p>
         </p:txBody>
       </p:sp>
       <p:pic>
         <p:nvPicPr>
-          <p:cNvPr id="16" name="Picture 2">
-            <a:extLst>
-              <a:ext uri="{FF2B5EF4-FFF2-40B4-BE49-F238E27FC236}">
-                <a16:creationId xmlns:a16="http://schemas.microsoft.com/office/drawing/2014/main" id="{387FDCD7-2AB8-D944-140B-CB014F7F8B3D}"/>
+          <p:cNvPr id="2050" name="Picture 2">
+            <a:extLst>
+              <a:ext uri="{FF2B5EF4-FFF2-40B4-BE49-F238E27FC236}">
+                <a16:creationId xmlns:a16="http://schemas.microsoft.com/office/drawing/2014/main" id="{FDE7D464-0304-2AA8-5596-8D453F2994BB}"/>
               </a:ext>
             </a:extLst>
           </p:cNvPr>
@@ -5711,7 +4949,7 @@
           </p:cNvPicPr>
           <p:nvPr/>
         </p:nvPicPr>
-        <p:blipFill rotWithShape="1">
+        <p:blipFill>
           <a:blip r:embed="rId2">
             <a:extLst>
               <a:ext uri="{28A0092B-C50C-407E-A947-70E740481C1C}">
@@ -5719,21 +4957,20 @@
               </a:ext>
             </a:extLst>
           </a:blip>
-          <a:srcRect t="55984" r="71065"/>
-          <a:stretch/>
+          <a:srcRect/>
+          <a:stretch>
+            <a:fillRect/>
+          </a:stretch>
         </p:blipFill>
         <p:spPr bwMode="auto">
           <a:xfrm>
-            <a:off x="2605638" y="1920015"/>
-            <a:ext cx="2652162" cy="3627570"/>
+            <a:off x="9144378" y="1000982"/>
+            <a:ext cx="2765625" cy="2344064"/>
           </a:xfrm>
           <a:prstGeom prst="rect">
             <a:avLst/>
           </a:prstGeom>
           <a:noFill/>
-          <a:ln>
-            <a:noFill/>
-          </a:ln>
           <a:extLst>
             <a:ext uri="{909E8E84-426E-40DD-AFC4-6F175D3DCCD1}">
               <a14:hiddenFill xmlns:a14="http://schemas.microsoft.com/office/drawing/2010/main">
@@ -5742,25 +4979,15 @@
                 </a:solidFill>
               </a14:hiddenFill>
             </a:ext>
-            <a:ext uri="{91240B29-F687-4F45-9708-019B960494DF}">
-              <a14:hiddenLine xmlns:a14="http://schemas.microsoft.com/office/drawing/2010/main" w="9525">
-                <a:solidFill>
-                  <a:srgbClr val="000000"/>
-                </a:solidFill>
-                <a:miter lim="800000"/>
-                <a:headEnd/>
-                <a:tailEnd/>
-              </a14:hiddenLine>
-            </a:ext>
           </a:extLst>
         </p:spPr>
       </p:pic>
       <p:pic>
         <p:nvPicPr>
-          <p:cNvPr id="3" name="Picture 2">
-            <a:extLst>
-              <a:ext uri="{FF2B5EF4-FFF2-40B4-BE49-F238E27FC236}">
-                <a16:creationId xmlns:a16="http://schemas.microsoft.com/office/drawing/2014/main" id="{865470D4-658D-3F8B-F14A-4613AC1E9931}"/>
+          <p:cNvPr id="2052" name="Picture 4">
+            <a:extLst>
+              <a:ext uri="{FF2B5EF4-FFF2-40B4-BE49-F238E27FC236}">
+                <a16:creationId xmlns:a16="http://schemas.microsoft.com/office/drawing/2014/main" id="{D9192E39-0831-4D6A-C904-8951E54C9908}"/>
               </a:ext>
             </a:extLst>
           </p:cNvPr>
@@ -5784,8 +5011,290 @@
         </p:blipFill>
         <p:spPr bwMode="auto">
           <a:xfrm>
-            <a:off x="6375561" y="2152650"/>
-            <a:ext cx="3706018" cy="2902743"/>
+            <a:off x="9055744" y="3429000"/>
+            <a:ext cx="2931846" cy="2140507"/>
+          </a:xfrm>
+          <a:prstGeom prst="rect">
+            <a:avLst/>
+          </a:prstGeom>
+          <a:noFill/>
+          <a:extLst>
+            <a:ext uri="{909E8E84-426E-40DD-AFC4-6F175D3DCCD1}">
+              <a14:hiddenFill xmlns:a14="http://schemas.microsoft.com/office/drawing/2010/main">
+                <a:solidFill>
+                  <a:srgbClr val="FFFFFF"/>
+                </a:solidFill>
+              </a14:hiddenFill>
+            </a:ext>
+          </a:extLst>
+        </p:spPr>
+      </p:pic>
+      <p:pic>
+        <p:nvPicPr>
+          <p:cNvPr id="2054" name="Picture 6">
+            <a:extLst>
+              <a:ext uri="{FF2B5EF4-FFF2-40B4-BE49-F238E27FC236}">
+                <a16:creationId xmlns:a16="http://schemas.microsoft.com/office/drawing/2014/main" id="{D025C30B-25B2-81D7-B981-0A209D74E1D3}"/>
+              </a:ext>
+            </a:extLst>
+          </p:cNvPr>
+          <p:cNvPicPr>
+            <a:picLocks noChangeAspect="1" noChangeArrowheads="1"/>
+          </p:cNvPicPr>
+          <p:nvPr/>
+        </p:nvPicPr>
+        <p:blipFill>
+          <a:blip r:embed="rId4">
+            <a:extLst>
+              <a:ext uri="{28A0092B-C50C-407E-A947-70E740481C1C}">
+                <a14:useLocalDpi xmlns:a14="http://schemas.microsoft.com/office/drawing/2010/main" val="0"/>
+              </a:ext>
+            </a:extLst>
+          </a:blip>
+          <a:srcRect/>
+          <a:stretch>
+            <a:fillRect/>
+          </a:stretch>
+        </p:blipFill>
+        <p:spPr bwMode="auto">
+          <a:xfrm>
+            <a:off x="6155362" y="1000982"/>
+            <a:ext cx="2765625" cy="2344064"/>
+          </a:xfrm>
+          <a:prstGeom prst="rect">
+            <a:avLst/>
+          </a:prstGeom>
+          <a:noFill/>
+          <a:extLst>
+            <a:ext uri="{909E8E84-426E-40DD-AFC4-6F175D3DCCD1}">
+              <a14:hiddenFill xmlns:a14="http://schemas.microsoft.com/office/drawing/2010/main">
+                <a:solidFill>
+                  <a:srgbClr val="FFFFFF"/>
+                </a:solidFill>
+              </a14:hiddenFill>
+            </a:ext>
+          </a:extLst>
+        </p:spPr>
+      </p:pic>
+      <p:pic>
+        <p:nvPicPr>
+          <p:cNvPr id="2056" name="Picture 8">
+            <a:extLst>
+              <a:ext uri="{FF2B5EF4-FFF2-40B4-BE49-F238E27FC236}">
+                <a16:creationId xmlns:a16="http://schemas.microsoft.com/office/drawing/2014/main" id="{16668E61-F277-B031-6A9B-910AF21EC607}"/>
+              </a:ext>
+            </a:extLst>
+          </p:cNvPr>
+          <p:cNvPicPr>
+            <a:picLocks noChangeAspect="1" noChangeArrowheads="1"/>
+          </p:cNvPicPr>
+          <p:nvPr/>
+        </p:nvPicPr>
+        <p:blipFill>
+          <a:blip r:embed="rId5">
+            <a:extLst>
+              <a:ext uri="{28A0092B-C50C-407E-A947-70E740481C1C}">
+                <a14:useLocalDpi xmlns:a14="http://schemas.microsoft.com/office/drawing/2010/main" val="0"/>
+              </a:ext>
+            </a:extLst>
+          </a:blip>
+          <a:srcRect/>
+          <a:stretch>
+            <a:fillRect/>
+          </a:stretch>
+        </p:blipFill>
+        <p:spPr bwMode="auto">
+          <a:xfrm>
+            <a:off x="6072251" y="3429000"/>
+            <a:ext cx="2931846" cy="2140507"/>
+          </a:xfrm>
+          <a:prstGeom prst="rect">
+            <a:avLst/>
+          </a:prstGeom>
+          <a:noFill/>
+          <a:extLst>
+            <a:ext uri="{909E8E84-426E-40DD-AFC4-6F175D3DCCD1}">
+              <a14:hiddenFill xmlns:a14="http://schemas.microsoft.com/office/drawing/2010/main">
+                <a:solidFill>
+                  <a:srgbClr val="FFFFFF"/>
+                </a:solidFill>
+              </a14:hiddenFill>
+            </a:ext>
+          </a:extLst>
+        </p:spPr>
+      </p:pic>
+      <p:pic>
+        <p:nvPicPr>
+          <p:cNvPr id="2058" name="Picture 10">
+            <a:extLst>
+              <a:ext uri="{FF2B5EF4-FFF2-40B4-BE49-F238E27FC236}">
+                <a16:creationId xmlns:a16="http://schemas.microsoft.com/office/drawing/2014/main" id="{9BFB64BC-316B-75A9-743B-97BD9062E674}"/>
+              </a:ext>
+            </a:extLst>
+          </p:cNvPr>
+          <p:cNvPicPr>
+            <a:picLocks noChangeAspect="1" noChangeArrowheads="1"/>
+          </p:cNvPicPr>
+          <p:nvPr/>
+        </p:nvPicPr>
+        <p:blipFill>
+          <a:blip r:embed="rId6">
+            <a:extLst>
+              <a:ext uri="{28A0092B-C50C-407E-A947-70E740481C1C}">
+                <a14:useLocalDpi xmlns:a14="http://schemas.microsoft.com/office/drawing/2010/main" val="0"/>
+              </a:ext>
+            </a:extLst>
+          </a:blip>
+          <a:srcRect/>
+          <a:stretch>
+            <a:fillRect/>
+          </a:stretch>
+        </p:blipFill>
+        <p:spPr bwMode="auto">
+          <a:xfrm>
+            <a:off x="3171869" y="1000982"/>
+            <a:ext cx="2765625" cy="2344064"/>
+          </a:xfrm>
+          <a:prstGeom prst="rect">
+            <a:avLst/>
+          </a:prstGeom>
+          <a:noFill/>
+          <a:extLst>
+            <a:ext uri="{909E8E84-426E-40DD-AFC4-6F175D3DCCD1}">
+              <a14:hiddenFill xmlns:a14="http://schemas.microsoft.com/office/drawing/2010/main">
+                <a:solidFill>
+                  <a:srgbClr val="FFFFFF"/>
+                </a:solidFill>
+              </a14:hiddenFill>
+            </a:ext>
+          </a:extLst>
+        </p:spPr>
+      </p:pic>
+      <p:pic>
+        <p:nvPicPr>
+          <p:cNvPr id="2060" name="Picture 12">
+            <a:extLst>
+              <a:ext uri="{FF2B5EF4-FFF2-40B4-BE49-F238E27FC236}">
+                <a16:creationId xmlns:a16="http://schemas.microsoft.com/office/drawing/2014/main" id="{2FE38CA5-DB32-ECA4-AB02-AECBB4A226A6}"/>
+              </a:ext>
+            </a:extLst>
+          </p:cNvPr>
+          <p:cNvPicPr>
+            <a:picLocks noChangeAspect="1" noChangeArrowheads="1"/>
+          </p:cNvPicPr>
+          <p:nvPr/>
+        </p:nvPicPr>
+        <p:blipFill>
+          <a:blip r:embed="rId7">
+            <a:extLst>
+              <a:ext uri="{28A0092B-C50C-407E-A947-70E740481C1C}">
+                <a14:useLocalDpi xmlns:a14="http://schemas.microsoft.com/office/drawing/2010/main" val="0"/>
+              </a:ext>
+            </a:extLst>
+          </a:blip>
+          <a:srcRect/>
+          <a:stretch>
+            <a:fillRect/>
+          </a:stretch>
+        </p:blipFill>
+        <p:spPr bwMode="auto">
+          <a:xfrm>
+            <a:off x="3088758" y="3428998"/>
+            <a:ext cx="2931846" cy="2140507"/>
+          </a:xfrm>
+          <a:prstGeom prst="rect">
+            <a:avLst/>
+          </a:prstGeom>
+          <a:noFill/>
+          <a:extLst>
+            <a:ext uri="{909E8E84-426E-40DD-AFC4-6F175D3DCCD1}">
+              <a14:hiddenFill xmlns:a14="http://schemas.microsoft.com/office/drawing/2010/main">
+                <a:solidFill>
+                  <a:srgbClr val="FFFFFF"/>
+                </a:solidFill>
+              </a14:hiddenFill>
+            </a:ext>
+          </a:extLst>
+        </p:spPr>
+      </p:pic>
+      <p:pic>
+        <p:nvPicPr>
+          <p:cNvPr id="2062" name="Picture 14">
+            <a:extLst>
+              <a:ext uri="{FF2B5EF4-FFF2-40B4-BE49-F238E27FC236}">
+                <a16:creationId xmlns:a16="http://schemas.microsoft.com/office/drawing/2014/main" id="{EBF45BB8-CBFE-2627-CB0A-3F348059554E}"/>
+              </a:ext>
+            </a:extLst>
+          </p:cNvPr>
+          <p:cNvPicPr>
+            <a:picLocks noChangeAspect="1" noChangeArrowheads="1"/>
+          </p:cNvPicPr>
+          <p:nvPr/>
+        </p:nvPicPr>
+        <p:blipFill>
+          <a:blip r:embed="rId8">
+            <a:extLst>
+              <a:ext uri="{28A0092B-C50C-407E-A947-70E740481C1C}">
+                <a14:useLocalDpi xmlns:a14="http://schemas.microsoft.com/office/drawing/2010/main" val="0"/>
+              </a:ext>
+            </a:extLst>
+          </a:blip>
+          <a:srcRect/>
+          <a:stretch>
+            <a:fillRect/>
+          </a:stretch>
+        </p:blipFill>
+        <p:spPr bwMode="auto">
+          <a:xfrm>
+            <a:off x="240023" y="3428997"/>
+            <a:ext cx="2931846" cy="2140507"/>
+          </a:xfrm>
+          <a:prstGeom prst="rect">
+            <a:avLst/>
+          </a:prstGeom>
+          <a:noFill/>
+          <a:extLst>
+            <a:ext uri="{909E8E84-426E-40DD-AFC4-6F175D3DCCD1}">
+              <a14:hiddenFill xmlns:a14="http://schemas.microsoft.com/office/drawing/2010/main">
+                <a:solidFill>
+                  <a:srgbClr val="FFFFFF"/>
+                </a:solidFill>
+              </a14:hiddenFill>
+            </a:ext>
+          </a:extLst>
+        </p:spPr>
+      </p:pic>
+      <p:pic>
+        <p:nvPicPr>
+          <p:cNvPr id="2064" name="Picture 16">
+            <a:extLst>
+              <a:ext uri="{FF2B5EF4-FFF2-40B4-BE49-F238E27FC236}">
+                <a16:creationId xmlns:a16="http://schemas.microsoft.com/office/drawing/2014/main" id="{485E0754-FE6E-A481-78AF-2A4891D1AC44}"/>
+              </a:ext>
+            </a:extLst>
+          </p:cNvPr>
+          <p:cNvPicPr>
+            <a:picLocks noChangeAspect="1" noChangeArrowheads="1"/>
+          </p:cNvPicPr>
+          <p:nvPr/>
+        </p:nvPicPr>
+        <p:blipFill>
+          <a:blip r:embed="rId9">
+            <a:extLst>
+              <a:ext uri="{28A0092B-C50C-407E-A947-70E740481C1C}">
+                <a14:useLocalDpi xmlns:a14="http://schemas.microsoft.com/office/drawing/2010/main" val="0"/>
+              </a:ext>
+            </a:extLst>
+          </a:blip>
+          <a:srcRect/>
+          <a:stretch>
+            <a:fillRect/>
+          </a:stretch>
+        </p:blipFill>
+        <p:spPr bwMode="auto">
+          <a:xfrm>
+            <a:off x="323133" y="1000982"/>
+            <a:ext cx="2765625" cy="2344064"/>
           </a:xfrm>
           <a:prstGeom prst="rect">
             <a:avLst/>
@@ -5805,1363 +5314,7 @@
     </p:spTree>
     <p:extLst>
       <p:ext uri="{BB962C8B-B14F-4D97-AF65-F5344CB8AC3E}">
-        <p14:creationId xmlns:p14="http://schemas.microsoft.com/office/powerpoint/2010/main" val="1185364547"/>
-      </p:ext>
-    </p:extLst>
-  </p:cSld>
-  <p:clrMapOvr>
-    <a:masterClrMapping/>
-  </p:clrMapOvr>
-</p:sld>
-</file>
-
-<file path=ppt/slides/slide7.xml><?xml version="1.0" encoding="utf-8"?>
-<p:sld xmlns:a="http://schemas.openxmlformats.org/drawingml/2006/main" xmlns:r="http://schemas.openxmlformats.org/officeDocument/2006/relationships" xmlns:p="http://schemas.openxmlformats.org/presentationml/2006/main">
-  <p:cSld>
-    <p:spTree>
-      <p:nvGrpSpPr>
-        <p:cNvPr id="1" name=""/>
-        <p:cNvGrpSpPr/>
-        <p:nvPr/>
-      </p:nvGrpSpPr>
-      <p:grpSpPr>
-        <a:xfrm>
-          <a:off x="0" y="0"/>
-          <a:ext cx="0" cy="0"/>
-          <a:chOff x="0" y="0"/>
-          <a:chExt cx="0" cy="0"/>
-        </a:xfrm>
-      </p:grpSpPr>
-      <p:sp>
-        <p:nvSpPr>
-          <p:cNvPr id="2" name="Title 1">
-            <a:extLst>
-              <a:ext uri="{FF2B5EF4-FFF2-40B4-BE49-F238E27FC236}">
-                <a16:creationId xmlns:a16="http://schemas.microsoft.com/office/drawing/2014/main" id="{55CD79B8-908B-FF93-BC8E-E64B9BCA618A}"/>
-              </a:ext>
-            </a:extLst>
-          </p:cNvPr>
-          <p:cNvSpPr>
-            <a:spLocks noGrp="1"/>
-          </p:cNvSpPr>
-          <p:nvPr>
-            <p:ph type="title"/>
-          </p:nvPr>
-        </p:nvSpPr>
-        <p:spPr>
-          <a:xfrm>
-            <a:off x="0" y="0"/>
-            <a:ext cx="10515600" cy="1325563"/>
-          </a:xfrm>
-        </p:spPr>
-        <p:txBody>
-          <a:bodyPr/>
-          <a:lstStyle/>
-          <a:p>
-            <a:r>
-              <a:rPr lang="en-US" dirty="0"/>
-              <a:t>Temp - D6 </a:t>
-            </a:r>
-          </a:p>
-        </p:txBody>
-      </p:sp>
-      <p:grpSp>
-        <p:nvGrpSpPr>
-          <p:cNvPr id="3" name="Group 2">
-            <a:extLst>
-              <a:ext uri="{FF2B5EF4-FFF2-40B4-BE49-F238E27FC236}">
-                <a16:creationId xmlns:a16="http://schemas.microsoft.com/office/drawing/2014/main" id="{F7D2EAA2-CEA8-3EF1-DAE4-53513CFDA8BE}"/>
-              </a:ext>
-            </a:extLst>
-          </p:cNvPr>
-          <p:cNvGrpSpPr/>
-          <p:nvPr/>
-        </p:nvGrpSpPr>
-        <p:grpSpPr>
-          <a:xfrm>
-            <a:off x="659562" y="1697965"/>
-            <a:ext cx="2709791" cy="2160495"/>
-            <a:chOff x="4850873" y="998248"/>
-            <a:chExt cx="3488794" cy="2781588"/>
-          </a:xfrm>
-        </p:grpSpPr>
-        <p:pic>
-          <p:nvPicPr>
-            <p:cNvPr id="4" name="Picture 4">
-              <a:extLst>
-                <a:ext uri="{FF2B5EF4-FFF2-40B4-BE49-F238E27FC236}">
-                  <a16:creationId xmlns:a16="http://schemas.microsoft.com/office/drawing/2014/main" id="{4E7696D2-670A-6A97-54C0-18070D872C09}"/>
-                </a:ext>
-              </a:extLst>
-            </p:cNvPr>
-            <p:cNvPicPr>
-              <a:picLocks noChangeAspect="1" noChangeArrowheads="1"/>
-            </p:cNvPicPr>
-            <p:nvPr/>
-          </p:nvPicPr>
-          <p:blipFill>
-            <a:blip r:embed="rId2">
-              <a:extLst>
-                <a:ext uri="{28A0092B-C50C-407E-A947-70E740481C1C}">
-                  <a14:useLocalDpi xmlns:a14="http://schemas.microsoft.com/office/drawing/2010/main" val="0"/>
-                </a:ext>
-              </a:extLst>
-            </a:blip>
-            <a:srcRect/>
-            <a:stretch>
-              <a:fillRect/>
-            </a:stretch>
-          </p:blipFill>
-          <p:spPr bwMode="auto">
-            <a:xfrm>
-              <a:off x="4850873" y="1182914"/>
-              <a:ext cx="3488794" cy="2596922"/>
-            </a:xfrm>
-            <a:prstGeom prst="rect">
-              <a:avLst/>
-            </a:prstGeom>
-            <a:noFill/>
-            <a:extLst>
-              <a:ext uri="{909E8E84-426E-40DD-AFC4-6F175D3DCCD1}">
-                <a14:hiddenFill xmlns:a14="http://schemas.microsoft.com/office/drawing/2010/main">
-                  <a:solidFill>
-                    <a:srgbClr val="FFFFFF"/>
-                  </a:solidFill>
-                </a14:hiddenFill>
-              </a:ext>
-            </a:extLst>
-          </p:spPr>
-        </p:pic>
-        <p:sp>
-          <p:nvSpPr>
-            <p:cNvPr id="5" name="TextBox 4">
-              <a:extLst>
-                <a:ext uri="{FF2B5EF4-FFF2-40B4-BE49-F238E27FC236}">
-                  <a16:creationId xmlns:a16="http://schemas.microsoft.com/office/drawing/2014/main" id="{F52556DF-952A-7876-8E2D-842BC48D7608}"/>
-                </a:ext>
-              </a:extLst>
-            </p:cNvPr>
-            <p:cNvSpPr txBox="1"/>
-            <p:nvPr/>
-          </p:nvSpPr>
-          <p:spPr>
-            <a:xfrm>
-              <a:off x="6017288" y="998248"/>
-              <a:ext cx="990600" cy="495385"/>
-            </a:xfrm>
-            <a:prstGeom prst="rect">
-              <a:avLst/>
-            </a:prstGeom>
-            <a:noFill/>
-          </p:spPr>
-          <p:txBody>
-            <a:bodyPr wrap="square" rtlCol="0">
-              <a:spAutoFit/>
-            </a:bodyPr>
-            <a:lstStyle/>
-            <a:p>
-              <a:pPr algn="ctr"/>
-              <a:r>
-                <a:rPr lang="en-US" sz="1600" dirty="0"/>
-                <a:t>NFH</a:t>
-              </a:r>
-            </a:p>
-          </p:txBody>
-        </p:sp>
-      </p:grpSp>
-      <p:grpSp>
-        <p:nvGrpSpPr>
-          <p:cNvPr id="6" name="Group 5">
-            <a:extLst>
-              <a:ext uri="{FF2B5EF4-FFF2-40B4-BE49-F238E27FC236}">
-                <a16:creationId xmlns:a16="http://schemas.microsoft.com/office/drawing/2014/main" id="{CEDE0966-440E-5554-EE8D-538ED4E73121}"/>
-              </a:ext>
-            </a:extLst>
-          </p:cNvPr>
-          <p:cNvGrpSpPr/>
-          <p:nvPr/>
-        </p:nvGrpSpPr>
-        <p:grpSpPr>
-          <a:xfrm>
-            <a:off x="4426690" y="70111"/>
-            <a:ext cx="3666412" cy="1891798"/>
-            <a:chOff x="5659863" y="3899416"/>
-            <a:chExt cx="5031507" cy="2596162"/>
-          </a:xfrm>
-        </p:grpSpPr>
-        <p:pic>
-          <p:nvPicPr>
-            <p:cNvPr id="7" name="Picture 4">
-              <a:extLst>
-                <a:ext uri="{FF2B5EF4-FFF2-40B4-BE49-F238E27FC236}">
-                  <a16:creationId xmlns:a16="http://schemas.microsoft.com/office/drawing/2014/main" id="{6DA4BCF1-1331-1436-BA5B-E1980A928F17}"/>
-                </a:ext>
-              </a:extLst>
-            </p:cNvPr>
-            <p:cNvPicPr>
-              <a:picLocks noChangeAspect="1" noChangeArrowheads="1"/>
-            </p:cNvPicPr>
-            <p:nvPr/>
-          </p:nvPicPr>
-          <p:blipFill>
-            <a:blip r:embed="rId3">
-              <a:extLst>
-                <a:ext uri="{28A0092B-C50C-407E-A947-70E740481C1C}">
-                  <a14:useLocalDpi xmlns:a14="http://schemas.microsoft.com/office/drawing/2010/main" val="0"/>
-                </a:ext>
-              </a:extLst>
-            </a:blip>
-            <a:srcRect/>
-            <a:stretch>
-              <a:fillRect/>
-            </a:stretch>
-          </p:blipFill>
-          <p:spPr bwMode="auto">
-            <a:xfrm>
-              <a:off x="5659863" y="3899416"/>
-              <a:ext cx="3487773" cy="2596162"/>
-            </a:xfrm>
-            <a:prstGeom prst="rect">
-              <a:avLst/>
-            </a:prstGeom>
-            <a:noFill/>
-            <a:extLst>
-              <a:ext uri="{909E8E84-426E-40DD-AFC4-6F175D3DCCD1}">
-                <a14:hiddenFill xmlns:a14="http://schemas.microsoft.com/office/drawing/2010/main">
-                  <a:solidFill>
-                    <a:srgbClr val="FFFFFF"/>
-                  </a:solidFill>
-                </a14:hiddenFill>
-              </a:ext>
-            </a:extLst>
-          </p:spPr>
-        </p:pic>
-        <p:sp>
-          <p:nvSpPr>
-            <p:cNvPr id="8" name="TextBox 7">
-              <a:extLst>
-                <a:ext uri="{FF2B5EF4-FFF2-40B4-BE49-F238E27FC236}">
-                  <a16:creationId xmlns:a16="http://schemas.microsoft.com/office/drawing/2014/main" id="{FBE27F0D-DDD7-A4B0-5E0F-2DE8CD4029BA}"/>
-                </a:ext>
-              </a:extLst>
-            </p:cNvPr>
-            <p:cNvSpPr txBox="1"/>
-            <p:nvPr/>
-          </p:nvSpPr>
-          <p:spPr>
-            <a:xfrm>
-              <a:off x="9142390" y="4792527"/>
-              <a:ext cx="1548980" cy="506844"/>
-            </a:xfrm>
-            <a:prstGeom prst="rect">
-              <a:avLst/>
-            </a:prstGeom>
-            <a:noFill/>
-          </p:spPr>
-          <p:txBody>
-            <a:bodyPr wrap="square" rtlCol="0">
-              <a:spAutoFit/>
-            </a:bodyPr>
-            <a:lstStyle/>
-            <a:p>
-              <a:pPr algn="ctr"/>
-              <a:r>
-                <a:rPr lang="en-US" dirty="0"/>
-                <a:t>NFH_DE</a:t>
-              </a:r>
-            </a:p>
-          </p:txBody>
-        </p:sp>
-      </p:grpSp>
-      <p:grpSp>
-        <p:nvGrpSpPr>
-          <p:cNvPr id="13" name="Group 12">
-            <a:extLst>
-              <a:ext uri="{FF2B5EF4-FFF2-40B4-BE49-F238E27FC236}">
-                <a16:creationId xmlns:a16="http://schemas.microsoft.com/office/drawing/2014/main" id="{080B01BE-3983-355D-31B2-58E7B30113F6}"/>
-              </a:ext>
-            </a:extLst>
-          </p:cNvPr>
-          <p:cNvGrpSpPr/>
-          <p:nvPr/>
-        </p:nvGrpSpPr>
-        <p:grpSpPr>
-          <a:xfrm>
-            <a:off x="4444369" y="1665925"/>
-            <a:ext cx="3802125" cy="1891087"/>
-            <a:chOff x="5467700" y="3056965"/>
-            <a:chExt cx="4053881" cy="2016304"/>
-          </a:xfrm>
-        </p:grpSpPr>
-        <p:pic>
-          <p:nvPicPr>
-            <p:cNvPr id="10" name="Picture 8">
-              <a:extLst>
-                <a:ext uri="{FF2B5EF4-FFF2-40B4-BE49-F238E27FC236}">
-                  <a16:creationId xmlns:a16="http://schemas.microsoft.com/office/drawing/2014/main" id="{84AA54F2-14F1-3AEA-F51B-05C597C4B204}"/>
-                </a:ext>
-              </a:extLst>
-            </p:cNvPr>
-            <p:cNvPicPr>
-              <a:picLocks noChangeAspect="1" noChangeArrowheads="1"/>
-            </p:cNvPicPr>
-            <p:nvPr/>
-          </p:nvPicPr>
-          <p:blipFill>
-            <a:blip r:embed="rId4">
-              <a:extLst>
-                <a:ext uri="{28A0092B-C50C-407E-A947-70E740481C1C}">
-                  <a14:useLocalDpi xmlns:a14="http://schemas.microsoft.com/office/drawing/2010/main" val="0"/>
-                </a:ext>
-              </a:extLst>
-            </a:blip>
-            <a:srcRect/>
-            <a:stretch>
-              <a:fillRect/>
-            </a:stretch>
-          </p:blipFill>
-          <p:spPr bwMode="auto">
-            <a:xfrm>
-              <a:off x="5467700" y="3056965"/>
-              <a:ext cx="2708772" cy="2016304"/>
-            </a:xfrm>
-            <a:prstGeom prst="rect">
-              <a:avLst/>
-            </a:prstGeom>
-            <a:noFill/>
-            <a:extLst>
-              <a:ext uri="{909E8E84-426E-40DD-AFC4-6F175D3DCCD1}">
-                <a14:hiddenFill xmlns:a14="http://schemas.microsoft.com/office/drawing/2010/main">
-                  <a:solidFill>
-                    <a:srgbClr val="FFFFFF"/>
-                  </a:solidFill>
-                </a14:hiddenFill>
-              </a:ext>
-            </a:extLst>
-          </p:spPr>
-        </p:pic>
-        <p:sp>
-          <p:nvSpPr>
-            <p:cNvPr id="12" name="TextBox 11">
-              <a:extLst>
-                <a:ext uri="{FF2B5EF4-FFF2-40B4-BE49-F238E27FC236}">
-                  <a16:creationId xmlns:a16="http://schemas.microsoft.com/office/drawing/2014/main" id="{157BF48D-0D3C-2542-F248-F308F5FCA962}"/>
-                </a:ext>
-              </a:extLst>
-            </p:cNvPr>
-            <p:cNvSpPr txBox="1"/>
-            <p:nvPr/>
-          </p:nvSpPr>
-          <p:spPr>
-            <a:xfrm>
-              <a:off x="8099205" y="3704901"/>
-              <a:ext cx="1422376" cy="393787"/>
-            </a:xfrm>
-            <a:prstGeom prst="rect">
-              <a:avLst/>
-            </a:prstGeom>
-            <a:noFill/>
-          </p:spPr>
-          <p:txBody>
-            <a:bodyPr wrap="square" rtlCol="0">
-              <a:spAutoFit/>
-            </a:bodyPr>
-            <a:lstStyle/>
-            <a:p>
-              <a:pPr algn="ctr"/>
-              <a:r>
-                <a:rPr lang="en-US" dirty="0"/>
-                <a:t>NFH_DE-2</a:t>
-              </a:r>
-            </a:p>
-          </p:txBody>
-        </p:sp>
-      </p:grpSp>
-      <p:cxnSp>
-        <p:nvCxnSpPr>
-          <p:cNvPr id="15" name="Straight Arrow Connector 14">
-            <a:extLst>
-              <a:ext uri="{FF2B5EF4-FFF2-40B4-BE49-F238E27FC236}">
-                <a16:creationId xmlns:a16="http://schemas.microsoft.com/office/drawing/2014/main" id="{89FEBABF-2B90-665C-1D84-26B4D2EB0323}"/>
-              </a:ext>
-            </a:extLst>
-          </p:cNvPr>
-          <p:cNvCxnSpPr>
-            <a:cxnSpLocks/>
-          </p:cNvCxnSpPr>
-          <p:nvPr/>
-        </p:nvCxnSpPr>
-        <p:spPr>
-          <a:xfrm flipV="1">
-            <a:off x="3563274" y="1543298"/>
-            <a:ext cx="846054" cy="1007739"/>
-          </a:xfrm>
-          <a:prstGeom prst="straightConnector1">
-            <a:avLst/>
-          </a:prstGeom>
-          <a:ln w="28575">
-            <a:tailEnd type="triangle"/>
-          </a:ln>
-        </p:spPr>
-        <p:style>
-          <a:lnRef idx="2">
-            <a:schemeClr val="accent1"/>
-          </a:lnRef>
-          <a:fillRef idx="0">
-            <a:schemeClr val="accent1"/>
-          </a:fillRef>
-          <a:effectRef idx="1">
-            <a:schemeClr val="accent1"/>
-          </a:effectRef>
-          <a:fontRef idx="minor">
-            <a:schemeClr val="tx1"/>
-          </a:fontRef>
-        </p:style>
-      </p:cxnSp>
-      <p:grpSp>
-        <p:nvGrpSpPr>
-          <p:cNvPr id="19" name="Group 18">
-            <a:extLst>
-              <a:ext uri="{FF2B5EF4-FFF2-40B4-BE49-F238E27FC236}">
-                <a16:creationId xmlns:a16="http://schemas.microsoft.com/office/drawing/2014/main" id="{7A60D6AB-9F3A-B419-4FD8-A96251EF75CA}"/>
-              </a:ext>
-            </a:extLst>
-          </p:cNvPr>
-          <p:cNvGrpSpPr/>
-          <p:nvPr/>
-        </p:nvGrpSpPr>
-        <p:grpSpPr>
-          <a:xfrm>
-            <a:off x="4464597" y="3258487"/>
-            <a:ext cx="3781898" cy="1891798"/>
-            <a:chOff x="5456183" y="4840937"/>
-            <a:chExt cx="4032315" cy="2017063"/>
-          </a:xfrm>
-        </p:grpSpPr>
-        <p:pic>
-          <p:nvPicPr>
-            <p:cNvPr id="2052" name="Picture 4">
-              <a:extLst>
-                <a:ext uri="{FF2B5EF4-FFF2-40B4-BE49-F238E27FC236}">
-                  <a16:creationId xmlns:a16="http://schemas.microsoft.com/office/drawing/2014/main" id="{163F9B59-31D3-97A9-D4F0-C116E8FAF9AD}"/>
-                </a:ext>
-              </a:extLst>
-            </p:cNvPr>
-            <p:cNvPicPr>
-              <a:picLocks noChangeAspect="1" noChangeArrowheads="1"/>
-            </p:cNvPicPr>
-            <p:nvPr/>
-          </p:nvPicPr>
-          <p:blipFill>
-            <a:blip r:embed="rId5">
-              <a:extLst>
-                <a:ext uri="{28A0092B-C50C-407E-A947-70E740481C1C}">
-                  <a14:useLocalDpi xmlns:a14="http://schemas.microsoft.com/office/drawing/2010/main" val="0"/>
-                </a:ext>
-              </a:extLst>
-            </a:blip>
-            <a:srcRect/>
-            <a:stretch>
-              <a:fillRect/>
-            </a:stretch>
-          </p:blipFill>
-          <p:spPr bwMode="auto">
-            <a:xfrm>
-              <a:off x="5456183" y="4840937"/>
-              <a:ext cx="2705717" cy="2017063"/>
-            </a:xfrm>
-            <a:prstGeom prst="rect">
-              <a:avLst/>
-            </a:prstGeom>
-            <a:noFill/>
-            <a:extLst>
-              <a:ext uri="{909E8E84-426E-40DD-AFC4-6F175D3DCCD1}">
-                <a14:hiddenFill xmlns:a14="http://schemas.microsoft.com/office/drawing/2010/main">
-                  <a:solidFill>
-                    <a:srgbClr val="FFFFFF"/>
-                  </a:solidFill>
-                </a14:hiddenFill>
-              </a:ext>
-            </a:extLst>
-          </p:spPr>
-        </p:pic>
-        <p:sp>
-          <p:nvSpPr>
-            <p:cNvPr id="17" name="TextBox 16">
-              <a:extLst>
-                <a:ext uri="{FF2B5EF4-FFF2-40B4-BE49-F238E27FC236}">
-                  <a16:creationId xmlns:a16="http://schemas.microsoft.com/office/drawing/2014/main" id="{A6F795E3-E14E-ABC1-66BA-5C40483B4F2F}"/>
-                </a:ext>
-              </a:extLst>
-            </p:cNvPr>
-            <p:cNvSpPr txBox="1"/>
-            <p:nvPr/>
-          </p:nvSpPr>
-          <p:spPr>
-            <a:xfrm>
-              <a:off x="8121778" y="5517345"/>
-              <a:ext cx="1366720" cy="393787"/>
-            </a:xfrm>
-            <a:prstGeom prst="rect">
-              <a:avLst/>
-            </a:prstGeom>
-            <a:noFill/>
-          </p:spPr>
-          <p:txBody>
-            <a:bodyPr wrap="square" rtlCol="0">
-              <a:spAutoFit/>
-            </a:bodyPr>
-            <a:lstStyle/>
-            <a:p>
-              <a:pPr algn="ctr"/>
-              <a:r>
-                <a:rPr lang="en-US" dirty="0"/>
-                <a:t>NFH_DE-3</a:t>
-              </a:r>
-            </a:p>
-          </p:txBody>
-        </p:sp>
-      </p:grpSp>
-      <p:grpSp>
-        <p:nvGrpSpPr>
-          <p:cNvPr id="18" name="Group 17">
-            <a:extLst>
-              <a:ext uri="{FF2B5EF4-FFF2-40B4-BE49-F238E27FC236}">
-                <a16:creationId xmlns:a16="http://schemas.microsoft.com/office/drawing/2014/main" id="{B5EDF6F0-0295-B422-8F8A-F6C92BBB7AFB}"/>
-              </a:ext>
-            </a:extLst>
-          </p:cNvPr>
-          <p:cNvGrpSpPr/>
-          <p:nvPr/>
-        </p:nvGrpSpPr>
-        <p:grpSpPr>
-          <a:xfrm>
-            <a:off x="9219533" y="3702802"/>
-            <a:ext cx="2708772" cy="2276281"/>
-            <a:chOff x="8989276" y="2303870"/>
-            <a:chExt cx="2708772" cy="2276281"/>
-          </a:xfrm>
-        </p:grpSpPr>
-        <p:pic>
-          <p:nvPicPr>
-            <p:cNvPr id="1026" name="Picture 2">
-              <a:extLst>
-                <a:ext uri="{FF2B5EF4-FFF2-40B4-BE49-F238E27FC236}">
-                  <a16:creationId xmlns:a16="http://schemas.microsoft.com/office/drawing/2014/main" id="{DDCBE5BF-82C3-2367-1395-993CCDEE4E7C}"/>
-                </a:ext>
-              </a:extLst>
-            </p:cNvPr>
-            <p:cNvPicPr>
-              <a:picLocks noChangeAspect="1" noChangeArrowheads="1"/>
-            </p:cNvPicPr>
-            <p:nvPr/>
-          </p:nvPicPr>
-          <p:blipFill>
-            <a:blip r:embed="rId6">
-              <a:extLst>
-                <a:ext uri="{28A0092B-C50C-407E-A947-70E740481C1C}">
-                  <a14:useLocalDpi xmlns:a14="http://schemas.microsoft.com/office/drawing/2010/main" val="0"/>
-                </a:ext>
-              </a:extLst>
-            </a:blip>
-            <a:srcRect/>
-            <a:stretch>
-              <a:fillRect/>
-            </a:stretch>
-          </p:blipFill>
-          <p:spPr bwMode="auto">
-            <a:xfrm>
-              <a:off x="8989276" y="2563847"/>
-              <a:ext cx="2708772" cy="2016304"/>
-            </a:xfrm>
-            <a:prstGeom prst="rect">
-              <a:avLst/>
-            </a:prstGeom>
-            <a:noFill/>
-            <a:extLst>
-              <a:ext uri="{909E8E84-426E-40DD-AFC4-6F175D3DCCD1}">
-                <a14:hiddenFill xmlns:a14="http://schemas.microsoft.com/office/drawing/2010/main">
-                  <a:solidFill>
-                    <a:srgbClr val="FFFFFF"/>
-                  </a:solidFill>
-                </a14:hiddenFill>
-              </a:ext>
-            </a:extLst>
-          </p:spPr>
-        </p:pic>
-        <p:sp>
-          <p:nvSpPr>
-            <p:cNvPr id="16" name="TextBox 15">
-              <a:extLst>
-                <a:ext uri="{FF2B5EF4-FFF2-40B4-BE49-F238E27FC236}">
-                  <a16:creationId xmlns:a16="http://schemas.microsoft.com/office/drawing/2014/main" id="{E50FB535-D21C-0FD5-3D49-9E74C68AC16B}"/>
-                </a:ext>
-              </a:extLst>
-            </p:cNvPr>
-            <p:cNvSpPr txBox="1"/>
-            <p:nvPr/>
-          </p:nvSpPr>
-          <p:spPr>
-            <a:xfrm>
-              <a:off x="9639230" y="2303870"/>
-              <a:ext cx="1265520" cy="369332"/>
-            </a:xfrm>
-            <a:prstGeom prst="rect">
-              <a:avLst/>
-            </a:prstGeom>
-            <a:noFill/>
-          </p:spPr>
-          <p:txBody>
-            <a:bodyPr wrap="square" rtlCol="0">
-              <a:spAutoFit/>
-            </a:bodyPr>
-            <a:lstStyle/>
-            <a:p>
-              <a:pPr algn="ctr"/>
-              <a:r>
-                <a:rPr lang="en-US" dirty="0" err="1"/>
-                <a:t>pNFH_DE</a:t>
-              </a:r>
-              <a:endParaRPr lang="en-US" dirty="0"/>
-            </a:p>
-          </p:txBody>
-        </p:sp>
-      </p:grpSp>
-      <p:grpSp>
-        <p:nvGrpSpPr>
-          <p:cNvPr id="20" name="Group 19">
-            <a:extLst>
-              <a:ext uri="{FF2B5EF4-FFF2-40B4-BE49-F238E27FC236}">
-                <a16:creationId xmlns:a16="http://schemas.microsoft.com/office/drawing/2014/main" id="{5FF0BA18-74F1-A708-E910-092B7F19F6CC}"/>
-              </a:ext>
-            </a:extLst>
-          </p:cNvPr>
-          <p:cNvGrpSpPr/>
-          <p:nvPr/>
-        </p:nvGrpSpPr>
-        <p:grpSpPr>
-          <a:xfrm>
-            <a:off x="4375833" y="4840943"/>
-            <a:ext cx="3958538" cy="1992426"/>
-            <a:chOff x="4743141" y="3155858"/>
-            <a:chExt cx="4220651" cy="2124354"/>
-          </a:xfrm>
-        </p:grpSpPr>
-        <p:pic>
-          <p:nvPicPr>
-            <p:cNvPr id="21" name="Picture 2">
-              <a:extLst>
-                <a:ext uri="{FF2B5EF4-FFF2-40B4-BE49-F238E27FC236}">
-                  <a16:creationId xmlns:a16="http://schemas.microsoft.com/office/drawing/2014/main" id="{4CA89550-4687-F6E2-A921-B705E271D963}"/>
-                </a:ext>
-              </a:extLst>
-            </p:cNvPr>
-            <p:cNvPicPr>
-              <a:picLocks noChangeAspect="1" noChangeArrowheads="1"/>
-            </p:cNvPicPr>
-            <p:nvPr/>
-          </p:nvPicPr>
-          <p:blipFill>
-            <a:blip r:embed="rId7">
-              <a:extLst>
-                <a:ext uri="{28A0092B-C50C-407E-A947-70E740481C1C}">
-                  <a14:useLocalDpi xmlns:a14="http://schemas.microsoft.com/office/drawing/2010/main" val="0"/>
-                </a:ext>
-              </a:extLst>
-            </a:blip>
-            <a:srcRect/>
-            <a:stretch>
-              <a:fillRect/>
-            </a:stretch>
-          </p:blipFill>
-          <p:spPr bwMode="auto">
-            <a:xfrm>
-              <a:off x="4743141" y="3155858"/>
-              <a:ext cx="2853930" cy="2124354"/>
-            </a:xfrm>
-            <a:prstGeom prst="rect">
-              <a:avLst/>
-            </a:prstGeom>
-            <a:noFill/>
-            <a:extLst>
-              <a:ext uri="{909E8E84-426E-40DD-AFC4-6F175D3DCCD1}">
-                <a14:hiddenFill xmlns:a14="http://schemas.microsoft.com/office/drawing/2010/main">
-                  <a:solidFill>
-                    <a:srgbClr val="FFFFFF"/>
-                  </a:solidFill>
-                </a14:hiddenFill>
-              </a:ext>
-            </a:extLst>
-          </p:spPr>
-        </p:pic>
-        <p:sp>
-          <p:nvSpPr>
-            <p:cNvPr id="22" name="TextBox 21">
-              <a:extLst>
-                <a:ext uri="{FF2B5EF4-FFF2-40B4-BE49-F238E27FC236}">
-                  <a16:creationId xmlns:a16="http://schemas.microsoft.com/office/drawing/2014/main" id="{23E2DBF0-7527-0350-8678-4589108B123A}"/>
-                </a:ext>
-              </a:extLst>
-            </p:cNvPr>
-            <p:cNvSpPr txBox="1"/>
-            <p:nvPr/>
-          </p:nvSpPr>
-          <p:spPr>
-            <a:xfrm>
-              <a:off x="7597070" y="3891287"/>
-              <a:ext cx="1366722" cy="393787"/>
-            </a:xfrm>
-            <a:prstGeom prst="rect">
-              <a:avLst/>
-            </a:prstGeom>
-            <a:noFill/>
-          </p:spPr>
-          <p:txBody>
-            <a:bodyPr wrap="square" rtlCol="0">
-              <a:spAutoFit/>
-            </a:bodyPr>
-            <a:lstStyle/>
-            <a:p>
-              <a:pPr algn="ctr"/>
-              <a:r>
-                <a:rPr lang="en-US" dirty="0"/>
-                <a:t>NFH_DE-4</a:t>
-              </a:r>
-            </a:p>
-          </p:txBody>
-        </p:sp>
-      </p:grpSp>
-      <p:grpSp>
-        <p:nvGrpSpPr>
-          <p:cNvPr id="11" name="Group 10">
-            <a:extLst>
-              <a:ext uri="{FF2B5EF4-FFF2-40B4-BE49-F238E27FC236}">
-                <a16:creationId xmlns:a16="http://schemas.microsoft.com/office/drawing/2014/main" id="{783C9E78-27D5-2469-1FBF-189A6F15E0C9}"/>
-              </a:ext>
-            </a:extLst>
-          </p:cNvPr>
-          <p:cNvGrpSpPr/>
-          <p:nvPr/>
-        </p:nvGrpSpPr>
-        <p:grpSpPr>
-          <a:xfrm>
-            <a:off x="635954" y="4120652"/>
-            <a:ext cx="2733399" cy="2207587"/>
-            <a:chOff x="575303" y="4472724"/>
-            <a:chExt cx="2844088" cy="2296983"/>
-          </a:xfrm>
-        </p:grpSpPr>
-        <p:pic>
-          <p:nvPicPr>
-            <p:cNvPr id="1028" name="Picture 4">
-              <a:extLst>
-                <a:ext uri="{FF2B5EF4-FFF2-40B4-BE49-F238E27FC236}">
-                  <a16:creationId xmlns:a16="http://schemas.microsoft.com/office/drawing/2014/main" id="{88A6F66A-0754-611B-3808-3478F6BF6261}"/>
-                </a:ext>
-              </a:extLst>
-            </p:cNvPr>
-            <p:cNvPicPr>
-              <a:picLocks noChangeAspect="1" noChangeArrowheads="1"/>
-            </p:cNvPicPr>
-            <p:nvPr/>
-          </p:nvPicPr>
-          <p:blipFill>
-            <a:blip r:embed="rId8">
-              <a:extLst>
-                <a:ext uri="{28A0092B-C50C-407E-A947-70E740481C1C}">
-                  <a14:useLocalDpi xmlns:a14="http://schemas.microsoft.com/office/drawing/2010/main" val="0"/>
-                </a:ext>
-              </a:extLst>
-            </a:blip>
-            <a:srcRect/>
-            <a:stretch>
-              <a:fillRect/>
-            </a:stretch>
-          </p:blipFill>
-          <p:spPr bwMode="auto">
-            <a:xfrm>
-              <a:off x="575303" y="4652679"/>
-              <a:ext cx="2844088" cy="2117028"/>
-            </a:xfrm>
-            <a:prstGeom prst="rect">
-              <a:avLst/>
-            </a:prstGeom>
-            <a:noFill/>
-            <a:extLst>
-              <a:ext uri="{909E8E84-426E-40DD-AFC4-6F175D3DCCD1}">
-                <a14:hiddenFill xmlns:a14="http://schemas.microsoft.com/office/drawing/2010/main">
-                  <a:solidFill>
-                    <a:srgbClr val="FFFFFF"/>
-                  </a:solidFill>
-                </a14:hiddenFill>
-              </a:ext>
-            </a:extLst>
-          </p:spPr>
-        </p:pic>
-        <p:sp>
-          <p:nvSpPr>
-            <p:cNvPr id="9" name="TextBox 8">
-              <a:extLst>
-                <a:ext uri="{FF2B5EF4-FFF2-40B4-BE49-F238E27FC236}">
-                  <a16:creationId xmlns:a16="http://schemas.microsoft.com/office/drawing/2014/main" id="{ECCB1E28-A53B-0F38-A093-FBAF6516F77D}"/>
-                </a:ext>
-              </a:extLst>
-            </p:cNvPr>
-            <p:cNvSpPr txBox="1"/>
-            <p:nvPr/>
-          </p:nvSpPr>
-          <p:spPr>
-            <a:xfrm>
-              <a:off x="1556828" y="4472724"/>
-              <a:ext cx="769412" cy="338554"/>
-            </a:xfrm>
-            <a:prstGeom prst="rect">
-              <a:avLst/>
-            </a:prstGeom>
-            <a:noFill/>
-          </p:spPr>
-          <p:txBody>
-            <a:bodyPr wrap="square" rtlCol="0">
-              <a:spAutoFit/>
-            </a:bodyPr>
-            <a:lstStyle/>
-            <a:p>
-              <a:pPr algn="ctr"/>
-              <a:r>
-                <a:rPr lang="en-US" sz="1600" dirty="0"/>
-                <a:t>NFH2</a:t>
-              </a:r>
-            </a:p>
-          </p:txBody>
-        </p:sp>
-      </p:grpSp>
-      <p:cxnSp>
-        <p:nvCxnSpPr>
-          <p:cNvPr id="23" name="Straight Arrow Connector 22">
-            <a:extLst>
-              <a:ext uri="{FF2B5EF4-FFF2-40B4-BE49-F238E27FC236}">
-                <a16:creationId xmlns:a16="http://schemas.microsoft.com/office/drawing/2014/main" id="{DEE2F2C8-1F02-64C0-8A9C-00F412114141}"/>
-              </a:ext>
-            </a:extLst>
-          </p:cNvPr>
-          <p:cNvCxnSpPr>
-            <a:cxnSpLocks/>
-          </p:cNvCxnSpPr>
-          <p:nvPr/>
-        </p:nvCxnSpPr>
-        <p:spPr>
-          <a:xfrm>
-            <a:off x="3612611" y="5269144"/>
-            <a:ext cx="646568" cy="350606"/>
-          </a:xfrm>
-          <a:prstGeom prst="straightConnector1">
-            <a:avLst/>
-          </a:prstGeom>
-          <a:ln w="28575">
-            <a:tailEnd type="triangle"/>
-          </a:ln>
-        </p:spPr>
-        <p:style>
-          <a:lnRef idx="2">
-            <a:schemeClr val="accent1"/>
-          </a:lnRef>
-          <a:fillRef idx="0">
-            <a:schemeClr val="accent1"/>
-          </a:fillRef>
-          <a:effectRef idx="1">
-            <a:schemeClr val="accent1"/>
-          </a:effectRef>
-          <a:fontRef idx="minor">
-            <a:schemeClr val="tx1"/>
-          </a:fontRef>
-        </p:style>
-      </p:cxnSp>
-      <p:grpSp>
-        <p:nvGrpSpPr>
-          <p:cNvPr id="28" name="Group 27">
-            <a:extLst>
-              <a:ext uri="{FF2B5EF4-FFF2-40B4-BE49-F238E27FC236}">
-                <a16:creationId xmlns:a16="http://schemas.microsoft.com/office/drawing/2014/main" id="{4C30B2C5-6997-7B62-F999-AB0DE047C063}"/>
-              </a:ext>
-            </a:extLst>
-          </p:cNvPr>
-          <p:cNvGrpSpPr/>
-          <p:nvPr/>
-        </p:nvGrpSpPr>
-        <p:grpSpPr>
-          <a:xfrm>
-            <a:off x="9094817" y="380461"/>
-            <a:ext cx="2853930" cy="2331745"/>
-            <a:chOff x="681978" y="4006811"/>
-            <a:chExt cx="2853930" cy="2331745"/>
-          </a:xfrm>
-        </p:grpSpPr>
-        <p:pic>
-          <p:nvPicPr>
-            <p:cNvPr id="29" name="Picture 2">
-              <a:extLst>
-                <a:ext uri="{FF2B5EF4-FFF2-40B4-BE49-F238E27FC236}">
-                  <a16:creationId xmlns:a16="http://schemas.microsoft.com/office/drawing/2014/main" id="{254F49B3-8CBC-A0BA-750E-2494A0284CF0}"/>
-                </a:ext>
-              </a:extLst>
-            </p:cNvPr>
-            <p:cNvPicPr>
-              <a:picLocks noChangeAspect="1" noChangeArrowheads="1"/>
-            </p:cNvPicPr>
-            <p:nvPr/>
-          </p:nvPicPr>
-          <p:blipFill>
-            <a:blip r:embed="rId9">
-              <a:extLst>
-                <a:ext uri="{28A0092B-C50C-407E-A947-70E740481C1C}">
-                  <a14:useLocalDpi xmlns:a14="http://schemas.microsoft.com/office/drawing/2010/main" val="0"/>
-                </a:ext>
-              </a:extLst>
-            </a:blip>
-            <a:srcRect/>
-            <a:stretch>
-              <a:fillRect/>
-            </a:stretch>
-          </p:blipFill>
-          <p:spPr bwMode="auto">
-            <a:xfrm>
-              <a:off x="681978" y="4214202"/>
-              <a:ext cx="2853930" cy="2124354"/>
-            </a:xfrm>
-            <a:prstGeom prst="rect">
-              <a:avLst/>
-            </a:prstGeom>
-            <a:noFill/>
-            <a:extLst>
-              <a:ext uri="{909E8E84-426E-40DD-AFC4-6F175D3DCCD1}">
-                <a14:hiddenFill xmlns:a14="http://schemas.microsoft.com/office/drawing/2010/main">
-                  <a:solidFill>
-                    <a:srgbClr val="FFFFFF"/>
-                  </a:solidFill>
-                </a14:hiddenFill>
-              </a:ext>
-            </a:extLst>
-          </p:spPr>
-        </p:pic>
-        <p:sp>
-          <p:nvSpPr>
-            <p:cNvPr id="30" name="TextBox 29">
-              <a:extLst>
-                <a:ext uri="{FF2B5EF4-FFF2-40B4-BE49-F238E27FC236}">
-                  <a16:creationId xmlns:a16="http://schemas.microsoft.com/office/drawing/2014/main" id="{4E34D84B-E3D7-E58D-422D-27A39A945A17}"/>
-                </a:ext>
-              </a:extLst>
-            </p:cNvPr>
-            <p:cNvSpPr txBox="1"/>
-            <p:nvPr/>
-          </p:nvSpPr>
-          <p:spPr>
-            <a:xfrm>
-              <a:off x="1637286" y="4006811"/>
-              <a:ext cx="769412" cy="338554"/>
-            </a:xfrm>
-            <a:prstGeom prst="rect">
-              <a:avLst/>
-            </a:prstGeom>
-            <a:noFill/>
-          </p:spPr>
-          <p:txBody>
-            <a:bodyPr wrap="square" rtlCol="0">
-              <a:spAutoFit/>
-            </a:bodyPr>
-            <a:lstStyle/>
-            <a:p>
-              <a:pPr algn="ctr"/>
-              <a:r>
-                <a:rPr lang="en-US" sz="1600" dirty="0" err="1"/>
-                <a:t>pNFH</a:t>
-              </a:r>
-              <a:endParaRPr lang="en-US" sz="1600" dirty="0"/>
-            </a:p>
-          </p:txBody>
-        </p:sp>
-      </p:grpSp>
-      <p:cxnSp>
-        <p:nvCxnSpPr>
-          <p:cNvPr id="31" name="Straight Arrow Connector 30">
-            <a:extLst>
-              <a:ext uri="{FF2B5EF4-FFF2-40B4-BE49-F238E27FC236}">
-                <a16:creationId xmlns:a16="http://schemas.microsoft.com/office/drawing/2014/main" id="{0CD3CC8B-76FB-0345-F7AB-BABC3F319663}"/>
-              </a:ext>
-            </a:extLst>
-          </p:cNvPr>
-          <p:cNvCxnSpPr>
-            <a:cxnSpLocks/>
-          </p:cNvCxnSpPr>
-          <p:nvPr/>
-        </p:nvCxnSpPr>
-        <p:spPr>
-          <a:xfrm>
-            <a:off x="10521782" y="2812499"/>
-            <a:ext cx="0" cy="683875"/>
-          </a:xfrm>
-          <a:prstGeom prst="straightConnector1">
-            <a:avLst/>
-          </a:prstGeom>
-          <a:ln w="28575">
-            <a:tailEnd type="triangle"/>
-          </a:ln>
-        </p:spPr>
-        <p:style>
-          <a:lnRef idx="2">
-            <a:schemeClr val="accent1"/>
-          </a:lnRef>
-          <a:fillRef idx="0">
-            <a:schemeClr val="accent1"/>
-          </a:fillRef>
-          <a:effectRef idx="1">
-            <a:schemeClr val="accent1"/>
-          </a:effectRef>
-          <a:fontRef idx="minor">
-            <a:schemeClr val="tx1"/>
-          </a:fontRef>
-        </p:style>
-      </p:cxnSp>
-      <p:cxnSp>
-        <p:nvCxnSpPr>
-          <p:cNvPr id="37" name="Straight Connector 36">
-            <a:extLst>
-              <a:ext uri="{FF2B5EF4-FFF2-40B4-BE49-F238E27FC236}">
-                <a16:creationId xmlns:a16="http://schemas.microsoft.com/office/drawing/2014/main" id="{6E929F69-D00B-6276-F314-DE01D4D5DF28}"/>
-              </a:ext>
-            </a:extLst>
-          </p:cNvPr>
-          <p:cNvCxnSpPr/>
-          <p:nvPr/>
-        </p:nvCxnSpPr>
-        <p:spPr>
-          <a:xfrm>
-            <a:off x="8737600" y="0"/>
-            <a:ext cx="0" cy="6858000"/>
-          </a:xfrm>
-          <a:prstGeom prst="line">
-            <a:avLst/>
-          </a:prstGeom>
-          <a:ln w="38100"/>
-        </p:spPr>
-        <p:style>
-          <a:lnRef idx="2">
-            <a:schemeClr val="dk1"/>
-          </a:lnRef>
-          <a:fillRef idx="0">
-            <a:schemeClr val="dk1"/>
-          </a:fillRef>
-          <a:effectRef idx="1">
-            <a:schemeClr val="dk1"/>
-          </a:effectRef>
-          <a:fontRef idx="minor">
-            <a:schemeClr val="tx1"/>
-          </a:fontRef>
-        </p:style>
-      </p:cxnSp>
-      <p:sp>
-        <p:nvSpPr>
-          <p:cNvPr id="41" name="Rectangle 40">
-            <a:extLst>
-              <a:ext uri="{FF2B5EF4-FFF2-40B4-BE49-F238E27FC236}">
-                <a16:creationId xmlns:a16="http://schemas.microsoft.com/office/drawing/2014/main" id="{E4338EF9-AD7E-6BD9-E48C-5A084B0F200A}"/>
-              </a:ext>
-            </a:extLst>
-          </p:cNvPr>
-          <p:cNvSpPr/>
-          <p:nvPr/>
-        </p:nvSpPr>
-        <p:spPr>
-          <a:xfrm>
-            <a:off x="1040126" y="5798164"/>
-            <a:ext cx="1633904" cy="530075"/>
-          </a:xfrm>
-          <a:prstGeom prst="rect">
-            <a:avLst/>
-          </a:prstGeom>
-        </p:spPr>
-        <p:style>
-          <a:lnRef idx="2">
-            <a:schemeClr val="accent1">
-              <a:shade val="15000"/>
-            </a:schemeClr>
-          </a:lnRef>
-          <a:fillRef idx="1">
-            <a:schemeClr val="accent1"/>
-          </a:fillRef>
-          <a:effectRef idx="0">
-            <a:schemeClr val="accent1"/>
-          </a:effectRef>
-          <a:fontRef idx="minor">
-            <a:schemeClr val="lt1"/>
-          </a:fontRef>
-        </p:style>
-        <p:txBody>
-          <a:bodyPr rtlCol="0" anchor="ctr"/>
-          <a:lstStyle/>
-          <a:p>
-            <a:pPr algn="ctr"/>
-            <a:r>
-              <a:rPr lang="en-US" dirty="0"/>
-              <a:t>prog</a:t>
-            </a:r>
-          </a:p>
-        </p:txBody>
-      </p:sp>
-      <p:cxnSp>
-        <p:nvCxnSpPr>
-          <p:cNvPr id="43" name="Straight Connector 42">
-            <a:extLst>
-              <a:ext uri="{FF2B5EF4-FFF2-40B4-BE49-F238E27FC236}">
-                <a16:creationId xmlns:a16="http://schemas.microsoft.com/office/drawing/2014/main" id="{F0B857F5-FD60-DE24-C07C-13F0F845ACBC}"/>
-              </a:ext>
-            </a:extLst>
-          </p:cNvPr>
-          <p:cNvCxnSpPr/>
-          <p:nvPr/>
-        </p:nvCxnSpPr>
-        <p:spPr>
-          <a:xfrm flipV="1">
-            <a:off x="4657725" y="190500"/>
-            <a:ext cx="1838325" cy="1475425"/>
-          </a:xfrm>
-          <a:prstGeom prst="line">
-            <a:avLst/>
-          </a:prstGeom>
-          <a:ln w="28575">
-            <a:solidFill>
-              <a:schemeClr val="accent1"/>
-            </a:solidFill>
-          </a:ln>
-        </p:spPr>
-        <p:style>
-          <a:lnRef idx="2">
-            <a:schemeClr val="accent1"/>
-          </a:lnRef>
-          <a:fillRef idx="0">
-            <a:schemeClr val="accent1"/>
-          </a:fillRef>
-          <a:effectRef idx="1">
-            <a:schemeClr val="accent1"/>
-          </a:effectRef>
-          <a:fontRef idx="minor">
-            <a:schemeClr val="tx1"/>
-          </a:fontRef>
-        </p:style>
-      </p:cxnSp>
-      <p:cxnSp>
-        <p:nvCxnSpPr>
-          <p:cNvPr id="44" name="Straight Connector 43">
-            <a:extLst>
-              <a:ext uri="{FF2B5EF4-FFF2-40B4-BE49-F238E27FC236}">
-                <a16:creationId xmlns:a16="http://schemas.microsoft.com/office/drawing/2014/main" id="{1EA9BB99-A6BB-8BDA-EC68-F345D5902011}"/>
-              </a:ext>
-            </a:extLst>
-          </p:cNvPr>
-          <p:cNvCxnSpPr/>
-          <p:nvPr/>
-        </p:nvCxnSpPr>
-        <p:spPr>
-          <a:xfrm flipV="1">
-            <a:off x="4759248" y="1783062"/>
-            <a:ext cx="1838325" cy="1475425"/>
-          </a:xfrm>
-          <a:prstGeom prst="line">
-            <a:avLst/>
-          </a:prstGeom>
-          <a:ln w="28575">
-            <a:solidFill>
-              <a:schemeClr val="accent1"/>
-            </a:solidFill>
-          </a:ln>
-        </p:spPr>
-        <p:style>
-          <a:lnRef idx="2">
-            <a:schemeClr val="accent1"/>
-          </a:lnRef>
-          <a:fillRef idx="0">
-            <a:schemeClr val="accent1"/>
-          </a:fillRef>
-          <a:effectRef idx="1">
-            <a:schemeClr val="accent1"/>
-          </a:effectRef>
-          <a:fontRef idx="minor">
-            <a:schemeClr val="tx1"/>
-          </a:fontRef>
-        </p:style>
-      </p:cxnSp>
-    </p:spTree>
-    <p:extLst>
-      <p:ext uri="{BB962C8B-B14F-4D97-AF65-F5344CB8AC3E}">
-        <p14:creationId xmlns:p14="http://schemas.microsoft.com/office/powerpoint/2010/main" val="3752524284"/>
-      </p:ext>
-    </p:extLst>
-  </p:cSld>
-  <p:clrMapOvr>
-    <a:masterClrMapping/>
-  </p:clrMapOvr>
-</p:sld>
-</file>
-
-<file path=ppt/slides/slide8.xml><?xml version="1.0" encoding="utf-8"?>
-<p:sld xmlns:a="http://schemas.openxmlformats.org/drawingml/2006/main" xmlns:r="http://schemas.openxmlformats.org/officeDocument/2006/relationships" xmlns:p="http://schemas.openxmlformats.org/presentationml/2006/main">
-  <p:cSld>
-    <p:spTree>
-      <p:nvGrpSpPr>
-        <p:cNvPr id="1" name=""/>
-        <p:cNvGrpSpPr/>
-        <p:nvPr/>
-      </p:nvGrpSpPr>
-      <p:grpSpPr>
-        <a:xfrm>
-          <a:off x="0" y="0"/>
-          <a:ext cx="0" cy="0"/>
-          <a:chOff x="0" y="0"/>
-          <a:chExt cx="0" cy="0"/>
-        </a:xfrm>
-      </p:grpSpPr>
-      <p:sp>
-        <p:nvSpPr>
-          <p:cNvPr id="2" name="Title 1">
-            <a:extLst>
-              <a:ext uri="{FF2B5EF4-FFF2-40B4-BE49-F238E27FC236}">
-                <a16:creationId xmlns:a16="http://schemas.microsoft.com/office/drawing/2014/main" id="{167C802B-8A16-9561-820B-BB63D8E24CB3}"/>
-              </a:ext>
-            </a:extLst>
-          </p:cNvPr>
-          <p:cNvSpPr>
-            <a:spLocks noGrp="1"/>
-          </p:cNvSpPr>
-          <p:nvPr>
-            <p:ph type="title"/>
-          </p:nvPr>
-        </p:nvSpPr>
-        <p:spPr>
-          <a:xfrm>
-            <a:off x="0" y="0"/>
-            <a:ext cx="10515600" cy="1325563"/>
-          </a:xfrm>
-        </p:spPr>
-        <p:txBody>
-          <a:bodyPr/>
-          <a:lstStyle/>
-          <a:p>
-            <a:r>
-              <a:rPr lang="en-US" dirty="0"/>
-              <a:t>Height response</a:t>
-            </a:r>
-          </a:p>
-        </p:txBody>
-      </p:sp>
-      <p:pic>
-        <p:nvPicPr>
-          <p:cNvPr id="16" name="Picture 2">
-            <a:extLst>
-              <a:ext uri="{FF2B5EF4-FFF2-40B4-BE49-F238E27FC236}">
-                <a16:creationId xmlns:a16="http://schemas.microsoft.com/office/drawing/2014/main" id="{387FDCD7-2AB8-D944-140B-CB014F7F8B3D}"/>
-              </a:ext>
-            </a:extLst>
-          </p:cNvPr>
-          <p:cNvPicPr>
-            <a:picLocks noChangeAspect="1" noChangeArrowheads="1"/>
-          </p:cNvPicPr>
-          <p:nvPr/>
-        </p:nvPicPr>
-        <p:blipFill rotWithShape="1">
-          <a:blip r:embed="rId2">
-            <a:extLst>
-              <a:ext uri="{28A0092B-C50C-407E-A947-70E740481C1C}">
-                <a14:useLocalDpi xmlns:a14="http://schemas.microsoft.com/office/drawing/2010/main" val="0"/>
-              </a:ext>
-            </a:extLst>
-          </a:blip>
-          <a:srcRect t="55984" r="71065"/>
-          <a:stretch/>
-        </p:blipFill>
-        <p:spPr bwMode="auto">
-          <a:xfrm>
-            <a:off x="2605638" y="1920015"/>
-            <a:ext cx="2652162" cy="3627570"/>
-          </a:xfrm>
-          <a:prstGeom prst="rect">
-            <a:avLst/>
-          </a:prstGeom>
-          <a:noFill/>
-          <a:ln>
-            <a:noFill/>
-          </a:ln>
-          <a:extLst>
-            <a:ext uri="{909E8E84-426E-40DD-AFC4-6F175D3DCCD1}">
-              <a14:hiddenFill xmlns:a14="http://schemas.microsoft.com/office/drawing/2010/main">
-                <a:solidFill>
-                  <a:srgbClr val="FFFFFF"/>
-                </a:solidFill>
-              </a14:hiddenFill>
-            </a:ext>
-            <a:ext uri="{91240B29-F687-4F45-9708-019B960494DF}">
-              <a14:hiddenLine xmlns:a14="http://schemas.microsoft.com/office/drawing/2010/main" w="9525">
-                <a:solidFill>
-                  <a:srgbClr val="000000"/>
-                </a:solidFill>
-                <a:miter lim="800000"/>
-                <a:headEnd/>
-                <a:tailEnd/>
-              </a14:hiddenLine>
-            </a:ext>
-          </a:extLst>
-        </p:spPr>
-      </p:pic>
-      <p:pic>
-        <p:nvPicPr>
-          <p:cNvPr id="4098" name="Picture 2">
-            <a:extLst>
-              <a:ext uri="{FF2B5EF4-FFF2-40B4-BE49-F238E27FC236}">
-                <a16:creationId xmlns:a16="http://schemas.microsoft.com/office/drawing/2014/main" id="{66FCF445-0447-CCC1-87F1-DB90AAA906FD}"/>
-              </a:ext>
-            </a:extLst>
-          </p:cNvPr>
-          <p:cNvPicPr>
-            <a:picLocks noChangeAspect="1" noChangeArrowheads="1"/>
-          </p:cNvPicPr>
-          <p:nvPr/>
-        </p:nvPicPr>
-        <p:blipFill>
-          <a:blip r:embed="rId3">
-            <a:extLst>
-              <a:ext uri="{28A0092B-C50C-407E-A947-70E740481C1C}">
-                <a14:useLocalDpi xmlns:a14="http://schemas.microsoft.com/office/drawing/2010/main" val="0"/>
-              </a:ext>
-            </a:extLst>
-          </a:blip>
-          <a:srcRect/>
-          <a:stretch>
-            <a:fillRect/>
-          </a:stretch>
-        </p:blipFill>
-        <p:spPr bwMode="auto">
-          <a:xfrm>
-            <a:off x="6096000" y="2517182"/>
-            <a:ext cx="3395662" cy="2659656"/>
-          </a:xfrm>
-          <a:prstGeom prst="rect">
-            <a:avLst/>
-          </a:prstGeom>
-          <a:noFill/>
-          <a:extLst>
-            <a:ext uri="{909E8E84-426E-40DD-AFC4-6F175D3DCCD1}">
-              <a14:hiddenFill xmlns:a14="http://schemas.microsoft.com/office/drawing/2010/main">
-                <a:solidFill>
-                  <a:srgbClr val="FFFFFF"/>
-                </a:solidFill>
-              </a14:hiddenFill>
-            </a:ext>
-          </a:extLst>
-        </p:spPr>
-      </p:pic>
-    </p:spTree>
-    <p:extLst>
-      <p:ext uri="{BB962C8B-B14F-4D97-AF65-F5344CB8AC3E}">
-        <p14:creationId xmlns:p14="http://schemas.microsoft.com/office/powerpoint/2010/main" val="163915211"/>
+        <p14:creationId xmlns:p14="http://schemas.microsoft.com/office/powerpoint/2010/main" val="1617682093"/>
       </p:ext>
     </p:extLst>
   </p:cSld>

--- a/20240621 EAD Update (Mixed Prelim).pptx
+++ b/20240621 EAD Update (Mixed Prelim).pptx
@@ -3896,64 +3896,12 @@
           <a:chExt cx="0" cy="0"/>
         </a:xfrm>
       </p:grpSpPr>
-      <p:sp>
-        <p:nvSpPr>
-          <p:cNvPr id="3" name="TextBox 2">
-            <a:extLst>
-              <a:ext uri="{FF2B5EF4-FFF2-40B4-BE49-F238E27FC236}">
-                <a16:creationId xmlns:a16="http://schemas.microsoft.com/office/drawing/2014/main" id="{CA91A3A6-34A2-6ACB-0208-C9B5E84420F5}"/>
-              </a:ext>
-            </a:extLst>
-          </p:cNvPr>
-          <p:cNvSpPr txBox="1"/>
-          <p:nvPr/>
-        </p:nvSpPr>
-        <p:spPr>
-          <a:xfrm>
-            <a:off x="1494366" y="278985"/>
-            <a:ext cx="9203267" cy="369332"/>
-          </a:xfrm>
-          <a:prstGeom prst="rect">
-            <a:avLst/>
-          </a:prstGeom>
-          <a:noFill/>
-        </p:spPr>
-        <p:txBody>
-          <a:bodyPr wrap="square" rtlCol="0">
-            <a:spAutoFit/>
-          </a:bodyPr>
-          <a:lstStyle/>
-          <a:p>
-            <a:pPr algn="ctr"/>
-            <a:r>
-              <a:rPr lang="en-US" dirty="0"/>
-              <a:t>Binary NFH:NFL; </a:t>
-            </a:r>
-            <a:r>
-              <a:rPr lang="en-US" dirty="0" err="1"/>
-              <a:t>sigma_total</a:t>
-            </a:r>
-            <a:r>
-              <a:rPr lang="en-US" dirty="0"/>
-              <a:t> = 0.03 c/nm2; </a:t>
-            </a:r>
-            <a:r>
-              <a:rPr lang="en-US" dirty="0" err="1"/>
-              <a:t>bv</a:t>
-            </a:r>
-            <a:r>
-              <a:rPr lang="en-US" dirty="0"/>
-              <a:t> = (0.6, 0.05)</a:t>
-            </a:r>
-          </a:p>
-        </p:txBody>
-      </p:sp>
       <p:pic>
         <p:nvPicPr>
-          <p:cNvPr id="1032" name="Picture 8">
-            <a:extLst>
-              <a:ext uri="{FF2B5EF4-FFF2-40B4-BE49-F238E27FC236}">
-                <a16:creationId xmlns:a16="http://schemas.microsoft.com/office/drawing/2014/main" id="{43054E07-BBA3-EAE4-B0DD-47981F014166}"/>
+          <p:cNvPr id="4114" name="Picture 18">
+            <a:extLst>
+              <a:ext uri="{FF2B5EF4-FFF2-40B4-BE49-F238E27FC236}">
+                <a16:creationId xmlns:a16="http://schemas.microsoft.com/office/drawing/2014/main" id="{D92A5E9F-9133-CEA9-6D6D-820EE44621AD}"/>
               </a:ext>
             </a:extLst>
           </p:cNvPr>
@@ -3977,8 +3925,8 @@
         </p:blipFill>
         <p:spPr bwMode="auto">
           <a:xfrm>
-            <a:off x="8753818" y="3308619"/>
-            <a:ext cx="2906183" cy="2128048"/>
+            <a:off x="5946126" y="675212"/>
+            <a:ext cx="2658255" cy="2253060"/>
           </a:xfrm>
           <a:prstGeom prst="rect">
             <a:avLst/>
@@ -3997,10 +3945,10 @@
       </p:pic>
       <p:pic>
         <p:nvPicPr>
-          <p:cNvPr id="1070" name="Picture 46">
-            <a:extLst>
-              <a:ext uri="{FF2B5EF4-FFF2-40B4-BE49-F238E27FC236}">
-                <a16:creationId xmlns:a16="http://schemas.microsoft.com/office/drawing/2014/main" id="{16452C78-6A02-47AD-F316-0A02F0FA1DE3}"/>
+          <p:cNvPr id="4112" name="Picture 16">
+            <a:extLst>
+              <a:ext uri="{FF2B5EF4-FFF2-40B4-BE49-F238E27FC236}">
+                <a16:creationId xmlns:a16="http://schemas.microsoft.com/office/drawing/2014/main" id="{BE0FA971-16E6-E485-0409-CD5244B3A6F7}"/>
               </a:ext>
             </a:extLst>
           </p:cNvPr>
@@ -4024,8 +3972,8 @@
         </p:blipFill>
         <p:spPr bwMode="auto">
           <a:xfrm>
-            <a:off x="8804788" y="975529"/>
-            <a:ext cx="2735379" cy="2361949"/>
+            <a:off x="3026183" y="659583"/>
+            <a:ext cx="2658254" cy="2253060"/>
           </a:xfrm>
           <a:prstGeom prst="rect">
             <a:avLst/>
@@ -4042,351 +3990,528 @@
           </a:extLst>
         </p:spPr>
       </p:pic>
-      <p:grpSp>
-        <p:nvGrpSpPr>
-          <p:cNvPr id="21" name="Group 20">
-            <a:extLst>
-              <a:ext uri="{FF2B5EF4-FFF2-40B4-BE49-F238E27FC236}">
-                <a16:creationId xmlns:a16="http://schemas.microsoft.com/office/drawing/2014/main" id="{38813BC8-3315-F807-19E9-9BEEE16B32E1}"/>
-              </a:ext>
-            </a:extLst>
-          </p:cNvPr>
-          <p:cNvGrpSpPr/>
+      <p:pic>
+        <p:nvPicPr>
+          <p:cNvPr id="4110" name="Picture 14">
+            <a:extLst>
+              <a:ext uri="{FF2B5EF4-FFF2-40B4-BE49-F238E27FC236}">
+                <a16:creationId xmlns:a16="http://schemas.microsoft.com/office/drawing/2014/main" id="{1D727A2A-A366-D358-B7E7-90488C1506CC}"/>
+              </a:ext>
+            </a:extLst>
+          </p:cNvPr>
+          <p:cNvPicPr>
+            <a:picLocks noChangeAspect="1" noChangeArrowheads="1"/>
+          </p:cNvPicPr>
           <p:nvPr/>
-        </p:nvGrpSpPr>
-        <p:grpSpPr>
-          <a:xfrm>
-            <a:off x="5880099" y="963998"/>
-            <a:ext cx="2906183" cy="4507326"/>
-            <a:chOff x="5880097" y="439064"/>
-            <a:chExt cx="2906183" cy="4507326"/>
-          </a:xfrm>
-        </p:grpSpPr>
-        <p:pic>
-          <p:nvPicPr>
-            <p:cNvPr id="1038" name="Picture 14">
-              <a:extLst>
-                <a:ext uri="{FF2B5EF4-FFF2-40B4-BE49-F238E27FC236}">
-                  <a16:creationId xmlns:a16="http://schemas.microsoft.com/office/drawing/2014/main" id="{680B5120-4C0A-2DF1-1EAC-BBFC9F78461B}"/>
-                </a:ext>
-              </a:extLst>
-            </p:cNvPr>
-            <p:cNvPicPr>
-              <a:picLocks noChangeAspect="1" noChangeArrowheads="1"/>
-            </p:cNvPicPr>
-            <p:nvPr/>
-          </p:nvPicPr>
-          <p:blipFill>
-            <a:blip r:embed="rId4">
-              <a:extLst>
-                <a:ext uri="{28A0092B-C50C-407E-A947-70E740481C1C}">
-                  <a14:useLocalDpi xmlns:a14="http://schemas.microsoft.com/office/drawing/2010/main" val="0"/>
-                </a:ext>
-              </a:extLst>
-            </a:blip>
-            <a:srcRect/>
-            <a:stretch>
-              <a:fillRect/>
-            </a:stretch>
-          </p:blipFill>
-          <p:spPr bwMode="auto">
-            <a:xfrm>
-              <a:off x="5880097" y="2818342"/>
-              <a:ext cx="2906183" cy="2128048"/>
-            </a:xfrm>
-            <a:prstGeom prst="rect">
-              <a:avLst/>
-            </a:prstGeom>
-            <a:noFill/>
-            <a:extLst>
-              <a:ext uri="{909E8E84-426E-40DD-AFC4-6F175D3DCCD1}">
-                <a14:hiddenFill xmlns:a14="http://schemas.microsoft.com/office/drawing/2010/main">
-                  <a:solidFill>
-                    <a:srgbClr val="FFFFFF"/>
-                  </a:solidFill>
-                </a14:hiddenFill>
-              </a:ext>
-            </a:extLst>
-          </p:spPr>
-        </p:pic>
-        <p:pic>
-          <p:nvPicPr>
-            <p:cNvPr id="1072" name="Picture 48">
-              <a:extLst>
-                <a:ext uri="{FF2B5EF4-FFF2-40B4-BE49-F238E27FC236}">
-                  <a16:creationId xmlns:a16="http://schemas.microsoft.com/office/drawing/2014/main" id="{A9AAAE7B-C57A-3FBA-DF9C-7224EE5A4F7B}"/>
-                </a:ext>
-              </a:extLst>
-            </p:cNvPr>
-            <p:cNvPicPr>
-              <a:picLocks noChangeAspect="1" noChangeArrowheads="1"/>
-            </p:cNvPicPr>
-            <p:nvPr/>
-          </p:nvPicPr>
-          <p:blipFill>
-            <a:blip r:embed="rId5">
-              <a:extLst>
-                <a:ext uri="{28A0092B-C50C-407E-A947-70E740481C1C}">
-                  <a14:useLocalDpi xmlns:a14="http://schemas.microsoft.com/office/drawing/2010/main" val="0"/>
-                </a:ext>
-              </a:extLst>
-            </a:blip>
-            <a:srcRect/>
-            <a:stretch>
-              <a:fillRect/>
-            </a:stretch>
-          </p:blipFill>
-          <p:spPr bwMode="auto">
-            <a:xfrm>
-              <a:off x="5957635" y="439064"/>
-              <a:ext cx="2735380" cy="2361949"/>
-            </a:xfrm>
-            <a:prstGeom prst="rect">
-              <a:avLst/>
-            </a:prstGeom>
-            <a:noFill/>
-            <a:extLst>
-              <a:ext uri="{909E8E84-426E-40DD-AFC4-6F175D3DCCD1}">
-                <a14:hiddenFill xmlns:a14="http://schemas.microsoft.com/office/drawing/2010/main">
-                  <a:solidFill>
-                    <a:srgbClr val="FFFFFF"/>
-                  </a:solidFill>
-                </a14:hiddenFill>
-              </a:ext>
-            </a:extLst>
-          </p:spPr>
-        </p:pic>
-      </p:grpSp>
-      <p:grpSp>
-        <p:nvGrpSpPr>
-          <p:cNvPr id="20" name="Group 19">
-            <a:extLst>
-              <a:ext uri="{FF2B5EF4-FFF2-40B4-BE49-F238E27FC236}">
-                <a16:creationId xmlns:a16="http://schemas.microsoft.com/office/drawing/2014/main" id="{1A61D2C6-5022-C934-7059-6FF713A722C2}"/>
-              </a:ext>
-            </a:extLst>
-          </p:cNvPr>
-          <p:cNvGrpSpPr/>
+        </p:nvPicPr>
+        <p:blipFill>
+          <a:blip r:embed="rId4">
+            <a:extLst>
+              <a:ext uri="{28A0092B-C50C-407E-A947-70E740481C1C}">
+                <a14:useLocalDpi xmlns:a14="http://schemas.microsoft.com/office/drawing/2010/main" val="0"/>
+              </a:ext>
+            </a:extLst>
+          </a:blip>
+          <a:srcRect/>
+          <a:stretch>
+            <a:fillRect/>
+          </a:stretch>
+        </p:blipFill>
+        <p:spPr bwMode="auto">
+          <a:xfrm>
+            <a:off x="184013" y="659582"/>
+            <a:ext cx="2658256" cy="2253061"/>
+          </a:xfrm>
+          <a:prstGeom prst="rect">
+            <a:avLst/>
+          </a:prstGeom>
+          <a:noFill/>
+          <a:extLst>
+            <a:ext uri="{909E8E84-426E-40DD-AFC4-6F175D3DCCD1}">
+              <a14:hiddenFill xmlns:a14="http://schemas.microsoft.com/office/drawing/2010/main">
+                <a:solidFill>
+                  <a:srgbClr val="FFFFFF"/>
+                </a:solidFill>
+              </a14:hiddenFill>
+            </a:ext>
+          </a:extLst>
+        </p:spPr>
+      </p:pic>
+      <p:sp>
+        <p:nvSpPr>
+          <p:cNvPr id="3" name="TextBox 2">
+            <a:extLst>
+              <a:ext uri="{FF2B5EF4-FFF2-40B4-BE49-F238E27FC236}">
+                <a16:creationId xmlns:a16="http://schemas.microsoft.com/office/drawing/2014/main" id="{CA91A3A6-34A2-6ACB-0208-C9B5E84420F5}"/>
+              </a:ext>
+            </a:extLst>
+          </p:cNvPr>
+          <p:cNvSpPr txBox="1"/>
           <p:nvPr/>
-        </p:nvGrpSpPr>
-        <p:grpSpPr>
-          <a:xfrm>
-            <a:off x="2990654" y="975529"/>
-            <a:ext cx="2906183" cy="4495795"/>
-            <a:chOff x="2990652" y="450595"/>
-            <a:chExt cx="2906183" cy="4495795"/>
-          </a:xfrm>
-        </p:grpSpPr>
-        <p:pic>
-          <p:nvPicPr>
-            <p:cNvPr id="1042" name="Picture 18">
-              <a:extLst>
-                <a:ext uri="{FF2B5EF4-FFF2-40B4-BE49-F238E27FC236}">
-                  <a16:creationId xmlns:a16="http://schemas.microsoft.com/office/drawing/2014/main" id="{9B2BC1F0-998B-E4E7-E602-53FD3B172EB9}"/>
-                </a:ext>
-              </a:extLst>
-            </p:cNvPr>
-            <p:cNvPicPr>
-              <a:picLocks noChangeAspect="1" noChangeArrowheads="1"/>
-            </p:cNvPicPr>
-            <p:nvPr/>
-          </p:nvPicPr>
-          <p:blipFill>
-            <a:blip r:embed="rId6">
-              <a:extLst>
-                <a:ext uri="{28A0092B-C50C-407E-A947-70E740481C1C}">
-                  <a14:useLocalDpi xmlns:a14="http://schemas.microsoft.com/office/drawing/2010/main" val="0"/>
-                </a:ext>
-              </a:extLst>
-            </a:blip>
-            <a:srcRect/>
-            <a:stretch>
-              <a:fillRect/>
-            </a:stretch>
-          </p:blipFill>
-          <p:spPr bwMode="auto">
-            <a:xfrm>
-              <a:off x="2990652" y="2818342"/>
-              <a:ext cx="2906183" cy="2128048"/>
-            </a:xfrm>
-            <a:prstGeom prst="rect">
-              <a:avLst/>
-            </a:prstGeom>
-            <a:noFill/>
-            <a:extLst>
-              <a:ext uri="{909E8E84-426E-40DD-AFC4-6F175D3DCCD1}">
-                <a14:hiddenFill xmlns:a14="http://schemas.microsoft.com/office/drawing/2010/main">
-                  <a:solidFill>
-                    <a:srgbClr val="FFFFFF"/>
-                  </a:solidFill>
-                </a14:hiddenFill>
-              </a:ext>
-            </a:extLst>
-          </p:spPr>
-        </p:pic>
-        <p:pic>
-          <p:nvPicPr>
-            <p:cNvPr id="1074" name="Picture 50">
-              <a:extLst>
-                <a:ext uri="{FF2B5EF4-FFF2-40B4-BE49-F238E27FC236}">
-                  <a16:creationId xmlns:a16="http://schemas.microsoft.com/office/drawing/2014/main" id="{D6CFE2CB-E906-15FD-4315-535A8A5C6C80}"/>
-                </a:ext>
-              </a:extLst>
-            </p:cNvPr>
-            <p:cNvPicPr>
-              <a:picLocks noChangeAspect="1" noChangeArrowheads="1"/>
-            </p:cNvPicPr>
-            <p:nvPr/>
-          </p:nvPicPr>
-          <p:blipFill>
-            <a:blip r:embed="rId7">
-              <a:extLst>
-                <a:ext uri="{28A0092B-C50C-407E-A947-70E740481C1C}">
-                  <a14:useLocalDpi xmlns:a14="http://schemas.microsoft.com/office/drawing/2010/main" val="0"/>
-                </a:ext>
-              </a:extLst>
-            </a:blip>
-            <a:srcRect/>
-            <a:stretch>
-              <a:fillRect/>
-            </a:stretch>
-          </p:blipFill>
-          <p:spPr bwMode="auto">
-            <a:xfrm>
-              <a:off x="3015697" y="450595"/>
-              <a:ext cx="2735380" cy="2361949"/>
-            </a:xfrm>
-            <a:prstGeom prst="rect">
-              <a:avLst/>
-            </a:prstGeom>
-            <a:noFill/>
-            <a:extLst>
-              <a:ext uri="{909E8E84-426E-40DD-AFC4-6F175D3DCCD1}">
-                <a14:hiddenFill xmlns:a14="http://schemas.microsoft.com/office/drawing/2010/main">
-                  <a:solidFill>
-                    <a:srgbClr val="FFFFFF"/>
-                  </a:solidFill>
-                </a14:hiddenFill>
-              </a:ext>
-            </a:extLst>
-          </p:spPr>
-        </p:pic>
-      </p:grpSp>
-      <p:grpSp>
-        <p:nvGrpSpPr>
-          <p:cNvPr id="19" name="Group 18">
-            <a:extLst>
-              <a:ext uri="{FF2B5EF4-FFF2-40B4-BE49-F238E27FC236}">
-                <a16:creationId xmlns:a16="http://schemas.microsoft.com/office/drawing/2014/main" id="{4049C185-3F5A-66CB-38B9-9B214DCA7954}"/>
-              </a:ext>
-            </a:extLst>
-          </p:cNvPr>
-          <p:cNvGrpSpPr/>
+        </p:nvSpPr>
+        <p:spPr>
+          <a:xfrm>
+            <a:off x="1494366" y="128976"/>
+            <a:ext cx="9203267" cy="369332"/>
+          </a:xfrm>
+          <a:prstGeom prst="rect">
+            <a:avLst/>
+          </a:prstGeom>
+          <a:noFill/>
+        </p:spPr>
+        <p:txBody>
+          <a:bodyPr wrap="square" rtlCol="0">
+            <a:spAutoFit/>
+          </a:bodyPr>
+          <a:lstStyle/>
+          <a:p>
+            <a:pPr algn="ctr"/>
+            <a:r>
+              <a:rPr lang="en-US" dirty="0"/>
+              <a:t>Binary NFH:NFL; </a:t>
+            </a:r>
+            <a:r>
+              <a:rPr lang="en-US" dirty="0" err="1"/>
+              <a:t>sigma_total</a:t>
+            </a:r>
+            <a:r>
+              <a:rPr lang="en-US" dirty="0"/>
+              <a:t> = 0.03 c/nm2; </a:t>
+            </a:r>
+            <a:r>
+              <a:rPr lang="en-US" dirty="0" err="1"/>
+              <a:t>bv</a:t>
+            </a:r>
+            <a:r>
+              <a:rPr lang="en-US" dirty="0"/>
+              <a:t> = (0.6, 0.05)</a:t>
+            </a:r>
+          </a:p>
+        </p:txBody>
+      </p:sp>
+      <p:pic>
+        <p:nvPicPr>
+          <p:cNvPr id="4098" name="Picture 2">
+            <a:extLst>
+              <a:ext uri="{FF2B5EF4-FFF2-40B4-BE49-F238E27FC236}">
+                <a16:creationId xmlns:a16="http://schemas.microsoft.com/office/drawing/2014/main" id="{A567C91F-68E9-1A2D-097A-AEB3B645DCBD}"/>
+              </a:ext>
+            </a:extLst>
+          </p:cNvPr>
+          <p:cNvPicPr>
+            <a:picLocks noChangeAspect="1" noChangeArrowheads="1"/>
+          </p:cNvPicPr>
           <p:nvPr/>
-        </p:nvGrpSpPr>
-        <p:grpSpPr>
-          <a:xfrm>
-            <a:off x="134395" y="978428"/>
-            <a:ext cx="2906183" cy="4492896"/>
-            <a:chOff x="134393" y="453494"/>
-            <a:chExt cx="2906183" cy="4492896"/>
-          </a:xfrm>
-        </p:grpSpPr>
-        <p:pic>
-          <p:nvPicPr>
-            <p:cNvPr id="1044" name="Picture 20">
-              <a:extLst>
-                <a:ext uri="{FF2B5EF4-FFF2-40B4-BE49-F238E27FC236}">
-                  <a16:creationId xmlns:a16="http://schemas.microsoft.com/office/drawing/2014/main" id="{CE881992-92BA-B255-1647-E01A26367A7B}"/>
-                </a:ext>
-              </a:extLst>
-            </p:cNvPr>
-            <p:cNvPicPr>
-              <a:picLocks noChangeAspect="1" noChangeArrowheads="1"/>
-            </p:cNvPicPr>
-            <p:nvPr/>
-          </p:nvPicPr>
-          <p:blipFill>
-            <a:blip r:embed="rId8">
-              <a:extLst>
-                <a:ext uri="{28A0092B-C50C-407E-A947-70E740481C1C}">
-                  <a14:useLocalDpi xmlns:a14="http://schemas.microsoft.com/office/drawing/2010/main" val="0"/>
-                </a:ext>
-              </a:extLst>
-            </a:blip>
-            <a:srcRect/>
-            <a:stretch>
-              <a:fillRect/>
-            </a:stretch>
-          </p:blipFill>
-          <p:spPr bwMode="auto">
-            <a:xfrm>
-              <a:off x="134393" y="2818342"/>
-              <a:ext cx="2906183" cy="2128048"/>
-            </a:xfrm>
-            <a:prstGeom prst="rect">
-              <a:avLst/>
-            </a:prstGeom>
-            <a:noFill/>
-            <a:extLst>
-              <a:ext uri="{909E8E84-426E-40DD-AFC4-6F175D3DCCD1}">
-                <a14:hiddenFill xmlns:a14="http://schemas.microsoft.com/office/drawing/2010/main">
-                  <a:solidFill>
-                    <a:srgbClr val="FFFFFF"/>
-                  </a:solidFill>
-                </a14:hiddenFill>
-              </a:ext>
-            </a:extLst>
-          </p:spPr>
-        </p:pic>
-        <p:pic>
-          <p:nvPicPr>
-            <p:cNvPr id="1076" name="Picture 52">
-              <a:extLst>
-                <a:ext uri="{FF2B5EF4-FFF2-40B4-BE49-F238E27FC236}">
-                  <a16:creationId xmlns:a16="http://schemas.microsoft.com/office/drawing/2014/main" id="{EBA4116F-2A5E-4C58-0F26-A489CF2D5574}"/>
-                </a:ext>
-              </a:extLst>
-            </p:cNvPr>
-            <p:cNvPicPr>
-              <a:picLocks noChangeAspect="1" noChangeArrowheads="1"/>
-            </p:cNvPicPr>
-            <p:nvPr/>
-          </p:nvPicPr>
-          <p:blipFill>
-            <a:blip r:embed="rId9">
-              <a:extLst>
-                <a:ext uri="{28A0092B-C50C-407E-A947-70E740481C1C}">
-                  <a14:useLocalDpi xmlns:a14="http://schemas.microsoft.com/office/drawing/2010/main" val="0"/>
-                </a:ext>
-              </a:extLst>
-            </a:blip>
-            <a:srcRect/>
-            <a:stretch>
-              <a:fillRect/>
-            </a:stretch>
-          </p:blipFill>
-          <p:spPr bwMode="auto">
-            <a:xfrm>
-              <a:off x="219516" y="453494"/>
-              <a:ext cx="2735380" cy="2361949"/>
-            </a:xfrm>
-            <a:prstGeom prst="rect">
-              <a:avLst/>
-            </a:prstGeom>
-            <a:noFill/>
-            <a:extLst>
-              <a:ext uri="{909E8E84-426E-40DD-AFC4-6F175D3DCCD1}">
-                <a14:hiddenFill xmlns:a14="http://schemas.microsoft.com/office/drawing/2010/main">
-                  <a:solidFill>
-                    <a:srgbClr val="FFFFFF"/>
-                  </a:solidFill>
-                </a14:hiddenFill>
-              </a:ext>
-            </a:extLst>
-          </p:spPr>
-        </p:pic>
-      </p:grpSp>
+        </p:nvPicPr>
+        <p:blipFill>
+          <a:blip r:embed="rId5">
+            <a:extLst>
+              <a:ext uri="{28A0092B-C50C-407E-A947-70E740481C1C}">
+                <a14:useLocalDpi xmlns:a14="http://schemas.microsoft.com/office/drawing/2010/main" val="0"/>
+              </a:ext>
+            </a:extLst>
+          </a:blip>
+          <a:srcRect/>
+          <a:stretch>
+            <a:fillRect/>
+          </a:stretch>
+        </p:blipFill>
+        <p:spPr bwMode="auto">
+          <a:xfrm>
+            <a:off x="8823765" y="659418"/>
+            <a:ext cx="2658254" cy="2253060"/>
+          </a:xfrm>
+          <a:prstGeom prst="rect">
+            <a:avLst/>
+          </a:prstGeom>
+          <a:noFill/>
+          <a:extLst>
+            <a:ext uri="{909E8E84-426E-40DD-AFC4-6F175D3DCCD1}">
+              <a14:hiddenFill xmlns:a14="http://schemas.microsoft.com/office/drawing/2010/main">
+                <a:solidFill>
+                  <a:srgbClr val="FFFFFF"/>
+                </a:solidFill>
+              </a14:hiddenFill>
+            </a:ext>
+          </a:extLst>
+        </p:spPr>
+      </p:pic>
+      <p:pic>
+        <p:nvPicPr>
+          <p:cNvPr id="4102" name="Picture 6">
+            <a:extLst>
+              <a:ext uri="{FF2B5EF4-FFF2-40B4-BE49-F238E27FC236}">
+                <a16:creationId xmlns:a16="http://schemas.microsoft.com/office/drawing/2014/main" id="{F4298ED6-14B7-B03E-1FFF-DA8BA84828B3}"/>
+              </a:ext>
+            </a:extLst>
+          </p:cNvPr>
+          <p:cNvPicPr>
+            <a:picLocks noChangeAspect="1" noChangeArrowheads="1"/>
+          </p:cNvPicPr>
+          <p:nvPr/>
+        </p:nvPicPr>
+        <p:blipFill>
+          <a:blip r:embed="rId6">
+            <a:extLst>
+              <a:ext uri="{28A0092B-C50C-407E-A947-70E740481C1C}">
+                <a14:useLocalDpi xmlns:a14="http://schemas.microsoft.com/office/drawing/2010/main" val="0"/>
+              </a:ext>
+            </a:extLst>
+          </a:blip>
+          <a:srcRect/>
+          <a:stretch>
+            <a:fillRect/>
+          </a:stretch>
+        </p:blipFill>
+        <p:spPr bwMode="auto">
+          <a:xfrm>
+            <a:off x="8828505" y="2595292"/>
+            <a:ext cx="2653514" cy="2087133"/>
+          </a:xfrm>
+          <a:prstGeom prst="rect">
+            <a:avLst/>
+          </a:prstGeom>
+          <a:noFill/>
+          <a:extLst>
+            <a:ext uri="{909E8E84-426E-40DD-AFC4-6F175D3DCCD1}">
+              <a14:hiddenFill xmlns:a14="http://schemas.microsoft.com/office/drawing/2010/main">
+                <a:solidFill>
+                  <a:srgbClr val="FFFFFF"/>
+                </a:solidFill>
+              </a14:hiddenFill>
+            </a:ext>
+          </a:extLst>
+        </p:spPr>
+      </p:pic>
+      <p:pic>
+        <p:nvPicPr>
+          <p:cNvPr id="1032" name="Picture 8">
+            <a:extLst>
+              <a:ext uri="{FF2B5EF4-FFF2-40B4-BE49-F238E27FC236}">
+                <a16:creationId xmlns:a16="http://schemas.microsoft.com/office/drawing/2014/main" id="{43054E07-BBA3-EAE4-B0DD-47981F014166}"/>
+              </a:ext>
+            </a:extLst>
+          </p:cNvPr>
+          <p:cNvPicPr>
+            <a:picLocks noChangeAspect="1" noChangeArrowheads="1"/>
+          </p:cNvPicPr>
+          <p:nvPr/>
+        </p:nvPicPr>
+        <p:blipFill>
+          <a:blip r:embed="rId7">
+            <a:extLst>
+              <a:ext uri="{28A0092B-C50C-407E-A947-70E740481C1C}">
+                <a14:useLocalDpi xmlns:a14="http://schemas.microsoft.com/office/drawing/2010/main" val="0"/>
+              </a:ext>
+            </a:extLst>
+          </a:blip>
+          <a:srcRect/>
+          <a:stretch>
+            <a:fillRect/>
+          </a:stretch>
+        </p:blipFill>
+        <p:spPr bwMode="auto">
+          <a:xfrm>
+            <a:off x="8789303" y="4664425"/>
+            <a:ext cx="2772204" cy="2029942"/>
+          </a:xfrm>
+          <a:prstGeom prst="rect">
+            <a:avLst/>
+          </a:prstGeom>
+          <a:noFill/>
+          <a:extLst>
+            <a:ext uri="{909E8E84-426E-40DD-AFC4-6F175D3DCCD1}">
+              <a14:hiddenFill xmlns:a14="http://schemas.microsoft.com/office/drawing/2010/main">
+                <a:solidFill>
+                  <a:srgbClr val="FFFFFF"/>
+                </a:solidFill>
+              </a14:hiddenFill>
+            </a:ext>
+          </a:extLst>
+        </p:spPr>
+      </p:pic>
+      <p:pic>
+        <p:nvPicPr>
+          <p:cNvPr id="1038" name="Picture 14">
+            <a:extLst>
+              <a:ext uri="{FF2B5EF4-FFF2-40B4-BE49-F238E27FC236}">
+                <a16:creationId xmlns:a16="http://schemas.microsoft.com/office/drawing/2014/main" id="{680B5120-4C0A-2DF1-1EAC-BBFC9F78461B}"/>
+              </a:ext>
+            </a:extLst>
+          </p:cNvPr>
+          <p:cNvPicPr>
+            <a:picLocks noChangeAspect="1" noChangeArrowheads="1"/>
+          </p:cNvPicPr>
+          <p:nvPr/>
+        </p:nvPicPr>
+        <p:blipFill>
+          <a:blip r:embed="rId8">
+            <a:extLst>
+              <a:ext uri="{28A0092B-C50C-407E-A947-70E740481C1C}">
+                <a14:useLocalDpi xmlns:a14="http://schemas.microsoft.com/office/drawing/2010/main" val="0"/>
+              </a:ext>
+            </a:extLst>
+          </a:blip>
+          <a:srcRect/>
+          <a:stretch>
+            <a:fillRect/>
+          </a:stretch>
+        </p:blipFill>
+        <p:spPr bwMode="auto">
+          <a:xfrm>
+            <a:off x="5915584" y="4699082"/>
+            <a:ext cx="2772204" cy="2029942"/>
+          </a:xfrm>
+          <a:prstGeom prst="rect">
+            <a:avLst/>
+          </a:prstGeom>
+          <a:noFill/>
+          <a:extLst>
+            <a:ext uri="{909E8E84-426E-40DD-AFC4-6F175D3DCCD1}">
+              <a14:hiddenFill xmlns:a14="http://schemas.microsoft.com/office/drawing/2010/main">
+                <a:solidFill>
+                  <a:srgbClr val="FFFFFF"/>
+                </a:solidFill>
+              </a14:hiddenFill>
+            </a:ext>
+          </a:extLst>
+        </p:spPr>
+      </p:pic>
+      <p:pic>
+        <p:nvPicPr>
+          <p:cNvPr id="1042" name="Picture 18">
+            <a:extLst>
+              <a:ext uri="{FF2B5EF4-FFF2-40B4-BE49-F238E27FC236}">
+                <a16:creationId xmlns:a16="http://schemas.microsoft.com/office/drawing/2014/main" id="{9B2BC1F0-998B-E4E7-E602-53FD3B172EB9}"/>
+              </a:ext>
+            </a:extLst>
+          </p:cNvPr>
+          <p:cNvPicPr>
+            <a:picLocks noChangeAspect="1" noChangeArrowheads="1"/>
+          </p:cNvPicPr>
+          <p:nvPr/>
+        </p:nvPicPr>
+        <p:blipFill>
+          <a:blip r:embed="rId9">
+            <a:extLst>
+              <a:ext uri="{28A0092B-C50C-407E-A947-70E740481C1C}">
+                <a14:useLocalDpi xmlns:a14="http://schemas.microsoft.com/office/drawing/2010/main" val="0"/>
+              </a:ext>
+            </a:extLst>
+          </a:blip>
+          <a:srcRect/>
+          <a:stretch>
+            <a:fillRect/>
+          </a:stretch>
+        </p:blipFill>
+        <p:spPr bwMode="auto">
+          <a:xfrm>
+            <a:off x="3075776" y="4699082"/>
+            <a:ext cx="2772204" cy="2029942"/>
+          </a:xfrm>
+          <a:prstGeom prst="rect">
+            <a:avLst/>
+          </a:prstGeom>
+          <a:noFill/>
+          <a:extLst>
+            <a:ext uri="{909E8E84-426E-40DD-AFC4-6F175D3DCCD1}">
+              <a14:hiddenFill xmlns:a14="http://schemas.microsoft.com/office/drawing/2010/main">
+                <a:solidFill>
+                  <a:srgbClr val="FFFFFF"/>
+                </a:solidFill>
+              </a14:hiddenFill>
+            </a:ext>
+          </a:extLst>
+        </p:spPr>
+      </p:pic>
+      <p:pic>
+        <p:nvPicPr>
+          <p:cNvPr id="1044" name="Picture 20">
+            <a:extLst>
+              <a:ext uri="{FF2B5EF4-FFF2-40B4-BE49-F238E27FC236}">
+                <a16:creationId xmlns:a16="http://schemas.microsoft.com/office/drawing/2014/main" id="{CE881992-92BA-B255-1647-E01A26367A7B}"/>
+              </a:ext>
+            </a:extLst>
+          </p:cNvPr>
+          <p:cNvPicPr>
+            <a:picLocks noChangeAspect="1" noChangeArrowheads="1"/>
+          </p:cNvPicPr>
+          <p:nvPr/>
+        </p:nvPicPr>
+        <p:blipFill>
+          <a:blip r:embed="rId10">
+            <a:extLst>
+              <a:ext uri="{28A0092B-C50C-407E-A947-70E740481C1C}">
+                <a14:useLocalDpi xmlns:a14="http://schemas.microsoft.com/office/drawing/2010/main" val="0"/>
+              </a:ext>
+            </a:extLst>
+          </a:blip>
+          <a:srcRect/>
+          <a:stretch>
+            <a:fillRect/>
+          </a:stretch>
+        </p:blipFill>
+        <p:spPr bwMode="auto">
+          <a:xfrm>
+            <a:off x="219517" y="4699082"/>
+            <a:ext cx="2772204" cy="2029942"/>
+          </a:xfrm>
+          <a:prstGeom prst="rect">
+            <a:avLst/>
+          </a:prstGeom>
+          <a:noFill/>
+          <a:extLst>
+            <a:ext uri="{909E8E84-426E-40DD-AFC4-6F175D3DCCD1}">
+              <a14:hiddenFill xmlns:a14="http://schemas.microsoft.com/office/drawing/2010/main">
+                <a:solidFill>
+                  <a:srgbClr val="FFFFFF"/>
+                </a:solidFill>
+              </a14:hiddenFill>
+            </a:ext>
+          </a:extLst>
+        </p:spPr>
+      </p:pic>
+      <p:pic>
+        <p:nvPicPr>
+          <p:cNvPr id="4104" name="Picture 8">
+            <a:extLst>
+              <a:ext uri="{FF2B5EF4-FFF2-40B4-BE49-F238E27FC236}">
+                <a16:creationId xmlns:a16="http://schemas.microsoft.com/office/drawing/2014/main" id="{945F2249-CF57-71E5-9579-6908793FFD9B}"/>
+              </a:ext>
+            </a:extLst>
+          </p:cNvPr>
+          <p:cNvPicPr>
+            <a:picLocks noChangeAspect="1" noChangeArrowheads="1"/>
+          </p:cNvPicPr>
+          <p:nvPr/>
+        </p:nvPicPr>
+        <p:blipFill>
+          <a:blip r:embed="rId11">
+            <a:extLst>
+              <a:ext uri="{28A0092B-C50C-407E-A947-70E740481C1C}">
+                <a14:useLocalDpi xmlns:a14="http://schemas.microsoft.com/office/drawing/2010/main" val="0"/>
+              </a:ext>
+            </a:extLst>
+          </a:blip>
+          <a:srcRect/>
+          <a:stretch>
+            <a:fillRect/>
+          </a:stretch>
+        </p:blipFill>
+        <p:spPr bwMode="auto">
+          <a:xfrm>
+            <a:off x="5957636" y="2584191"/>
+            <a:ext cx="2608660" cy="2051854"/>
+          </a:xfrm>
+          <a:prstGeom prst="rect">
+            <a:avLst/>
+          </a:prstGeom>
+          <a:noFill/>
+          <a:extLst>
+            <a:ext uri="{909E8E84-426E-40DD-AFC4-6F175D3DCCD1}">
+              <a14:hiddenFill xmlns:a14="http://schemas.microsoft.com/office/drawing/2010/main">
+                <a:solidFill>
+                  <a:srgbClr val="FFFFFF"/>
+                </a:solidFill>
+              </a14:hiddenFill>
+            </a:ext>
+          </a:extLst>
+        </p:spPr>
+      </p:pic>
+      <p:pic>
+        <p:nvPicPr>
+          <p:cNvPr id="4106" name="Picture 10">
+            <a:extLst>
+              <a:ext uri="{FF2B5EF4-FFF2-40B4-BE49-F238E27FC236}">
+                <a16:creationId xmlns:a16="http://schemas.microsoft.com/office/drawing/2014/main" id="{D8EDB101-C065-ED71-7854-F9D3C240A1F6}"/>
+              </a:ext>
+            </a:extLst>
+          </p:cNvPr>
+          <p:cNvPicPr>
+            <a:picLocks noChangeAspect="1" noChangeArrowheads="1"/>
+          </p:cNvPicPr>
+          <p:nvPr/>
+        </p:nvPicPr>
+        <p:blipFill>
+          <a:blip r:embed="rId12">
+            <a:extLst>
+              <a:ext uri="{28A0092B-C50C-407E-A947-70E740481C1C}">
+                <a14:useLocalDpi xmlns:a14="http://schemas.microsoft.com/office/drawing/2010/main" val="0"/>
+              </a:ext>
+            </a:extLst>
+          </a:blip>
+          <a:srcRect/>
+          <a:stretch>
+            <a:fillRect/>
+          </a:stretch>
+        </p:blipFill>
+        <p:spPr bwMode="auto">
+          <a:xfrm>
+            <a:off x="3075776" y="2584191"/>
+            <a:ext cx="2608661" cy="2051854"/>
+          </a:xfrm>
+          <a:prstGeom prst="rect">
+            <a:avLst/>
+          </a:prstGeom>
+          <a:noFill/>
+          <a:extLst>
+            <a:ext uri="{909E8E84-426E-40DD-AFC4-6F175D3DCCD1}">
+              <a14:hiddenFill xmlns:a14="http://schemas.microsoft.com/office/drawing/2010/main">
+                <a:solidFill>
+                  <a:srgbClr val="FFFFFF"/>
+                </a:solidFill>
+              </a14:hiddenFill>
+            </a:ext>
+          </a:extLst>
+        </p:spPr>
+      </p:pic>
+      <p:pic>
+        <p:nvPicPr>
+          <p:cNvPr id="4108" name="Picture 12">
+            <a:extLst>
+              <a:ext uri="{FF2B5EF4-FFF2-40B4-BE49-F238E27FC236}">
+                <a16:creationId xmlns:a16="http://schemas.microsoft.com/office/drawing/2014/main" id="{CB017196-C80F-013B-825A-30AE58DF5273}"/>
+              </a:ext>
+            </a:extLst>
+          </p:cNvPr>
+          <p:cNvPicPr>
+            <a:picLocks noChangeAspect="1" noChangeArrowheads="1"/>
+          </p:cNvPicPr>
+          <p:nvPr/>
+        </p:nvPicPr>
+        <p:blipFill>
+          <a:blip r:embed="rId13">
+            <a:extLst>
+              <a:ext uri="{28A0092B-C50C-407E-A947-70E740481C1C}">
+                <a14:useLocalDpi xmlns:a14="http://schemas.microsoft.com/office/drawing/2010/main" val="0"/>
+              </a:ext>
+            </a:extLst>
+          </a:blip>
+          <a:srcRect/>
+          <a:stretch>
+            <a:fillRect/>
+          </a:stretch>
+        </p:blipFill>
+        <p:spPr bwMode="auto">
+          <a:xfrm>
+            <a:off x="186159" y="2578093"/>
+            <a:ext cx="2616413" cy="2057952"/>
+          </a:xfrm>
+          <a:prstGeom prst="rect">
+            <a:avLst/>
+          </a:prstGeom>
+          <a:noFill/>
+          <a:extLst>
+            <a:ext uri="{909E8E84-426E-40DD-AFC4-6F175D3DCCD1}">
+              <a14:hiddenFill xmlns:a14="http://schemas.microsoft.com/office/drawing/2010/main">
+                <a:solidFill>
+                  <a:srgbClr val="FFFFFF"/>
+                </a:solidFill>
+              </a14:hiddenFill>
+            </a:ext>
+          </a:extLst>
+        </p:spPr>
+      </p:pic>
     </p:spTree>
     <p:extLst>
       <p:ext uri="{BB962C8B-B14F-4D97-AF65-F5344CB8AC3E}">

--- a/20240621 EAD Update (Mixed Prelim).pptx
+++ b/20240621 EAD Update (Mixed Prelim).pptx
@@ -4138,10 +4138,10 @@
       </p:pic>
       <p:pic>
         <p:nvPicPr>
-          <p:cNvPr id="4102" name="Picture 6">
-            <a:extLst>
-              <a:ext uri="{FF2B5EF4-FFF2-40B4-BE49-F238E27FC236}">
-                <a16:creationId xmlns:a16="http://schemas.microsoft.com/office/drawing/2014/main" id="{F4298ED6-14B7-B03E-1FFF-DA8BA84828B3}"/>
+          <p:cNvPr id="1032" name="Picture 8">
+            <a:extLst>
+              <a:ext uri="{FF2B5EF4-FFF2-40B4-BE49-F238E27FC236}">
+                <a16:creationId xmlns:a16="http://schemas.microsoft.com/office/drawing/2014/main" id="{43054E07-BBA3-EAE4-B0DD-47981F014166}"/>
               </a:ext>
             </a:extLst>
           </p:cNvPr>
@@ -4165,8 +4165,8 @@
         </p:blipFill>
         <p:spPr bwMode="auto">
           <a:xfrm>
-            <a:off x="8828505" y="2595292"/>
-            <a:ext cx="2653514" cy="2087133"/>
+            <a:off x="8789303" y="4664425"/>
+            <a:ext cx="2772204" cy="2029942"/>
           </a:xfrm>
           <a:prstGeom prst="rect">
             <a:avLst/>
@@ -4185,10 +4185,10 @@
       </p:pic>
       <p:pic>
         <p:nvPicPr>
-          <p:cNvPr id="1032" name="Picture 8">
-            <a:extLst>
-              <a:ext uri="{FF2B5EF4-FFF2-40B4-BE49-F238E27FC236}">
-                <a16:creationId xmlns:a16="http://schemas.microsoft.com/office/drawing/2014/main" id="{43054E07-BBA3-EAE4-B0DD-47981F014166}"/>
+          <p:cNvPr id="1038" name="Picture 14">
+            <a:extLst>
+              <a:ext uri="{FF2B5EF4-FFF2-40B4-BE49-F238E27FC236}">
+                <a16:creationId xmlns:a16="http://schemas.microsoft.com/office/drawing/2014/main" id="{680B5120-4C0A-2DF1-1EAC-BBFC9F78461B}"/>
               </a:ext>
             </a:extLst>
           </p:cNvPr>
@@ -4212,7 +4212,7 @@
         </p:blipFill>
         <p:spPr bwMode="auto">
           <a:xfrm>
-            <a:off x="8789303" y="4664425"/>
+            <a:off x="5915584" y="4699082"/>
             <a:ext cx="2772204" cy="2029942"/>
           </a:xfrm>
           <a:prstGeom prst="rect">
@@ -4232,10 +4232,10 @@
       </p:pic>
       <p:pic>
         <p:nvPicPr>
-          <p:cNvPr id="1038" name="Picture 14">
-            <a:extLst>
-              <a:ext uri="{FF2B5EF4-FFF2-40B4-BE49-F238E27FC236}">
-                <a16:creationId xmlns:a16="http://schemas.microsoft.com/office/drawing/2014/main" id="{680B5120-4C0A-2DF1-1EAC-BBFC9F78461B}"/>
+          <p:cNvPr id="1042" name="Picture 18">
+            <a:extLst>
+              <a:ext uri="{FF2B5EF4-FFF2-40B4-BE49-F238E27FC236}">
+                <a16:creationId xmlns:a16="http://schemas.microsoft.com/office/drawing/2014/main" id="{9B2BC1F0-998B-E4E7-E602-53FD3B172EB9}"/>
               </a:ext>
             </a:extLst>
           </p:cNvPr>
@@ -4259,7 +4259,7 @@
         </p:blipFill>
         <p:spPr bwMode="auto">
           <a:xfrm>
-            <a:off x="5915584" y="4699082"/>
+            <a:off x="3031412" y="4699082"/>
             <a:ext cx="2772204" cy="2029942"/>
           </a:xfrm>
           <a:prstGeom prst="rect">
@@ -4279,10 +4279,10 @@
       </p:pic>
       <p:pic>
         <p:nvPicPr>
-          <p:cNvPr id="1042" name="Picture 18">
-            <a:extLst>
-              <a:ext uri="{FF2B5EF4-FFF2-40B4-BE49-F238E27FC236}">
-                <a16:creationId xmlns:a16="http://schemas.microsoft.com/office/drawing/2014/main" id="{9B2BC1F0-998B-E4E7-E602-53FD3B172EB9}"/>
+          <p:cNvPr id="1044" name="Picture 20">
+            <a:extLst>
+              <a:ext uri="{FF2B5EF4-FFF2-40B4-BE49-F238E27FC236}">
+                <a16:creationId xmlns:a16="http://schemas.microsoft.com/office/drawing/2014/main" id="{CE881992-92BA-B255-1647-E01A26367A7B}"/>
               </a:ext>
             </a:extLst>
           </p:cNvPr>
@@ -4306,7 +4306,7 @@
         </p:blipFill>
         <p:spPr bwMode="auto">
           <a:xfrm>
-            <a:off x="3075776" y="4699082"/>
+            <a:off x="157693" y="4699082"/>
             <a:ext cx="2772204" cy="2029942"/>
           </a:xfrm>
           <a:prstGeom prst="rect">
@@ -4326,10 +4326,10 @@
       </p:pic>
       <p:pic>
         <p:nvPicPr>
-          <p:cNvPr id="1044" name="Picture 20">
-            <a:extLst>
-              <a:ext uri="{FF2B5EF4-FFF2-40B4-BE49-F238E27FC236}">
-                <a16:creationId xmlns:a16="http://schemas.microsoft.com/office/drawing/2014/main" id="{CE881992-92BA-B255-1647-E01A26367A7B}"/>
+          <p:cNvPr id="4116" name="Picture 20">
+            <a:extLst>
+              <a:ext uri="{FF2B5EF4-FFF2-40B4-BE49-F238E27FC236}">
+                <a16:creationId xmlns:a16="http://schemas.microsoft.com/office/drawing/2014/main" id="{B5636CE6-5B9C-F067-2B35-722EA9ECA9A5}"/>
               </a:ext>
             </a:extLst>
           </p:cNvPr>
@@ -4353,8 +4353,8 @@
         </p:blipFill>
         <p:spPr bwMode="auto">
           <a:xfrm>
-            <a:off x="219517" y="4699082"/>
-            <a:ext cx="2772204" cy="2029942"/>
+            <a:off x="8848105" y="2571749"/>
+            <a:ext cx="2633914" cy="2071717"/>
           </a:xfrm>
           <a:prstGeom prst="rect">
             <a:avLst/>
@@ -4373,10 +4373,10 @@
       </p:pic>
       <p:pic>
         <p:nvPicPr>
-          <p:cNvPr id="4104" name="Picture 8">
-            <a:extLst>
-              <a:ext uri="{FF2B5EF4-FFF2-40B4-BE49-F238E27FC236}">
-                <a16:creationId xmlns:a16="http://schemas.microsoft.com/office/drawing/2014/main" id="{945F2249-CF57-71E5-9579-6908793FFD9B}"/>
+          <p:cNvPr id="4118" name="Picture 22">
+            <a:extLst>
+              <a:ext uri="{FF2B5EF4-FFF2-40B4-BE49-F238E27FC236}">
+                <a16:creationId xmlns:a16="http://schemas.microsoft.com/office/drawing/2014/main" id="{B6F721E1-9F52-6ED2-DC52-DA228589DA41}"/>
               </a:ext>
             </a:extLst>
           </p:cNvPr>
@@ -4400,8 +4400,8 @@
         </p:blipFill>
         <p:spPr bwMode="auto">
           <a:xfrm>
-            <a:off x="5957636" y="2584191"/>
-            <a:ext cx="2608660" cy="2051854"/>
+            <a:off x="5981597" y="2592708"/>
+            <a:ext cx="2633914" cy="2071717"/>
           </a:xfrm>
           <a:prstGeom prst="rect">
             <a:avLst/>
@@ -4420,10 +4420,10 @@
       </p:pic>
       <p:pic>
         <p:nvPicPr>
-          <p:cNvPr id="4106" name="Picture 10">
-            <a:extLst>
-              <a:ext uri="{FF2B5EF4-FFF2-40B4-BE49-F238E27FC236}">
-                <a16:creationId xmlns:a16="http://schemas.microsoft.com/office/drawing/2014/main" id="{D8EDB101-C065-ED71-7854-F9D3C240A1F6}"/>
+          <p:cNvPr id="4120" name="Picture 24">
+            <a:extLst>
+              <a:ext uri="{FF2B5EF4-FFF2-40B4-BE49-F238E27FC236}">
+                <a16:creationId xmlns:a16="http://schemas.microsoft.com/office/drawing/2014/main" id="{72D1162A-B9B7-D210-B0DF-FEEB5CA7959E}"/>
               </a:ext>
             </a:extLst>
           </p:cNvPr>
@@ -4447,8 +4447,8 @@
         </p:blipFill>
         <p:spPr bwMode="auto">
           <a:xfrm>
-            <a:off x="3075776" y="2584191"/>
-            <a:ext cx="2608661" cy="2051854"/>
+            <a:off x="3026183" y="2571749"/>
+            <a:ext cx="2633914" cy="2071717"/>
           </a:xfrm>
           <a:prstGeom prst="rect">
             <a:avLst/>
@@ -4467,10 +4467,10 @@
       </p:pic>
       <p:pic>
         <p:nvPicPr>
-          <p:cNvPr id="4108" name="Picture 12">
-            <a:extLst>
-              <a:ext uri="{FF2B5EF4-FFF2-40B4-BE49-F238E27FC236}">
-                <a16:creationId xmlns:a16="http://schemas.microsoft.com/office/drawing/2014/main" id="{CB017196-C80F-013B-825A-30AE58DF5273}"/>
+          <p:cNvPr id="4122" name="Picture 26">
+            <a:extLst>
+              <a:ext uri="{FF2B5EF4-FFF2-40B4-BE49-F238E27FC236}">
+                <a16:creationId xmlns:a16="http://schemas.microsoft.com/office/drawing/2014/main" id="{EF41DD0F-3CEF-556F-7862-CB6047489E5B}"/>
               </a:ext>
             </a:extLst>
           </p:cNvPr>
@@ -4494,8 +4494,8 @@
         </p:blipFill>
         <p:spPr bwMode="auto">
           <a:xfrm>
-            <a:off x="186159" y="2578093"/>
-            <a:ext cx="2616413" cy="2057952"/>
+            <a:off x="184014" y="2592708"/>
+            <a:ext cx="2633915" cy="2071718"/>
           </a:xfrm>
           <a:prstGeom prst="rect">
             <a:avLst/>

--- a/20240621 EAD Update (Mixed Prelim).pptx
+++ b/20240621 EAD Update (Mixed Prelim).pptx
@@ -4542,72 +4542,12 @@
           <a:chExt cx="0" cy="0"/>
         </a:xfrm>
       </p:grpSpPr>
-      <p:sp>
-        <p:nvSpPr>
-          <p:cNvPr id="2" name="TextBox 1">
-            <a:extLst>
-              <a:ext uri="{FF2B5EF4-FFF2-40B4-BE49-F238E27FC236}">
-                <a16:creationId xmlns:a16="http://schemas.microsoft.com/office/drawing/2014/main" id="{63C518E6-980C-A629-3BAF-98EA6AAED8B9}"/>
-              </a:ext>
-            </a:extLst>
-          </p:cNvPr>
-          <p:cNvSpPr txBox="1"/>
-          <p:nvPr/>
-        </p:nvSpPr>
-        <p:spPr>
-          <a:xfrm>
-            <a:off x="1494366" y="278487"/>
-            <a:ext cx="9203267" cy="369332"/>
-          </a:xfrm>
-          <a:prstGeom prst="rect">
-            <a:avLst/>
-          </a:prstGeom>
-          <a:noFill/>
-        </p:spPr>
-        <p:txBody>
-          <a:bodyPr wrap="square" rtlCol="0">
-            <a:spAutoFit/>
-          </a:bodyPr>
-          <a:lstStyle/>
-          <a:p>
-            <a:pPr algn="ctr"/>
-            <a:r>
-              <a:rPr lang="en-US" dirty="0"/>
-              <a:t>Binary </a:t>
-            </a:r>
-            <a:r>
-              <a:rPr lang="en-US" dirty="0" err="1"/>
-              <a:t>pNFH:NFL</a:t>
-            </a:r>
-            <a:r>
-              <a:rPr lang="en-US" dirty="0"/>
-              <a:t>; </a:t>
-            </a:r>
-            <a:r>
-              <a:rPr lang="en-US" dirty="0" err="1"/>
-              <a:t>sigma_total</a:t>
-            </a:r>
-            <a:r>
-              <a:rPr lang="en-US" dirty="0"/>
-              <a:t> = 0.03 c/nm2; </a:t>
-            </a:r>
-            <a:r>
-              <a:rPr lang="en-US" dirty="0" err="1"/>
-              <a:t>bv</a:t>
-            </a:r>
-            <a:r>
-              <a:rPr lang="en-US" dirty="0"/>
-              <a:t> = [(0.6, 0.15), (0.6, 0.05)]</a:t>
-            </a:r>
-          </a:p>
-        </p:txBody>
-      </p:sp>
       <p:pic>
         <p:nvPicPr>
-          <p:cNvPr id="2054" name="Picture 6">
-            <a:extLst>
-              <a:ext uri="{FF2B5EF4-FFF2-40B4-BE49-F238E27FC236}">
-                <a16:creationId xmlns:a16="http://schemas.microsoft.com/office/drawing/2014/main" id="{ECCA669D-4B1A-A478-9C0F-2A0AE8C3FF69}"/>
+          <p:cNvPr id="3100" name="Picture 28">
+            <a:extLst>
+              <a:ext uri="{FF2B5EF4-FFF2-40B4-BE49-F238E27FC236}">
+                <a16:creationId xmlns:a16="http://schemas.microsoft.com/office/drawing/2014/main" id="{DA683D91-6D1B-FFC1-38FA-A53602C10B74}"/>
               </a:ext>
             </a:extLst>
           </p:cNvPr>
@@ -4631,8 +4571,8 @@
         </p:blipFill>
         <p:spPr bwMode="auto">
           <a:xfrm>
-            <a:off x="3378051" y="971576"/>
-            <a:ext cx="2741846" cy="2367532"/>
+            <a:off x="9076868" y="809375"/>
+            <a:ext cx="2633917" cy="2232432"/>
           </a:xfrm>
           <a:prstGeom prst="rect">
             <a:avLst/>
@@ -4651,10 +4591,10 @@
       </p:pic>
       <p:pic>
         <p:nvPicPr>
-          <p:cNvPr id="2056" name="Picture 8">
-            <a:extLst>
-              <a:ext uri="{FF2B5EF4-FFF2-40B4-BE49-F238E27FC236}">
-                <a16:creationId xmlns:a16="http://schemas.microsoft.com/office/drawing/2014/main" id="{2C802B26-472E-FBE4-44AD-87AAB1687040}"/>
+          <p:cNvPr id="3078" name="Picture 6">
+            <a:extLst>
+              <a:ext uri="{FF2B5EF4-FFF2-40B4-BE49-F238E27FC236}">
+                <a16:creationId xmlns:a16="http://schemas.microsoft.com/office/drawing/2014/main" id="{FA4FBC6A-2272-C7E0-3918-CB963C89CA6F}"/>
               </a:ext>
             </a:extLst>
           </p:cNvPr>
@@ -4678,8 +4618,8 @@
         </p:blipFill>
         <p:spPr bwMode="auto">
           <a:xfrm>
-            <a:off x="3290854" y="3331632"/>
-            <a:ext cx="2855583" cy="2119211"/>
+            <a:off x="337576" y="812201"/>
+            <a:ext cx="2633915" cy="2232430"/>
           </a:xfrm>
           <a:prstGeom prst="rect">
             <a:avLst/>
@@ -4696,12 +4636,72 @@
           </a:extLst>
         </p:spPr>
       </p:pic>
+      <p:sp>
+        <p:nvSpPr>
+          <p:cNvPr id="2" name="TextBox 1">
+            <a:extLst>
+              <a:ext uri="{FF2B5EF4-FFF2-40B4-BE49-F238E27FC236}">
+                <a16:creationId xmlns:a16="http://schemas.microsoft.com/office/drawing/2014/main" id="{63C518E6-980C-A629-3BAF-98EA6AAED8B9}"/>
+              </a:ext>
+            </a:extLst>
+          </p:cNvPr>
+          <p:cNvSpPr txBox="1"/>
+          <p:nvPr/>
+        </p:nvSpPr>
+        <p:spPr>
+          <a:xfrm>
+            <a:off x="1494366" y="213039"/>
+            <a:ext cx="9203267" cy="369332"/>
+          </a:xfrm>
+          <a:prstGeom prst="rect">
+            <a:avLst/>
+          </a:prstGeom>
+          <a:noFill/>
+        </p:spPr>
+        <p:txBody>
+          <a:bodyPr wrap="square" rtlCol="0">
+            <a:spAutoFit/>
+          </a:bodyPr>
+          <a:lstStyle/>
+          <a:p>
+            <a:pPr algn="ctr"/>
+            <a:r>
+              <a:rPr lang="en-US" dirty="0"/>
+              <a:t>Binary </a:t>
+            </a:r>
+            <a:r>
+              <a:rPr lang="en-US" dirty="0" err="1"/>
+              <a:t>pNFH:NFL</a:t>
+            </a:r>
+            <a:r>
+              <a:rPr lang="en-US" dirty="0"/>
+              <a:t>; </a:t>
+            </a:r>
+            <a:r>
+              <a:rPr lang="en-US" dirty="0" err="1"/>
+              <a:t>sigma_total</a:t>
+            </a:r>
+            <a:r>
+              <a:rPr lang="en-US" dirty="0"/>
+              <a:t> = 0.03 c/nm2; </a:t>
+            </a:r>
+            <a:r>
+              <a:rPr lang="en-US" dirty="0" err="1"/>
+              <a:t>bv</a:t>
+            </a:r>
+            <a:r>
+              <a:rPr lang="en-US" dirty="0"/>
+              <a:t> = [(0.6, 0.15), (0.6, 0.05)]</a:t>
+            </a:r>
+          </a:p>
+        </p:txBody>
+      </p:sp>
       <p:pic>
         <p:nvPicPr>
-          <p:cNvPr id="2058" name="Picture 10">
-            <a:extLst>
-              <a:ext uri="{FF2B5EF4-FFF2-40B4-BE49-F238E27FC236}">
-                <a16:creationId xmlns:a16="http://schemas.microsoft.com/office/drawing/2014/main" id="{639C1567-01F1-A5F9-F59E-61C1A4852E0E}"/>
+          <p:cNvPr id="3074" name="Picture 2">
+            <a:extLst>
+              <a:ext uri="{FF2B5EF4-FFF2-40B4-BE49-F238E27FC236}">
+                <a16:creationId xmlns:a16="http://schemas.microsoft.com/office/drawing/2014/main" id="{B45BC63E-AF7F-CFA3-D89D-CA98C2EB9919}"/>
               </a:ext>
             </a:extLst>
           </p:cNvPr>
@@ -4725,8 +4725,8 @@
         </p:blipFill>
         <p:spPr bwMode="auto">
           <a:xfrm>
-            <a:off x="6109622" y="3331632"/>
-            <a:ext cx="2855583" cy="2119211"/>
+            <a:off x="265757" y="4796699"/>
+            <a:ext cx="2777551" cy="2061301"/>
           </a:xfrm>
           <a:prstGeom prst="rect">
             <a:avLst/>
@@ -4745,10 +4745,10 @@
       </p:pic>
       <p:pic>
         <p:nvPicPr>
-          <p:cNvPr id="2060" name="Picture 12">
-            <a:extLst>
-              <a:ext uri="{FF2B5EF4-FFF2-40B4-BE49-F238E27FC236}">
-                <a16:creationId xmlns:a16="http://schemas.microsoft.com/office/drawing/2014/main" id="{DC9554C0-2B51-FECD-FC17-28FA6B5E11A0}"/>
+          <p:cNvPr id="3076" name="Picture 4">
+            <a:extLst>
+              <a:ext uri="{FF2B5EF4-FFF2-40B4-BE49-F238E27FC236}">
+                <a16:creationId xmlns:a16="http://schemas.microsoft.com/office/drawing/2014/main" id="{A0F7B615-89DF-B4FD-D22C-E5F320097DCE}"/>
               </a:ext>
             </a:extLst>
           </p:cNvPr>
@@ -4772,8 +4772,8 @@
         </p:blipFill>
         <p:spPr bwMode="auto">
           <a:xfrm>
-            <a:off x="6221233" y="988363"/>
-            <a:ext cx="2743972" cy="2369368"/>
+            <a:off x="337577" y="2724981"/>
+            <a:ext cx="2633915" cy="2071718"/>
           </a:xfrm>
           <a:prstGeom prst="rect">
             <a:avLst/>
@@ -4792,10 +4792,10 @@
       </p:pic>
       <p:pic>
         <p:nvPicPr>
-          <p:cNvPr id="1026" name="Picture 2">
-            <a:extLst>
-              <a:ext uri="{FF2B5EF4-FFF2-40B4-BE49-F238E27FC236}">
-                <a16:creationId xmlns:a16="http://schemas.microsoft.com/office/drawing/2014/main" id="{716598A7-992B-51B1-5249-58935EA79703}"/>
+          <p:cNvPr id="3082" name="Picture 10">
+            <a:extLst>
+              <a:ext uri="{FF2B5EF4-FFF2-40B4-BE49-F238E27FC236}">
+                <a16:creationId xmlns:a16="http://schemas.microsoft.com/office/drawing/2014/main" id="{B43BAD72-4CF5-023A-6258-0EC9669109BD}"/>
               </a:ext>
             </a:extLst>
           </p:cNvPr>
@@ -4819,8 +4819,8 @@
         </p:blipFill>
         <p:spPr bwMode="auto">
           <a:xfrm>
-            <a:off x="9020493" y="988363"/>
-            <a:ext cx="2765274" cy="2387762"/>
+            <a:off x="3115128" y="4796699"/>
+            <a:ext cx="2846401" cy="2078257"/>
           </a:xfrm>
           <a:prstGeom prst="rect">
             <a:avLst/>
@@ -4839,10 +4839,10 @@
       </p:pic>
       <p:pic>
         <p:nvPicPr>
-          <p:cNvPr id="1028" name="Picture 4">
-            <a:extLst>
-              <a:ext uri="{FF2B5EF4-FFF2-40B4-BE49-F238E27FC236}">
-                <a16:creationId xmlns:a16="http://schemas.microsoft.com/office/drawing/2014/main" id="{E06F56E1-1DF8-C06D-3805-9B19205F6B43}"/>
+          <p:cNvPr id="3084" name="Picture 12">
+            <a:extLst>
+              <a:ext uri="{FF2B5EF4-FFF2-40B4-BE49-F238E27FC236}">
+                <a16:creationId xmlns:a16="http://schemas.microsoft.com/office/drawing/2014/main" id="{42BE2D6C-DC3B-B5F6-6A56-085CB0B5CB25}"/>
               </a:ext>
             </a:extLst>
           </p:cNvPr>
@@ -4866,8 +4866,8 @@
         </p:blipFill>
         <p:spPr bwMode="auto">
           <a:xfrm>
-            <a:off x="8926203" y="3350255"/>
-            <a:ext cx="2855584" cy="2119211"/>
+            <a:off x="3249397" y="821346"/>
+            <a:ext cx="2633915" cy="2232431"/>
           </a:xfrm>
           <a:prstGeom prst="rect">
             <a:avLst/>
@@ -4886,10 +4886,10 @@
       </p:pic>
       <p:pic>
         <p:nvPicPr>
-          <p:cNvPr id="1030" name="Picture 6">
-            <a:extLst>
-              <a:ext uri="{FF2B5EF4-FFF2-40B4-BE49-F238E27FC236}">
-                <a16:creationId xmlns:a16="http://schemas.microsoft.com/office/drawing/2014/main" id="{CC6C6391-124C-77C0-8799-07814CB30233}"/>
+          <p:cNvPr id="3086" name="Picture 14">
+            <a:extLst>
+              <a:ext uri="{FF2B5EF4-FFF2-40B4-BE49-F238E27FC236}">
+                <a16:creationId xmlns:a16="http://schemas.microsoft.com/office/drawing/2014/main" id="{A9558B97-2657-04BE-6E6A-61D3D71DFC83}"/>
               </a:ext>
             </a:extLst>
           </p:cNvPr>
@@ -4913,8 +4913,8 @@
         </p:blipFill>
         <p:spPr bwMode="auto">
           <a:xfrm>
-            <a:off x="303000" y="3331632"/>
-            <a:ext cx="2855584" cy="2119211"/>
+            <a:off x="3249396" y="2728916"/>
+            <a:ext cx="2633916" cy="2071719"/>
           </a:xfrm>
           <a:prstGeom prst="rect">
             <a:avLst/>
@@ -4933,10 +4933,10 @@
       </p:pic>
       <p:pic>
         <p:nvPicPr>
-          <p:cNvPr id="1032" name="Picture 8">
-            <a:extLst>
-              <a:ext uri="{FF2B5EF4-FFF2-40B4-BE49-F238E27FC236}">
-                <a16:creationId xmlns:a16="http://schemas.microsoft.com/office/drawing/2014/main" id="{9D8181B5-409D-9877-6027-5DD6074ABE20}"/>
+          <p:cNvPr id="3088" name="Picture 16">
+            <a:extLst>
+              <a:ext uri="{FF2B5EF4-FFF2-40B4-BE49-F238E27FC236}">
+                <a16:creationId xmlns:a16="http://schemas.microsoft.com/office/drawing/2014/main" id="{2F5180D7-4E24-2060-64BC-F2501F7326DC}"/>
               </a:ext>
             </a:extLst>
           </p:cNvPr>
@@ -4960,8 +4960,196 @@
         </p:blipFill>
         <p:spPr bwMode="auto">
           <a:xfrm>
-            <a:off x="366690" y="960428"/>
-            <a:ext cx="2795480" cy="2369368"/>
+            <a:off x="6095999" y="4763085"/>
+            <a:ext cx="2846401" cy="2078257"/>
+          </a:xfrm>
+          <a:prstGeom prst="rect">
+            <a:avLst/>
+          </a:prstGeom>
+          <a:noFill/>
+          <a:extLst>
+            <a:ext uri="{909E8E84-426E-40DD-AFC4-6F175D3DCCD1}">
+              <a14:hiddenFill xmlns:a14="http://schemas.microsoft.com/office/drawing/2010/main">
+                <a:solidFill>
+                  <a:srgbClr val="FFFFFF"/>
+                </a:solidFill>
+              </a14:hiddenFill>
+            </a:ext>
+          </a:extLst>
+        </p:spPr>
+      </p:pic>
+      <p:pic>
+        <p:nvPicPr>
+          <p:cNvPr id="3092" name="Picture 20">
+            <a:extLst>
+              <a:ext uri="{FF2B5EF4-FFF2-40B4-BE49-F238E27FC236}">
+                <a16:creationId xmlns:a16="http://schemas.microsoft.com/office/drawing/2014/main" id="{D81F7714-6F43-6F8C-87BF-EA818CAF6DD1}"/>
+              </a:ext>
+            </a:extLst>
+          </p:cNvPr>
+          <p:cNvPicPr>
+            <a:picLocks noChangeAspect="1" noChangeArrowheads="1"/>
+          </p:cNvPicPr>
+          <p:nvPr/>
+        </p:nvPicPr>
+        <p:blipFill>
+          <a:blip r:embed="rId10">
+            <a:extLst>
+              <a:ext uri="{28A0092B-C50C-407E-A947-70E740481C1C}">
+                <a14:useLocalDpi xmlns:a14="http://schemas.microsoft.com/office/drawing/2010/main" val="0"/>
+              </a:ext>
+            </a:extLst>
+          </a:blip>
+          <a:srcRect/>
+          <a:stretch>
+            <a:fillRect/>
+          </a:stretch>
+        </p:blipFill>
+        <p:spPr bwMode="auto">
+          <a:xfrm>
+            <a:off x="6167816" y="821346"/>
+            <a:ext cx="2633916" cy="2232431"/>
+          </a:xfrm>
+          <a:prstGeom prst="rect">
+            <a:avLst/>
+          </a:prstGeom>
+          <a:noFill/>
+          <a:extLst>
+            <a:ext uri="{909E8E84-426E-40DD-AFC4-6F175D3DCCD1}">
+              <a14:hiddenFill xmlns:a14="http://schemas.microsoft.com/office/drawing/2010/main">
+                <a:solidFill>
+                  <a:srgbClr val="FFFFFF"/>
+                </a:solidFill>
+              </a14:hiddenFill>
+            </a:ext>
+          </a:extLst>
+        </p:spPr>
+      </p:pic>
+      <p:pic>
+        <p:nvPicPr>
+          <p:cNvPr id="3094" name="Picture 22">
+            <a:extLst>
+              <a:ext uri="{FF2B5EF4-FFF2-40B4-BE49-F238E27FC236}">
+                <a16:creationId xmlns:a16="http://schemas.microsoft.com/office/drawing/2014/main" id="{E727738D-F24F-3231-F40F-533C676498B4}"/>
+              </a:ext>
+            </a:extLst>
+          </p:cNvPr>
+          <p:cNvPicPr>
+            <a:picLocks noChangeAspect="1" noChangeArrowheads="1"/>
+          </p:cNvPicPr>
+          <p:nvPr/>
+        </p:nvPicPr>
+        <p:blipFill>
+          <a:blip r:embed="rId11">
+            <a:extLst>
+              <a:ext uri="{28A0092B-C50C-407E-A947-70E740481C1C}">
+                <a14:useLocalDpi xmlns:a14="http://schemas.microsoft.com/office/drawing/2010/main" val="0"/>
+              </a:ext>
+            </a:extLst>
+          </a:blip>
+          <a:srcRect/>
+          <a:stretch>
+            <a:fillRect/>
+          </a:stretch>
+        </p:blipFill>
+        <p:spPr bwMode="auto">
+          <a:xfrm>
+            <a:off x="6167816" y="2724980"/>
+            <a:ext cx="2633916" cy="2071719"/>
+          </a:xfrm>
+          <a:prstGeom prst="rect">
+            <a:avLst/>
+          </a:prstGeom>
+          <a:noFill/>
+          <a:extLst>
+            <a:ext uri="{909E8E84-426E-40DD-AFC4-6F175D3DCCD1}">
+              <a14:hiddenFill xmlns:a14="http://schemas.microsoft.com/office/drawing/2010/main">
+                <a:solidFill>
+                  <a:srgbClr val="FFFFFF"/>
+                </a:solidFill>
+              </a14:hiddenFill>
+            </a:ext>
+          </a:extLst>
+        </p:spPr>
+      </p:pic>
+      <p:pic>
+        <p:nvPicPr>
+          <p:cNvPr id="3096" name="Picture 24">
+            <a:extLst>
+              <a:ext uri="{FF2B5EF4-FFF2-40B4-BE49-F238E27FC236}">
+                <a16:creationId xmlns:a16="http://schemas.microsoft.com/office/drawing/2014/main" id="{72628233-7306-B890-069C-5FF1E6203BAA}"/>
+              </a:ext>
+            </a:extLst>
+          </p:cNvPr>
+          <p:cNvPicPr>
+            <a:picLocks noChangeAspect="1" noChangeArrowheads="1"/>
+          </p:cNvPicPr>
+          <p:nvPr/>
+        </p:nvPicPr>
+        <p:blipFill>
+          <a:blip r:embed="rId12">
+            <a:extLst>
+              <a:ext uri="{28A0092B-C50C-407E-A947-70E740481C1C}">
+                <a14:useLocalDpi xmlns:a14="http://schemas.microsoft.com/office/drawing/2010/main" val="0"/>
+              </a:ext>
+            </a:extLst>
+          </a:blip>
+          <a:srcRect/>
+          <a:stretch>
+            <a:fillRect/>
+          </a:stretch>
+        </p:blipFill>
+        <p:spPr bwMode="auto">
+          <a:xfrm>
+            <a:off x="8970627" y="4763084"/>
+            <a:ext cx="2846401" cy="2078257"/>
+          </a:xfrm>
+          <a:prstGeom prst="rect">
+            <a:avLst/>
+          </a:prstGeom>
+          <a:noFill/>
+          <a:extLst>
+            <a:ext uri="{909E8E84-426E-40DD-AFC4-6F175D3DCCD1}">
+              <a14:hiddenFill xmlns:a14="http://schemas.microsoft.com/office/drawing/2010/main">
+                <a:solidFill>
+                  <a:srgbClr val="FFFFFF"/>
+                </a:solidFill>
+              </a14:hiddenFill>
+            </a:ext>
+          </a:extLst>
+        </p:spPr>
+      </p:pic>
+      <p:pic>
+        <p:nvPicPr>
+          <p:cNvPr id="3098" name="Picture 26">
+            <a:extLst>
+              <a:ext uri="{FF2B5EF4-FFF2-40B4-BE49-F238E27FC236}">
+                <a16:creationId xmlns:a16="http://schemas.microsoft.com/office/drawing/2014/main" id="{6C43A136-011D-BD4F-AB43-197E09E9BD27}"/>
+              </a:ext>
+            </a:extLst>
+          </p:cNvPr>
+          <p:cNvPicPr>
+            <a:picLocks noChangeAspect="1" noChangeArrowheads="1"/>
+          </p:cNvPicPr>
+          <p:nvPr/>
+        </p:nvPicPr>
+        <p:blipFill>
+          <a:blip r:embed="rId13">
+            <a:extLst>
+              <a:ext uri="{28A0092B-C50C-407E-A947-70E740481C1C}">
+                <a14:useLocalDpi xmlns:a14="http://schemas.microsoft.com/office/drawing/2010/main" val="0"/>
+              </a:ext>
+            </a:extLst>
+          </a:blip>
+          <a:srcRect/>
+          <a:stretch>
+            <a:fillRect/>
+          </a:stretch>
+        </p:blipFill>
+        <p:spPr bwMode="auto">
+          <a:xfrm>
+            <a:off x="9076870" y="2724980"/>
+            <a:ext cx="2633916" cy="2071719"/>
           </a:xfrm>
           <a:prstGeom prst="rect">
             <a:avLst/>

--- a/20240621 EAD Update (Mixed Prelim).pptx
+++ b/20240621 EAD Update (Mixed Prelim).pptx
@@ -4571,7 +4571,7 @@
         </p:blipFill>
         <p:spPr bwMode="auto">
           <a:xfrm>
-            <a:off x="9076868" y="809375"/>
+            <a:off x="8978256" y="612995"/>
             <a:ext cx="2633917" cy="2232432"/>
           </a:xfrm>
           <a:prstGeom prst="rect">
@@ -4618,7 +4618,7 @@
         </p:blipFill>
         <p:spPr bwMode="auto">
           <a:xfrm>
-            <a:off x="337576" y="812201"/>
+            <a:off x="238964" y="615821"/>
             <a:ext cx="2633915" cy="2232430"/>
           </a:xfrm>
           <a:prstGeom prst="rect">
@@ -4725,7 +4725,7 @@
         </p:blipFill>
         <p:spPr bwMode="auto">
           <a:xfrm>
-            <a:off x="265757" y="4796699"/>
+            <a:off x="167145" y="4600319"/>
             <a:ext cx="2777551" cy="2061301"/>
           </a:xfrm>
           <a:prstGeom prst="rect">
@@ -4772,7 +4772,7 @@
         </p:blipFill>
         <p:spPr bwMode="auto">
           <a:xfrm>
-            <a:off x="337577" y="2724981"/>
+            <a:off x="238965" y="2528601"/>
             <a:ext cx="2633915" cy="2071718"/>
           </a:xfrm>
           <a:prstGeom prst="rect">
@@ -4819,7 +4819,7 @@
         </p:blipFill>
         <p:spPr bwMode="auto">
           <a:xfrm>
-            <a:off x="3115128" y="4796699"/>
+            <a:off x="3016516" y="4600319"/>
             <a:ext cx="2846401" cy="2078257"/>
           </a:xfrm>
           <a:prstGeom prst="rect">
@@ -4866,7 +4866,7 @@
         </p:blipFill>
         <p:spPr bwMode="auto">
           <a:xfrm>
-            <a:off x="3249397" y="821346"/>
+            <a:off x="3150785" y="624966"/>
             <a:ext cx="2633915" cy="2232431"/>
           </a:xfrm>
           <a:prstGeom prst="rect">
@@ -4913,7 +4913,7 @@
         </p:blipFill>
         <p:spPr bwMode="auto">
           <a:xfrm>
-            <a:off x="3249396" y="2728916"/>
+            <a:off x="3150784" y="2532536"/>
             <a:ext cx="2633916" cy="2071719"/>
           </a:xfrm>
           <a:prstGeom prst="rect">
@@ -4960,7 +4960,7 @@
         </p:blipFill>
         <p:spPr bwMode="auto">
           <a:xfrm>
-            <a:off x="6095999" y="4763085"/>
+            <a:off x="5997387" y="4566705"/>
             <a:ext cx="2846401" cy="2078257"/>
           </a:xfrm>
           <a:prstGeom prst="rect">
@@ -5007,7 +5007,7 @@
         </p:blipFill>
         <p:spPr bwMode="auto">
           <a:xfrm>
-            <a:off x="6167816" y="821346"/>
+            <a:off x="6069204" y="624966"/>
             <a:ext cx="2633916" cy="2232431"/>
           </a:xfrm>
           <a:prstGeom prst="rect">
@@ -5054,7 +5054,7 @@
         </p:blipFill>
         <p:spPr bwMode="auto">
           <a:xfrm>
-            <a:off x="6167816" y="2724980"/>
+            <a:off x="6069204" y="2528600"/>
             <a:ext cx="2633916" cy="2071719"/>
           </a:xfrm>
           <a:prstGeom prst="rect">
@@ -5101,7 +5101,7 @@
         </p:blipFill>
         <p:spPr bwMode="auto">
           <a:xfrm>
-            <a:off x="8970627" y="4763084"/>
+            <a:off x="8872015" y="4566704"/>
             <a:ext cx="2846401" cy="2078257"/>
           </a:xfrm>
           <a:prstGeom prst="rect">
@@ -5148,7 +5148,7 @@
         </p:blipFill>
         <p:spPr bwMode="auto">
           <a:xfrm>
-            <a:off x="9076870" y="2724980"/>
+            <a:off x="8978258" y="2528600"/>
             <a:ext cx="2633916" cy="2071719"/>
           </a:xfrm>
           <a:prstGeom prst="rect">
@@ -5250,10 +5250,10 @@
       </p:sp>
       <p:pic>
         <p:nvPicPr>
-          <p:cNvPr id="2050" name="Picture 2">
-            <a:extLst>
-              <a:ext uri="{FF2B5EF4-FFF2-40B4-BE49-F238E27FC236}">
-                <a16:creationId xmlns:a16="http://schemas.microsoft.com/office/drawing/2014/main" id="{FDE7D464-0304-2AA8-5596-8D453F2994BB}"/>
+          <p:cNvPr id="3" name="Picture 2">
+            <a:extLst>
+              <a:ext uri="{FF2B5EF4-FFF2-40B4-BE49-F238E27FC236}">
+                <a16:creationId xmlns:a16="http://schemas.microsoft.com/office/drawing/2014/main" id="{21D32723-BD6A-9221-D3C9-BF56C59ED325}"/>
               </a:ext>
             </a:extLst>
           </p:cNvPr>
@@ -5277,8 +5277,8 @@
         </p:blipFill>
         <p:spPr bwMode="auto">
           <a:xfrm>
-            <a:off x="9144378" y="1000982"/>
-            <a:ext cx="2765625" cy="2344064"/>
+            <a:off x="8929688" y="4697982"/>
+            <a:ext cx="2775908" cy="2026658"/>
           </a:xfrm>
           <a:prstGeom prst="rect">
             <a:avLst/>
@@ -5297,10 +5297,10 @@
       </p:pic>
       <p:pic>
         <p:nvPicPr>
-          <p:cNvPr id="2052" name="Picture 4">
-            <a:extLst>
-              <a:ext uri="{FF2B5EF4-FFF2-40B4-BE49-F238E27FC236}">
-                <a16:creationId xmlns:a16="http://schemas.microsoft.com/office/drawing/2014/main" id="{D9192E39-0831-4D6A-C904-8951E54C9908}"/>
+          <p:cNvPr id="4" name="Picture 4">
+            <a:extLst>
+              <a:ext uri="{FF2B5EF4-FFF2-40B4-BE49-F238E27FC236}">
+                <a16:creationId xmlns:a16="http://schemas.microsoft.com/office/drawing/2014/main" id="{19BD8B18-7B76-E8E9-2DE8-30B9E7EFFD02}"/>
               </a:ext>
             </a:extLst>
           </p:cNvPr>
@@ -5324,8 +5324,8 @@
         </p:blipFill>
         <p:spPr bwMode="auto">
           <a:xfrm>
-            <a:off x="9055744" y="3429000"/>
-            <a:ext cx="2931846" cy="2140507"/>
+            <a:off x="8929688" y="751830"/>
+            <a:ext cx="2643747" cy="2240764"/>
           </a:xfrm>
           <a:prstGeom prst="rect">
             <a:avLst/>
@@ -5344,10 +5344,10 @@
       </p:pic>
       <p:pic>
         <p:nvPicPr>
-          <p:cNvPr id="2054" name="Picture 6">
-            <a:extLst>
-              <a:ext uri="{FF2B5EF4-FFF2-40B4-BE49-F238E27FC236}">
-                <a16:creationId xmlns:a16="http://schemas.microsoft.com/office/drawing/2014/main" id="{D025C30B-25B2-81D7-B981-0A209D74E1D3}"/>
+          <p:cNvPr id="5" name="Picture 6">
+            <a:extLst>
+              <a:ext uri="{FF2B5EF4-FFF2-40B4-BE49-F238E27FC236}">
+                <a16:creationId xmlns:a16="http://schemas.microsoft.com/office/drawing/2014/main" id="{8BC41DF6-E110-1AC0-A64C-47861003B3C5}"/>
               </a:ext>
             </a:extLst>
           </p:cNvPr>
@@ -5371,8 +5371,8 @@
         </p:blipFill>
         <p:spPr bwMode="auto">
           <a:xfrm>
-            <a:off x="6155362" y="1000982"/>
-            <a:ext cx="2765625" cy="2344064"/>
+            <a:off x="8953405" y="2649716"/>
+            <a:ext cx="2604099" cy="2048266"/>
           </a:xfrm>
           <a:prstGeom prst="rect">
             <a:avLst/>
@@ -5391,10 +5391,10 @@
       </p:pic>
       <p:pic>
         <p:nvPicPr>
-          <p:cNvPr id="2056" name="Picture 8">
-            <a:extLst>
-              <a:ext uri="{FF2B5EF4-FFF2-40B4-BE49-F238E27FC236}">
-                <a16:creationId xmlns:a16="http://schemas.microsoft.com/office/drawing/2014/main" id="{16668E61-F277-B031-6A9B-910AF21EC607}"/>
+          <p:cNvPr id="6" name="Picture 8">
+            <a:extLst>
+              <a:ext uri="{FF2B5EF4-FFF2-40B4-BE49-F238E27FC236}">
+                <a16:creationId xmlns:a16="http://schemas.microsoft.com/office/drawing/2014/main" id="{0F2BA287-E1FF-45B3-DC6E-EDFB0999125F}"/>
               </a:ext>
             </a:extLst>
           </p:cNvPr>
@@ -5418,8 +5418,8 @@
         </p:blipFill>
         <p:spPr bwMode="auto">
           <a:xfrm>
-            <a:off x="6072251" y="3429000"/>
-            <a:ext cx="2931846" cy="2140507"/>
+            <a:off x="5892951" y="4697982"/>
+            <a:ext cx="2775907" cy="2026658"/>
           </a:xfrm>
           <a:prstGeom prst="rect">
             <a:avLst/>
@@ -5438,10 +5438,10 @@
       </p:pic>
       <p:pic>
         <p:nvPicPr>
-          <p:cNvPr id="2058" name="Picture 10">
-            <a:extLst>
-              <a:ext uri="{FF2B5EF4-FFF2-40B4-BE49-F238E27FC236}">
-                <a16:creationId xmlns:a16="http://schemas.microsoft.com/office/drawing/2014/main" id="{9BFB64BC-316B-75A9-743B-97BD9062E674}"/>
+          <p:cNvPr id="7" name="Picture 10">
+            <a:extLst>
+              <a:ext uri="{FF2B5EF4-FFF2-40B4-BE49-F238E27FC236}">
+                <a16:creationId xmlns:a16="http://schemas.microsoft.com/office/drawing/2014/main" id="{BFE8F1B3-F235-B165-7AD2-F7702BA26907}"/>
               </a:ext>
             </a:extLst>
           </p:cNvPr>
@@ -5465,8 +5465,8 @@
         </p:blipFill>
         <p:spPr bwMode="auto">
           <a:xfrm>
-            <a:off x="3171869" y="1000982"/>
-            <a:ext cx="2765625" cy="2344064"/>
+            <a:off x="5879167" y="751830"/>
+            <a:ext cx="2643747" cy="2240764"/>
           </a:xfrm>
           <a:prstGeom prst="rect">
             <a:avLst/>
@@ -5485,10 +5485,10 @@
       </p:pic>
       <p:pic>
         <p:nvPicPr>
-          <p:cNvPr id="2060" name="Picture 12">
-            <a:extLst>
-              <a:ext uri="{FF2B5EF4-FFF2-40B4-BE49-F238E27FC236}">
-                <a16:creationId xmlns:a16="http://schemas.microsoft.com/office/drawing/2014/main" id="{2FE38CA5-DB32-ECA4-AB02-AECBB4A226A6}"/>
+          <p:cNvPr id="8" name="Picture 12">
+            <a:extLst>
+              <a:ext uri="{FF2B5EF4-FFF2-40B4-BE49-F238E27FC236}">
+                <a16:creationId xmlns:a16="http://schemas.microsoft.com/office/drawing/2014/main" id="{5D6022D0-56EF-6BA7-B814-813C353F6989}"/>
               </a:ext>
             </a:extLst>
           </p:cNvPr>
@@ -5512,8 +5512,8 @@
         </p:blipFill>
         <p:spPr bwMode="auto">
           <a:xfrm>
-            <a:off x="3088758" y="3428998"/>
-            <a:ext cx="2931846" cy="2140507"/>
+            <a:off x="5892951" y="2649716"/>
+            <a:ext cx="2604099" cy="2048266"/>
           </a:xfrm>
           <a:prstGeom prst="rect">
             <a:avLst/>
@@ -5532,10 +5532,10 @@
       </p:pic>
       <p:pic>
         <p:nvPicPr>
-          <p:cNvPr id="2062" name="Picture 14">
-            <a:extLst>
-              <a:ext uri="{FF2B5EF4-FFF2-40B4-BE49-F238E27FC236}">
-                <a16:creationId xmlns:a16="http://schemas.microsoft.com/office/drawing/2014/main" id="{EBF45BB8-CBFE-2627-CB0A-3F348059554E}"/>
+          <p:cNvPr id="9" name="Picture 14">
+            <a:extLst>
+              <a:ext uri="{FF2B5EF4-FFF2-40B4-BE49-F238E27FC236}">
+                <a16:creationId xmlns:a16="http://schemas.microsoft.com/office/drawing/2014/main" id="{E41FD06F-087E-CED6-436B-0A92719F8441}"/>
               </a:ext>
             </a:extLst>
           </p:cNvPr>
@@ -5559,8 +5559,8 @@
         </p:blipFill>
         <p:spPr bwMode="auto">
           <a:xfrm>
-            <a:off x="240023" y="3428997"/>
-            <a:ext cx="2931846" cy="2140507"/>
+            <a:off x="3116871" y="4697982"/>
+            <a:ext cx="2775907" cy="2026658"/>
           </a:xfrm>
           <a:prstGeom prst="rect">
             <a:avLst/>
@@ -5579,10 +5579,10 @@
       </p:pic>
       <p:pic>
         <p:nvPicPr>
-          <p:cNvPr id="2064" name="Picture 16">
-            <a:extLst>
-              <a:ext uri="{FF2B5EF4-FFF2-40B4-BE49-F238E27FC236}">
-                <a16:creationId xmlns:a16="http://schemas.microsoft.com/office/drawing/2014/main" id="{485E0754-FE6E-A481-78AF-2A4891D1AC44}"/>
+          <p:cNvPr id="10" name="Picture 16">
+            <a:extLst>
+              <a:ext uri="{FF2B5EF4-FFF2-40B4-BE49-F238E27FC236}">
+                <a16:creationId xmlns:a16="http://schemas.microsoft.com/office/drawing/2014/main" id="{9F796E17-7529-38ED-7A86-DE807DA8A173}"/>
               </a:ext>
             </a:extLst>
           </p:cNvPr>
@@ -5606,8 +5606,196 @@
         </p:blipFill>
         <p:spPr bwMode="auto">
           <a:xfrm>
-            <a:off x="323133" y="1000982"/>
-            <a:ext cx="2765625" cy="2344064"/>
+            <a:off x="3209556" y="720425"/>
+            <a:ext cx="2643747" cy="2240764"/>
+          </a:xfrm>
+          <a:prstGeom prst="rect">
+            <a:avLst/>
+          </a:prstGeom>
+          <a:noFill/>
+          <a:extLst>
+            <a:ext uri="{909E8E84-426E-40DD-AFC4-6F175D3DCCD1}">
+              <a14:hiddenFill xmlns:a14="http://schemas.microsoft.com/office/drawing/2010/main">
+                <a:solidFill>
+                  <a:srgbClr val="FFFFFF"/>
+                </a:solidFill>
+              </a14:hiddenFill>
+            </a:ext>
+          </a:extLst>
+        </p:spPr>
+      </p:pic>
+      <p:pic>
+        <p:nvPicPr>
+          <p:cNvPr id="2066" name="Picture 18">
+            <a:extLst>
+              <a:ext uri="{FF2B5EF4-FFF2-40B4-BE49-F238E27FC236}">
+                <a16:creationId xmlns:a16="http://schemas.microsoft.com/office/drawing/2014/main" id="{C33C83D6-A2B9-4606-1687-35E62128A349}"/>
+              </a:ext>
+            </a:extLst>
+          </p:cNvPr>
+          <p:cNvPicPr>
+            <a:picLocks noChangeAspect="1" noChangeArrowheads="1"/>
+          </p:cNvPicPr>
+          <p:nvPr/>
+        </p:nvPicPr>
+        <p:blipFill>
+          <a:blip r:embed="rId10">
+            <a:extLst>
+              <a:ext uri="{28A0092B-C50C-407E-A947-70E740481C1C}">
+                <a14:useLocalDpi xmlns:a14="http://schemas.microsoft.com/office/drawing/2010/main" val="0"/>
+              </a:ext>
+            </a:extLst>
+          </a:blip>
+          <a:srcRect/>
+          <a:stretch>
+            <a:fillRect/>
+          </a:stretch>
+        </p:blipFill>
+        <p:spPr bwMode="auto">
+          <a:xfrm>
+            <a:off x="3201492" y="2630917"/>
+            <a:ext cx="2651898" cy="2085863"/>
+          </a:xfrm>
+          <a:prstGeom prst="rect">
+            <a:avLst/>
+          </a:prstGeom>
+          <a:noFill/>
+          <a:extLst>
+            <a:ext uri="{909E8E84-426E-40DD-AFC4-6F175D3DCCD1}">
+              <a14:hiddenFill xmlns:a14="http://schemas.microsoft.com/office/drawing/2010/main">
+                <a:solidFill>
+                  <a:srgbClr val="FFFFFF"/>
+                </a:solidFill>
+              </a14:hiddenFill>
+            </a:ext>
+          </a:extLst>
+        </p:spPr>
+      </p:pic>
+      <p:pic>
+        <p:nvPicPr>
+          <p:cNvPr id="2068" name="Picture 20">
+            <a:extLst>
+              <a:ext uri="{FF2B5EF4-FFF2-40B4-BE49-F238E27FC236}">
+                <a16:creationId xmlns:a16="http://schemas.microsoft.com/office/drawing/2014/main" id="{43A9015D-9FAC-2BB2-7C82-6C9F06A16CFE}"/>
+              </a:ext>
+            </a:extLst>
+          </p:cNvPr>
+          <p:cNvPicPr>
+            <a:picLocks noChangeAspect="1" noChangeArrowheads="1"/>
+          </p:cNvPicPr>
+          <p:nvPr/>
+        </p:nvPicPr>
+        <p:blipFill>
+          <a:blip r:embed="rId11">
+            <a:extLst>
+              <a:ext uri="{28A0092B-C50C-407E-A947-70E740481C1C}">
+                <a14:useLocalDpi xmlns:a14="http://schemas.microsoft.com/office/drawing/2010/main" val="0"/>
+              </a:ext>
+            </a:extLst>
+          </a:blip>
+          <a:srcRect/>
+          <a:stretch>
+            <a:fillRect/>
+          </a:stretch>
+        </p:blipFill>
+        <p:spPr bwMode="auto">
+          <a:xfrm>
+            <a:off x="315099" y="4697982"/>
+            <a:ext cx="2775908" cy="2026659"/>
+          </a:xfrm>
+          <a:prstGeom prst="rect">
+            <a:avLst/>
+          </a:prstGeom>
+          <a:noFill/>
+          <a:extLst>
+            <a:ext uri="{909E8E84-426E-40DD-AFC4-6F175D3DCCD1}">
+              <a14:hiddenFill xmlns:a14="http://schemas.microsoft.com/office/drawing/2010/main">
+                <a:solidFill>
+                  <a:srgbClr val="FFFFFF"/>
+                </a:solidFill>
+              </a14:hiddenFill>
+            </a:ext>
+          </a:extLst>
+        </p:spPr>
+      </p:pic>
+      <p:pic>
+        <p:nvPicPr>
+          <p:cNvPr id="2070" name="Picture 22">
+            <a:extLst>
+              <a:ext uri="{FF2B5EF4-FFF2-40B4-BE49-F238E27FC236}">
+                <a16:creationId xmlns:a16="http://schemas.microsoft.com/office/drawing/2014/main" id="{19860C9F-882A-FEBA-5B0E-6D0CB5BFDE5F}"/>
+              </a:ext>
+            </a:extLst>
+          </p:cNvPr>
+          <p:cNvPicPr>
+            <a:picLocks noChangeAspect="1" noChangeArrowheads="1"/>
+          </p:cNvPicPr>
+          <p:nvPr/>
+        </p:nvPicPr>
+        <p:blipFill>
+          <a:blip r:embed="rId12">
+            <a:extLst>
+              <a:ext uri="{28A0092B-C50C-407E-A947-70E740481C1C}">
+                <a14:useLocalDpi xmlns:a14="http://schemas.microsoft.com/office/drawing/2010/main" val="0"/>
+              </a:ext>
+            </a:extLst>
+          </a:blip>
+          <a:srcRect/>
+          <a:stretch>
+            <a:fillRect/>
+          </a:stretch>
+        </p:blipFill>
+        <p:spPr bwMode="auto">
+          <a:xfrm>
+            <a:off x="409653" y="712134"/>
+            <a:ext cx="2643747" cy="2240764"/>
+          </a:xfrm>
+          <a:prstGeom prst="rect">
+            <a:avLst/>
+          </a:prstGeom>
+          <a:noFill/>
+          <a:extLst>
+            <a:ext uri="{909E8E84-426E-40DD-AFC4-6F175D3DCCD1}">
+              <a14:hiddenFill xmlns:a14="http://schemas.microsoft.com/office/drawing/2010/main">
+                <a:solidFill>
+                  <a:srgbClr val="FFFFFF"/>
+                </a:solidFill>
+              </a14:hiddenFill>
+            </a:ext>
+          </a:extLst>
+        </p:spPr>
+      </p:pic>
+      <p:pic>
+        <p:nvPicPr>
+          <p:cNvPr id="2072" name="Picture 24">
+            <a:extLst>
+              <a:ext uri="{FF2B5EF4-FFF2-40B4-BE49-F238E27FC236}">
+                <a16:creationId xmlns:a16="http://schemas.microsoft.com/office/drawing/2014/main" id="{EB438DDF-868E-BB5D-B2F8-0CD66613B94D}"/>
+              </a:ext>
+            </a:extLst>
+          </p:cNvPr>
+          <p:cNvPicPr>
+            <a:picLocks noChangeAspect="1" noChangeArrowheads="1"/>
+          </p:cNvPicPr>
+          <p:nvPr/>
+        </p:nvPicPr>
+        <p:blipFill>
+          <a:blip r:embed="rId13">
+            <a:extLst>
+              <a:ext uri="{28A0092B-C50C-407E-A947-70E740481C1C}">
+                <a14:useLocalDpi xmlns:a14="http://schemas.microsoft.com/office/drawing/2010/main" val="0"/>
+              </a:ext>
+            </a:extLst>
+          </a:blip>
+          <a:srcRect/>
+          <a:stretch>
+            <a:fillRect/>
+          </a:stretch>
+        </p:blipFill>
+        <p:spPr bwMode="auto">
+          <a:xfrm>
+            <a:off x="386023" y="2649716"/>
+            <a:ext cx="2651899" cy="2085863"/>
           </a:xfrm>
           <a:prstGeom prst="rect">
             <a:avLst/>

--- a/20240621 EAD Update (Mixed Prelim).pptx
+++ b/20240621 EAD Update (Mixed Prelim).pptx
@@ -4512,6 +4512,76 @@
           </a:extLst>
         </p:spPr>
       </p:pic>
+      <p:sp>
+        <p:nvSpPr>
+          <p:cNvPr id="5" name="TextBox 4">
+            <a:extLst>
+              <a:ext uri="{FF2B5EF4-FFF2-40B4-BE49-F238E27FC236}">
+                <a16:creationId xmlns:a16="http://schemas.microsoft.com/office/drawing/2014/main" id="{3080C99E-0CD8-AC6B-BFA7-4CCB076C28E3}"/>
+              </a:ext>
+            </a:extLst>
+          </p:cNvPr>
+          <p:cNvSpPr txBox="1"/>
+          <p:nvPr/>
+        </p:nvSpPr>
+        <p:spPr>
+          <a:xfrm>
+            <a:off x="916988" y="1208833"/>
+            <a:ext cx="1192306" cy="369332"/>
+          </a:xfrm>
+          <a:prstGeom prst="rect">
+            <a:avLst/>
+          </a:prstGeom>
+          <a:noFill/>
+        </p:spPr>
+        <p:txBody>
+          <a:bodyPr wrap="square" rtlCol="0">
+            <a:spAutoFit/>
+          </a:bodyPr>
+          <a:lstStyle/>
+          <a:p>
+            <a:r>
+              <a:rPr lang="en-US" dirty="0"/>
+              <a:t>y-linear</a:t>
+            </a:r>
+          </a:p>
+        </p:txBody>
+      </p:sp>
+      <p:sp>
+        <p:nvSpPr>
+          <p:cNvPr id="6" name="TextBox 5">
+            <a:extLst>
+              <a:ext uri="{FF2B5EF4-FFF2-40B4-BE49-F238E27FC236}">
+                <a16:creationId xmlns:a16="http://schemas.microsoft.com/office/drawing/2014/main" id="{EFD00E6B-DCCC-E671-BBEC-37D6AF20D4A1}"/>
+              </a:ext>
+            </a:extLst>
+          </p:cNvPr>
+          <p:cNvSpPr txBox="1"/>
+          <p:nvPr/>
+        </p:nvSpPr>
+        <p:spPr>
+          <a:xfrm>
+            <a:off x="947642" y="2762633"/>
+            <a:ext cx="1192306" cy="369332"/>
+          </a:xfrm>
+          <a:prstGeom prst="rect">
+            <a:avLst/>
+          </a:prstGeom>
+          <a:noFill/>
+        </p:spPr>
+        <p:txBody>
+          <a:bodyPr wrap="square" rtlCol="0">
+            <a:spAutoFit/>
+          </a:bodyPr>
+          <a:lstStyle/>
+          <a:p>
+            <a:r>
+              <a:rPr lang="en-US" dirty="0"/>
+              <a:t>y-log</a:t>
+            </a:r>
+          </a:p>
+        </p:txBody>
+      </p:sp>
     </p:spTree>
     <p:extLst>
       <p:ext uri="{BB962C8B-B14F-4D97-AF65-F5344CB8AC3E}">
@@ -5794,7 +5864,7 @@
         </p:blipFill>
         <p:spPr bwMode="auto">
           <a:xfrm>
-            <a:off x="386023" y="2649716"/>
+            <a:off x="386023" y="2631786"/>
             <a:ext cx="2651899" cy="2085863"/>
           </a:xfrm>
           <a:prstGeom prst="rect">

--- a/20240621 EAD Update (Mixed Prelim).pptx
+++ b/20240621 EAD Update (Mixed Prelim).pptx
@@ -5347,7 +5347,7 @@
         </p:blipFill>
         <p:spPr bwMode="auto">
           <a:xfrm>
-            <a:off x="8929688" y="4697982"/>
+            <a:off x="8862420" y="4697982"/>
             <a:ext cx="2775908" cy="2026658"/>
           </a:xfrm>
           <a:prstGeom prst="rect">
@@ -5414,10 +5414,10 @@
       </p:pic>
       <p:pic>
         <p:nvPicPr>
-          <p:cNvPr id="5" name="Picture 6">
-            <a:extLst>
-              <a:ext uri="{FF2B5EF4-FFF2-40B4-BE49-F238E27FC236}">
-                <a16:creationId xmlns:a16="http://schemas.microsoft.com/office/drawing/2014/main" id="{8BC41DF6-E110-1AC0-A64C-47861003B3C5}"/>
+          <p:cNvPr id="6" name="Picture 8">
+            <a:extLst>
+              <a:ext uri="{FF2B5EF4-FFF2-40B4-BE49-F238E27FC236}">
+                <a16:creationId xmlns:a16="http://schemas.microsoft.com/office/drawing/2014/main" id="{0F2BA287-E1FF-45B3-DC6E-EDFB0999125F}"/>
               </a:ext>
             </a:extLst>
           </p:cNvPr>
@@ -5441,8 +5441,8 @@
         </p:blipFill>
         <p:spPr bwMode="auto">
           <a:xfrm>
-            <a:off x="8953405" y="2649716"/>
-            <a:ext cx="2604099" cy="2048266"/>
+            <a:off x="5968735" y="4680846"/>
+            <a:ext cx="2775907" cy="2026658"/>
           </a:xfrm>
           <a:prstGeom prst="rect">
             <a:avLst/>
@@ -5461,10 +5461,10 @@
       </p:pic>
       <p:pic>
         <p:nvPicPr>
-          <p:cNvPr id="6" name="Picture 8">
-            <a:extLst>
-              <a:ext uri="{FF2B5EF4-FFF2-40B4-BE49-F238E27FC236}">
-                <a16:creationId xmlns:a16="http://schemas.microsoft.com/office/drawing/2014/main" id="{0F2BA287-E1FF-45B3-DC6E-EDFB0999125F}"/>
+          <p:cNvPr id="7" name="Picture 10">
+            <a:extLst>
+              <a:ext uri="{FF2B5EF4-FFF2-40B4-BE49-F238E27FC236}">
+                <a16:creationId xmlns:a16="http://schemas.microsoft.com/office/drawing/2014/main" id="{BFE8F1B3-F235-B165-7AD2-F7702BA26907}"/>
               </a:ext>
             </a:extLst>
           </p:cNvPr>
@@ -5488,8 +5488,8 @@
         </p:blipFill>
         <p:spPr bwMode="auto">
           <a:xfrm>
-            <a:off x="5892951" y="4697982"/>
-            <a:ext cx="2775907" cy="2026658"/>
+            <a:off x="6036003" y="734694"/>
+            <a:ext cx="2643747" cy="2240764"/>
           </a:xfrm>
           <a:prstGeom prst="rect">
             <a:avLst/>
@@ -5508,10 +5508,10 @@
       </p:pic>
       <p:pic>
         <p:nvPicPr>
-          <p:cNvPr id="7" name="Picture 10">
-            <a:extLst>
-              <a:ext uri="{FF2B5EF4-FFF2-40B4-BE49-F238E27FC236}">
-                <a16:creationId xmlns:a16="http://schemas.microsoft.com/office/drawing/2014/main" id="{BFE8F1B3-F235-B165-7AD2-F7702BA26907}"/>
+          <p:cNvPr id="9" name="Picture 14">
+            <a:extLst>
+              <a:ext uri="{FF2B5EF4-FFF2-40B4-BE49-F238E27FC236}">
+                <a16:creationId xmlns:a16="http://schemas.microsoft.com/office/drawing/2014/main" id="{E41FD06F-087E-CED6-436B-0A92719F8441}"/>
               </a:ext>
             </a:extLst>
           </p:cNvPr>
@@ -5535,8 +5535,8 @@
         </p:blipFill>
         <p:spPr bwMode="auto">
           <a:xfrm>
-            <a:off x="5879167" y="751830"/>
-            <a:ext cx="2643747" cy="2240764"/>
+            <a:off x="3143475" y="4697982"/>
+            <a:ext cx="2775907" cy="2026658"/>
           </a:xfrm>
           <a:prstGeom prst="rect">
             <a:avLst/>
@@ -5555,10 +5555,10 @@
       </p:pic>
       <p:pic>
         <p:nvPicPr>
-          <p:cNvPr id="8" name="Picture 12">
-            <a:extLst>
-              <a:ext uri="{FF2B5EF4-FFF2-40B4-BE49-F238E27FC236}">
-                <a16:creationId xmlns:a16="http://schemas.microsoft.com/office/drawing/2014/main" id="{5D6022D0-56EF-6BA7-B814-813C353F6989}"/>
+          <p:cNvPr id="10" name="Picture 16">
+            <a:extLst>
+              <a:ext uri="{FF2B5EF4-FFF2-40B4-BE49-F238E27FC236}">
+                <a16:creationId xmlns:a16="http://schemas.microsoft.com/office/drawing/2014/main" id="{9F796E17-7529-38ED-7A86-DE807DA8A173}"/>
               </a:ext>
             </a:extLst>
           </p:cNvPr>
@@ -5582,8 +5582,8 @@
         </p:blipFill>
         <p:spPr bwMode="auto">
           <a:xfrm>
-            <a:off x="5892951" y="2649716"/>
-            <a:ext cx="2604099" cy="2048266"/>
+            <a:off x="3209556" y="720425"/>
+            <a:ext cx="2643747" cy="2240764"/>
           </a:xfrm>
           <a:prstGeom prst="rect">
             <a:avLst/>
@@ -5602,10 +5602,10 @@
       </p:pic>
       <p:pic>
         <p:nvPicPr>
-          <p:cNvPr id="9" name="Picture 14">
-            <a:extLst>
-              <a:ext uri="{FF2B5EF4-FFF2-40B4-BE49-F238E27FC236}">
-                <a16:creationId xmlns:a16="http://schemas.microsoft.com/office/drawing/2014/main" id="{E41FD06F-087E-CED6-436B-0A92719F8441}"/>
+          <p:cNvPr id="2068" name="Picture 20">
+            <a:extLst>
+              <a:ext uri="{FF2B5EF4-FFF2-40B4-BE49-F238E27FC236}">
+                <a16:creationId xmlns:a16="http://schemas.microsoft.com/office/drawing/2014/main" id="{43A9015D-9FAC-2BB2-7C82-6C9F06A16CFE}"/>
               </a:ext>
             </a:extLst>
           </p:cNvPr>
@@ -5629,8 +5629,8 @@
         </p:blipFill>
         <p:spPr bwMode="auto">
           <a:xfrm>
-            <a:off x="3116871" y="4697982"/>
-            <a:ext cx="2775907" cy="2026658"/>
+            <a:off x="315099" y="4697982"/>
+            <a:ext cx="2775908" cy="2026659"/>
           </a:xfrm>
           <a:prstGeom prst="rect">
             <a:avLst/>
@@ -5649,10 +5649,10 @@
       </p:pic>
       <p:pic>
         <p:nvPicPr>
-          <p:cNvPr id="10" name="Picture 16">
-            <a:extLst>
-              <a:ext uri="{FF2B5EF4-FFF2-40B4-BE49-F238E27FC236}">
-                <a16:creationId xmlns:a16="http://schemas.microsoft.com/office/drawing/2014/main" id="{9F796E17-7529-38ED-7A86-DE807DA8A173}"/>
+          <p:cNvPr id="2070" name="Picture 22">
+            <a:extLst>
+              <a:ext uri="{FF2B5EF4-FFF2-40B4-BE49-F238E27FC236}">
+                <a16:creationId xmlns:a16="http://schemas.microsoft.com/office/drawing/2014/main" id="{19860C9F-882A-FEBA-5B0E-6D0CB5BFDE5F}"/>
               </a:ext>
             </a:extLst>
           </p:cNvPr>
@@ -5676,7 +5676,7 @@
         </p:blipFill>
         <p:spPr bwMode="auto">
           <a:xfrm>
-            <a:off x="3209556" y="720425"/>
+            <a:off x="409653" y="712134"/>
             <a:ext cx="2643747" cy="2240764"/>
           </a:xfrm>
           <a:prstGeom prst="rect">
@@ -5696,10 +5696,10 @@
       </p:pic>
       <p:pic>
         <p:nvPicPr>
-          <p:cNvPr id="2066" name="Picture 18">
-            <a:extLst>
-              <a:ext uri="{FF2B5EF4-FFF2-40B4-BE49-F238E27FC236}">
-                <a16:creationId xmlns:a16="http://schemas.microsoft.com/office/drawing/2014/main" id="{C33C83D6-A2B9-4606-1687-35E62128A349}"/>
+          <p:cNvPr id="2074" name="Picture 26">
+            <a:extLst>
+              <a:ext uri="{FF2B5EF4-FFF2-40B4-BE49-F238E27FC236}">
+                <a16:creationId xmlns:a16="http://schemas.microsoft.com/office/drawing/2014/main" id="{19945E35-0A7C-DC44-F285-BF2C33E606B3}"/>
               </a:ext>
             </a:extLst>
           </p:cNvPr>
@@ -5723,8 +5723,8 @@
         </p:blipFill>
         <p:spPr bwMode="auto">
           <a:xfrm>
-            <a:off x="3201492" y="2630917"/>
-            <a:ext cx="2651898" cy="2085863"/>
+            <a:off x="422585" y="2618531"/>
+            <a:ext cx="2643747" cy="2079451"/>
           </a:xfrm>
           <a:prstGeom prst="rect">
             <a:avLst/>
@@ -5743,10 +5743,10 @@
       </p:pic>
       <p:pic>
         <p:nvPicPr>
-          <p:cNvPr id="2068" name="Picture 20">
-            <a:extLst>
-              <a:ext uri="{FF2B5EF4-FFF2-40B4-BE49-F238E27FC236}">
-                <a16:creationId xmlns:a16="http://schemas.microsoft.com/office/drawing/2014/main" id="{43A9015D-9FAC-2BB2-7C82-6C9F06A16CFE}"/>
+          <p:cNvPr id="2076" name="Picture 28">
+            <a:extLst>
+              <a:ext uri="{FF2B5EF4-FFF2-40B4-BE49-F238E27FC236}">
+                <a16:creationId xmlns:a16="http://schemas.microsoft.com/office/drawing/2014/main" id="{C0BB8ADA-7CD3-DCBC-6915-1A0745FADFCC}"/>
               </a:ext>
             </a:extLst>
           </p:cNvPr>
@@ -5770,8 +5770,8 @@
         </p:blipFill>
         <p:spPr bwMode="auto">
           <a:xfrm>
-            <a:off x="315099" y="4697982"/>
-            <a:ext cx="2775908" cy="2026659"/>
+            <a:off x="3234231" y="2618530"/>
+            <a:ext cx="2643748" cy="2079452"/>
           </a:xfrm>
           <a:prstGeom prst="rect">
             <a:avLst/>
@@ -5790,10 +5790,10 @@
       </p:pic>
       <p:pic>
         <p:nvPicPr>
-          <p:cNvPr id="2070" name="Picture 22">
-            <a:extLst>
-              <a:ext uri="{FF2B5EF4-FFF2-40B4-BE49-F238E27FC236}">
-                <a16:creationId xmlns:a16="http://schemas.microsoft.com/office/drawing/2014/main" id="{19860C9F-882A-FEBA-5B0E-6D0CB5BFDE5F}"/>
+          <p:cNvPr id="2078" name="Picture 30">
+            <a:extLst>
+              <a:ext uri="{FF2B5EF4-FFF2-40B4-BE49-F238E27FC236}">
+                <a16:creationId xmlns:a16="http://schemas.microsoft.com/office/drawing/2014/main" id="{890B9605-70A8-84AE-16AF-63E30C030FCB}"/>
               </a:ext>
             </a:extLst>
           </p:cNvPr>
@@ -5817,8 +5817,8 @@
         </p:blipFill>
         <p:spPr bwMode="auto">
           <a:xfrm>
-            <a:off x="409653" y="712134"/>
-            <a:ext cx="2643747" cy="2240764"/>
+            <a:off x="6034814" y="2643615"/>
+            <a:ext cx="2643748" cy="2079452"/>
           </a:xfrm>
           <a:prstGeom prst="rect">
             <a:avLst/>
@@ -5837,10 +5837,10 @@
       </p:pic>
       <p:pic>
         <p:nvPicPr>
-          <p:cNvPr id="2072" name="Picture 24">
-            <a:extLst>
-              <a:ext uri="{FF2B5EF4-FFF2-40B4-BE49-F238E27FC236}">
-                <a16:creationId xmlns:a16="http://schemas.microsoft.com/office/drawing/2014/main" id="{EB438DDF-868E-BB5D-B2F8-0CD66613B94D}"/>
+          <p:cNvPr id="2080" name="Picture 32">
+            <a:extLst>
+              <a:ext uri="{FF2B5EF4-FFF2-40B4-BE49-F238E27FC236}">
+                <a16:creationId xmlns:a16="http://schemas.microsoft.com/office/drawing/2014/main" id="{0A2D44CA-63C2-7FFD-86A9-839D1B43C6ED}"/>
               </a:ext>
             </a:extLst>
           </p:cNvPr>
@@ -5864,8 +5864,8 @@
         </p:blipFill>
         <p:spPr bwMode="auto">
           <a:xfrm>
-            <a:off x="386023" y="2631786"/>
-            <a:ext cx="2651899" cy="2085863"/>
+            <a:off x="8928500" y="2660751"/>
+            <a:ext cx="2643748" cy="2079452"/>
           </a:xfrm>
           <a:prstGeom prst="rect">
             <a:avLst/>

--- a/20240621 EAD Update (Mixed Prelim).pptx
+++ b/20240621 EAD Update (Mixed Prelim).pptx
@@ -3749,7 +3749,7 @@
           <a:p>
             <a:r>
               <a:rPr lang="en-US" dirty="0"/>
-              <a:t>Density of NFL</a:t>
+              <a:t>Density of NFM</a:t>
             </a:r>
           </a:p>
         </p:txBody>
